--- a/Presentation.pptx
+++ b/Presentation.pptx
@@ -4,6 +4,9 @@
   <p:sldMasterIdLst>
     <p:sldMasterId id="2147483752" r:id="rId1"/>
   </p:sldMasterIdLst>
+  <p:notesMasterIdLst>
+    <p:notesMasterId r:id="rId27"/>
+  </p:notesMasterIdLst>
   <p:sldIdLst>
     <p:sldId id="256" r:id="rId2"/>
     <p:sldId id="257" r:id="rId3"/>
@@ -12,18 +15,24 @@
     <p:sldId id="260" r:id="rId6"/>
     <p:sldId id="269" r:id="rId7"/>
     <p:sldId id="261" r:id="rId8"/>
-    <p:sldId id="268" r:id="rId9"/>
-    <p:sldId id="264" r:id="rId10"/>
-    <p:sldId id="262" r:id="rId11"/>
-    <p:sldId id="263" r:id="rId12"/>
-    <p:sldId id="267" r:id="rId13"/>
-    <p:sldId id="270" r:id="rId14"/>
-    <p:sldId id="271" r:id="rId15"/>
-    <p:sldId id="272" r:id="rId16"/>
-    <p:sldId id="273" r:id="rId17"/>
-    <p:sldId id="274" r:id="rId18"/>
-    <p:sldId id="265" r:id="rId19"/>
-    <p:sldId id="266" r:id="rId20"/>
+    <p:sldId id="264" r:id="rId9"/>
+    <p:sldId id="279" r:id="rId10"/>
+    <p:sldId id="275" r:id="rId11"/>
+    <p:sldId id="262" r:id="rId12"/>
+    <p:sldId id="263" r:id="rId13"/>
+    <p:sldId id="276" r:id="rId14"/>
+    <p:sldId id="267" r:id="rId15"/>
+    <p:sldId id="270" r:id="rId16"/>
+    <p:sldId id="277" r:id="rId17"/>
+    <p:sldId id="271" r:id="rId18"/>
+    <p:sldId id="272" r:id="rId19"/>
+    <p:sldId id="278" r:id="rId20"/>
+    <p:sldId id="273" r:id="rId21"/>
+    <p:sldId id="274" r:id="rId22"/>
+    <p:sldId id="268" r:id="rId23"/>
+    <p:sldId id="265" r:id="rId24"/>
+    <p:sldId id="266" r:id="rId25"/>
+    <p:sldId id="281" r:id="rId26"/>
   </p:sldIdLst>
   <p:sldSz cx="12192000" cy="6858000"/>
   <p:notesSz cx="6858000" cy="9144000"/>
@@ -128,6 +137,4822 @@
     </p:ext>
   </p:extLst>
 </p:presentation>
+</file>
+
+<file path=ppt/notesMasters/notesMaster1.xml><?xml version="1.0" encoding="utf-8"?>
+<p:notesMaster xmlns:a="http://schemas.openxmlformats.org/drawingml/2006/main" xmlns:r="http://schemas.openxmlformats.org/officeDocument/2006/relationships" xmlns:p="http://schemas.openxmlformats.org/presentationml/2006/main">
+  <p:cSld>
+    <p:bg>
+      <p:bgRef idx="1001">
+        <a:schemeClr val="bg1"/>
+      </p:bgRef>
+    </p:bg>
+    <p:spTree>
+      <p:nvGrpSpPr>
+        <p:cNvPr id="1" name=""/>
+        <p:cNvGrpSpPr/>
+        <p:nvPr/>
+      </p:nvGrpSpPr>
+      <p:grpSpPr>
+        <a:xfrm>
+          <a:off x="0" y="0"/>
+          <a:ext cx="0" cy="0"/>
+          <a:chOff x="0" y="0"/>
+          <a:chExt cx="0" cy="0"/>
+        </a:xfrm>
+      </p:grpSpPr>
+      <p:sp>
+        <p:nvSpPr>
+          <p:cNvPr id="2" name="Header Placeholder 1"/>
+          <p:cNvSpPr>
+            <a:spLocks noGrp="1"/>
+          </p:cNvSpPr>
+          <p:nvPr>
+            <p:ph type="hdr" sz="quarter"/>
+          </p:nvPr>
+        </p:nvSpPr>
+        <p:spPr>
+          <a:xfrm>
+            <a:off x="0" y="0"/>
+            <a:ext cx="2971800" cy="458788"/>
+          </a:xfrm>
+          <a:prstGeom prst="rect">
+            <a:avLst/>
+          </a:prstGeom>
+        </p:spPr>
+        <p:txBody>
+          <a:bodyPr vert="horz" lIns="91440" tIns="45720" rIns="91440" bIns="45720" rtlCol="0"/>
+          <a:lstStyle>
+            <a:lvl1pPr algn="l">
+              <a:defRPr sz="1200"/>
+            </a:lvl1pPr>
+          </a:lstStyle>
+          <a:p>
+            <a:endParaRPr lang="en-US"/>
+          </a:p>
+        </p:txBody>
+      </p:sp>
+      <p:sp>
+        <p:nvSpPr>
+          <p:cNvPr id="3" name="Date Placeholder 2"/>
+          <p:cNvSpPr>
+            <a:spLocks noGrp="1"/>
+          </p:cNvSpPr>
+          <p:nvPr>
+            <p:ph type="dt" idx="1"/>
+          </p:nvPr>
+        </p:nvSpPr>
+        <p:spPr>
+          <a:xfrm>
+            <a:off x="3884613" y="0"/>
+            <a:ext cx="2971800" cy="458788"/>
+          </a:xfrm>
+          <a:prstGeom prst="rect">
+            <a:avLst/>
+          </a:prstGeom>
+        </p:spPr>
+        <p:txBody>
+          <a:bodyPr vert="horz" lIns="91440" tIns="45720" rIns="91440" bIns="45720" rtlCol="0"/>
+          <a:lstStyle>
+            <a:lvl1pPr algn="r">
+              <a:defRPr sz="1200"/>
+            </a:lvl1pPr>
+          </a:lstStyle>
+          <a:p>
+            <a:fld id="{F9A7CBD8-68C2-4AE8-918D-6A1BFDEB343F}" type="datetimeFigureOut">
+              <a:rPr lang="en-US" smtClean="0"/>
+              <a:t>5/17/2023</a:t>
+            </a:fld>
+            <a:endParaRPr lang="en-US"/>
+          </a:p>
+        </p:txBody>
+      </p:sp>
+      <p:sp>
+        <p:nvSpPr>
+          <p:cNvPr id="4" name="Slide Image Placeholder 3"/>
+          <p:cNvSpPr>
+            <a:spLocks noGrp="1" noRot="1" noChangeAspect="1"/>
+          </p:cNvSpPr>
+          <p:nvPr>
+            <p:ph type="sldImg" idx="2"/>
+          </p:nvPr>
+        </p:nvSpPr>
+        <p:spPr>
+          <a:xfrm>
+            <a:off x="685800" y="1143000"/>
+            <a:ext cx="5486400" cy="3086100"/>
+          </a:xfrm>
+          <a:prstGeom prst="rect">
+            <a:avLst/>
+          </a:prstGeom>
+          <a:noFill/>
+          <a:ln w="12700">
+            <a:solidFill>
+              <a:prstClr val="black"/>
+            </a:solidFill>
+          </a:ln>
+        </p:spPr>
+        <p:txBody>
+          <a:bodyPr vert="horz" lIns="91440" tIns="45720" rIns="91440" bIns="45720" rtlCol="0" anchor="ctr"/>
+          <a:lstStyle/>
+          <a:p>
+            <a:endParaRPr lang="en-US"/>
+          </a:p>
+        </p:txBody>
+      </p:sp>
+      <p:sp>
+        <p:nvSpPr>
+          <p:cNvPr id="5" name="Notes Placeholder 4"/>
+          <p:cNvSpPr>
+            <a:spLocks noGrp="1"/>
+          </p:cNvSpPr>
+          <p:nvPr>
+            <p:ph type="body" sz="quarter" idx="3"/>
+          </p:nvPr>
+        </p:nvSpPr>
+        <p:spPr>
+          <a:xfrm>
+            <a:off x="685800" y="4400550"/>
+            <a:ext cx="5486400" cy="3600450"/>
+          </a:xfrm>
+          <a:prstGeom prst="rect">
+            <a:avLst/>
+          </a:prstGeom>
+        </p:spPr>
+        <p:txBody>
+          <a:bodyPr vert="horz" lIns="91440" tIns="45720" rIns="91440" bIns="45720" rtlCol="0"/>
+          <a:lstStyle/>
+          <a:p>
+            <a:pPr lvl="0"/>
+            <a:r>
+              <a:rPr lang="en-US"/>
+              <a:t>Click to edit Master text styles</a:t>
+            </a:r>
+          </a:p>
+          <a:p>
+            <a:pPr lvl="1"/>
+            <a:r>
+              <a:rPr lang="en-US"/>
+              <a:t>Second level</a:t>
+            </a:r>
+          </a:p>
+          <a:p>
+            <a:pPr lvl="2"/>
+            <a:r>
+              <a:rPr lang="en-US"/>
+              <a:t>Third level</a:t>
+            </a:r>
+          </a:p>
+          <a:p>
+            <a:pPr lvl="3"/>
+            <a:r>
+              <a:rPr lang="en-US"/>
+              <a:t>Fourth level</a:t>
+            </a:r>
+          </a:p>
+          <a:p>
+            <a:pPr lvl="4"/>
+            <a:r>
+              <a:rPr lang="en-US"/>
+              <a:t>Fifth level</a:t>
+            </a:r>
+          </a:p>
+        </p:txBody>
+      </p:sp>
+      <p:sp>
+        <p:nvSpPr>
+          <p:cNvPr id="6" name="Footer Placeholder 5"/>
+          <p:cNvSpPr>
+            <a:spLocks noGrp="1"/>
+          </p:cNvSpPr>
+          <p:nvPr>
+            <p:ph type="ftr" sz="quarter" idx="4"/>
+          </p:nvPr>
+        </p:nvSpPr>
+        <p:spPr>
+          <a:xfrm>
+            <a:off x="0" y="8685213"/>
+            <a:ext cx="2971800" cy="458787"/>
+          </a:xfrm>
+          <a:prstGeom prst="rect">
+            <a:avLst/>
+          </a:prstGeom>
+        </p:spPr>
+        <p:txBody>
+          <a:bodyPr vert="horz" lIns="91440" tIns="45720" rIns="91440" bIns="45720" rtlCol="0" anchor="b"/>
+          <a:lstStyle>
+            <a:lvl1pPr algn="l">
+              <a:defRPr sz="1200"/>
+            </a:lvl1pPr>
+          </a:lstStyle>
+          <a:p>
+            <a:endParaRPr lang="en-US"/>
+          </a:p>
+        </p:txBody>
+      </p:sp>
+      <p:sp>
+        <p:nvSpPr>
+          <p:cNvPr id="7" name="Slide Number Placeholder 6"/>
+          <p:cNvSpPr>
+            <a:spLocks noGrp="1"/>
+          </p:cNvSpPr>
+          <p:nvPr>
+            <p:ph type="sldNum" sz="quarter" idx="5"/>
+          </p:nvPr>
+        </p:nvSpPr>
+        <p:spPr>
+          <a:xfrm>
+            <a:off x="3884613" y="8685213"/>
+            <a:ext cx="2971800" cy="458787"/>
+          </a:xfrm>
+          <a:prstGeom prst="rect">
+            <a:avLst/>
+          </a:prstGeom>
+        </p:spPr>
+        <p:txBody>
+          <a:bodyPr vert="horz" lIns="91440" tIns="45720" rIns="91440" bIns="45720" rtlCol="0" anchor="b"/>
+          <a:lstStyle>
+            <a:lvl1pPr algn="r">
+              <a:defRPr sz="1200"/>
+            </a:lvl1pPr>
+          </a:lstStyle>
+          <a:p>
+            <a:fld id="{7D5886F4-4666-4B3D-9448-64E644E4CF29}" type="slidenum">
+              <a:rPr lang="en-US" smtClean="0"/>
+              <a:t>‹#›</a:t>
+            </a:fld>
+            <a:endParaRPr lang="en-US"/>
+          </a:p>
+        </p:txBody>
+      </p:sp>
+    </p:spTree>
+    <p:extLst>
+      <p:ext uri="{BB962C8B-B14F-4D97-AF65-F5344CB8AC3E}">
+        <p14:creationId xmlns:p14="http://schemas.microsoft.com/office/powerpoint/2010/main" val="1360519947"/>
+      </p:ext>
+    </p:extLst>
+  </p:cSld>
+  <p:clrMap bg1="lt1" tx1="dk1" bg2="lt2" tx2="dk2" accent1="accent1" accent2="accent2" accent3="accent3" accent4="accent4" accent5="accent5" accent6="accent6" hlink="hlink" folHlink="folHlink"/>
+  <p:notesStyle>
+    <a:lvl1pPr marL="0" algn="l" defTabSz="914400" rtl="0" eaLnBrk="1" latinLnBrk="0" hangingPunct="1">
+      <a:defRPr sz="1200" kern="1200">
+        <a:solidFill>
+          <a:schemeClr val="tx1"/>
+        </a:solidFill>
+        <a:latin typeface="+mn-lt"/>
+        <a:ea typeface="+mn-ea"/>
+        <a:cs typeface="+mn-cs"/>
+      </a:defRPr>
+    </a:lvl1pPr>
+    <a:lvl2pPr marL="457200" algn="l" defTabSz="914400" rtl="0" eaLnBrk="1" latinLnBrk="0" hangingPunct="1">
+      <a:defRPr sz="1200" kern="1200">
+        <a:solidFill>
+          <a:schemeClr val="tx1"/>
+        </a:solidFill>
+        <a:latin typeface="+mn-lt"/>
+        <a:ea typeface="+mn-ea"/>
+        <a:cs typeface="+mn-cs"/>
+      </a:defRPr>
+    </a:lvl2pPr>
+    <a:lvl3pPr marL="914400" algn="l" defTabSz="914400" rtl="0" eaLnBrk="1" latinLnBrk="0" hangingPunct="1">
+      <a:defRPr sz="1200" kern="1200">
+        <a:solidFill>
+          <a:schemeClr val="tx1"/>
+        </a:solidFill>
+        <a:latin typeface="+mn-lt"/>
+        <a:ea typeface="+mn-ea"/>
+        <a:cs typeface="+mn-cs"/>
+      </a:defRPr>
+    </a:lvl3pPr>
+    <a:lvl4pPr marL="1371600" algn="l" defTabSz="914400" rtl="0" eaLnBrk="1" latinLnBrk="0" hangingPunct="1">
+      <a:defRPr sz="1200" kern="1200">
+        <a:solidFill>
+          <a:schemeClr val="tx1"/>
+        </a:solidFill>
+        <a:latin typeface="+mn-lt"/>
+        <a:ea typeface="+mn-ea"/>
+        <a:cs typeface="+mn-cs"/>
+      </a:defRPr>
+    </a:lvl4pPr>
+    <a:lvl5pPr marL="1828800" algn="l" defTabSz="914400" rtl="0" eaLnBrk="1" latinLnBrk="0" hangingPunct="1">
+      <a:defRPr sz="1200" kern="1200">
+        <a:solidFill>
+          <a:schemeClr val="tx1"/>
+        </a:solidFill>
+        <a:latin typeface="+mn-lt"/>
+        <a:ea typeface="+mn-ea"/>
+        <a:cs typeface="+mn-cs"/>
+      </a:defRPr>
+    </a:lvl5pPr>
+    <a:lvl6pPr marL="2286000" algn="l" defTabSz="914400" rtl="0" eaLnBrk="1" latinLnBrk="0" hangingPunct="1">
+      <a:defRPr sz="1200" kern="1200">
+        <a:solidFill>
+          <a:schemeClr val="tx1"/>
+        </a:solidFill>
+        <a:latin typeface="+mn-lt"/>
+        <a:ea typeface="+mn-ea"/>
+        <a:cs typeface="+mn-cs"/>
+      </a:defRPr>
+    </a:lvl6pPr>
+    <a:lvl7pPr marL="2743200" algn="l" defTabSz="914400" rtl="0" eaLnBrk="1" latinLnBrk="0" hangingPunct="1">
+      <a:defRPr sz="1200" kern="1200">
+        <a:solidFill>
+          <a:schemeClr val="tx1"/>
+        </a:solidFill>
+        <a:latin typeface="+mn-lt"/>
+        <a:ea typeface="+mn-ea"/>
+        <a:cs typeface="+mn-cs"/>
+      </a:defRPr>
+    </a:lvl7pPr>
+    <a:lvl8pPr marL="3200400" algn="l" defTabSz="914400" rtl="0" eaLnBrk="1" latinLnBrk="0" hangingPunct="1">
+      <a:defRPr sz="1200" kern="1200">
+        <a:solidFill>
+          <a:schemeClr val="tx1"/>
+        </a:solidFill>
+        <a:latin typeface="+mn-lt"/>
+        <a:ea typeface="+mn-ea"/>
+        <a:cs typeface="+mn-cs"/>
+      </a:defRPr>
+    </a:lvl8pPr>
+    <a:lvl9pPr marL="3657600" algn="l" defTabSz="914400" rtl="0" eaLnBrk="1" latinLnBrk="0" hangingPunct="1">
+      <a:defRPr sz="1200" kern="1200">
+        <a:solidFill>
+          <a:schemeClr val="tx1"/>
+        </a:solidFill>
+        <a:latin typeface="+mn-lt"/>
+        <a:ea typeface="+mn-ea"/>
+        <a:cs typeface="+mn-cs"/>
+      </a:defRPr>
+    </a:lvl9pPr>
+  </p:notesStyle>
+</p:notesMaster>
+</file>
+
+<file path=ppt/notesSlides/notesSlide1.xml><?xml version="1.0" encoding="utf-8"?>
+<p:notes xmlns:a="http://schemas.openxmlformats.org/drawingml/2006/main" xmlns:r="http://schemas.openxmlformats.org/officeDocument/2006/relationships" xmlns:p="http://schemas.openxmlformats.org/presentationml/2006/main">
+  <p:cSld>
+    <p:spTree>
+      <p:nvGrpSpPr>
+        <p:cNvPr id="1" name=""/>
+        <p:cNvGrpSpPr/>
+        <p:nvPr/>
+      </p:nvGrpSpPr>
+      <p:grpSpPr>
+        <a:xfrm>
+          <a:off x="0" y="0"/>
+          <a:ext cx="0" cy="0"/>
+          <a:chOff x="0" y="0"/>
+          <a:chExt cx="0" cy="0"/>
+        </a:xfrm>
+      </p:grpSpPr>
+      <p:sp>
+        <p:nvSpPr>
+          <p:cNvPr id="2" name="Slide Image Placeholder 1"/>
+          <p:cNvSpPr>
+            <a:spLocks noGrp="1" noRot="1" noChangeAspect="1"/>
+          </p:cNvSpPr>
+          <p:nvPr>
+            <p:ph type="sldImg"/>
+          </p:nvPr>
+        </p:nvSpPr>
+        <p:spPr/>
+      </p:sp>
+      <p:sp>
+        <p:nvSpPr>
+          <p:cNvPr id="3" name="Notes Placeholder 2"/>
+          <p:cNvSpPr>
+            <a:spLocks noGrp="1"/>
+          </p:cNvSpPr>
+          <p:nvPr>
+            <p:ph type="body" idx="1"/>
+          </p:nvPr>
+        </p:nvSpPr>
+        <p:spPr/>
+        <p:txBody>
+          <a:bodyPr/>
+          <a:lstStyle/>
+          <a:p>
+            <a:r>
+              <a:rPr lang="en-US" dirty="0"/>
+              <a:t>Opening:</a:t>
+            </a:r>
+          </a:p>
+          <a:p>
+            <a:endParaRPr lang="en-US" dirty="0"/>
+          </a:p>
+          <a:p>
+            <a:r>
+              <a:rPr lang="en-US" dirty="0"/>
+              <a:t>Kevin will intro</a:t>
+            </a:r>
+          </a:p>
+        </p:txBody>
+      </p:sp>
+      <p:sp>
+        <p:nvSpPr>
+          <p:cNvPr id="4" name="Slide Number Placeholder 3"/>
+          <p:cNvSpPr>
+            <a:spLocks noGrp="1"/>
+          </p:cNvSpPr>
+          <p:nvPr>
+            <p:ph type="sldNum" sz="quarter" idx="5"/>
+          </p:nvPr>
+        </p:nvSpPr>
+        <p:spPr/>
+        <p:txBody>
+          <a:bodyPr/>
+          <a:lstStyle/>
+          <a:p>
+            <a:fld id="{7D5886F4-4666-4B3D-9448-64E644E4CF29}" type="slidenum">
+              <a:rPr lang="en-US" smtClean="0"/>
+              <a:t>1</a:t>
+            </a:fld>
+            <a:endParaRPr lang="en-US"/>
+          </a:p>
+        </p:txBody>
+      </p:sp>
+    </p:spTree>
+    <p:extLst>
+      <p:ext uri="{BB962C8B-B14F-4D97-AF65-F5344CB8AC3E}">
+        <p14:creationId xmlns:p14="http://schemas.microsoft.com/office/powerpoint/2010/main" val="2935716031"/>
+      </p:ext>
+    </p:extLst>
+  </p:cSld>
+  <p:clrMapOvr>
+    <a:masterClrMapping/>
+  </p:clrMapOvr>
+</p:notes>
+</file>
+
+<file path=ppt/notesSlides/notesSlide10.xml><?xml version="1.0" encoding="utf-8"?>
+<p:notes xmlns:a="http://schemas.openxmlformats.org/drawingml/2006/main" xmlns:r="http://schemas.openxmlformats.org/officeDocument/2006/relationships" xmlns:p="http://schemas.openxmlformats.org/presentationml/2006/main">
+  <p:cSld>
+    <p:spTree>
+      <p:nvGrpSpPr>
+        <p:cNvPr id="1" name=""/>
+        <p:cNvGrpSpPr/>
+        <p:nvPr/>
+      </p:nvGrpSpPr>
+      <p:grpSpPr>
+        <a:xfrm>
+          <a:off x="0" y="0"/>
+          <a:ext cx="0" cy="0"/>
+          <a:chOff x="0" y="0"/>
+          <a:chExt cx="0" cy="0"/>
+        </a:xfrm>
+      </p:grpSpPr>
+      <p:sp>
+        <p:nvSpPr>
+          <p:cNvPr id="2" name="Slide Image Placeholder 1"/>
+          <p:cNvSpPr>
+            <a:spLocks noGrp="1" noRot="1" noChangeAspect="1"/>
+          </p:cNvSpPr>
+          <p:nvPr>
+            <p:ph type="sldImg"/>
+          </p:nvPr>
+        </p:nvSpPr>
+        <p:spPr/>
+      </p:sp>
+      <p:sp>
+        <p:nvSpPr>
+          <p:cNvPr id="3" name="Notes Placeholder 2"/>
+          <p:cNvSpPr>
+            <a:spLocks noGrp="1"/>
+          </p:cNvSpPr>
+          <p:nvPr>
+            <p:ph type="body" idx="1"/>
+          </p:nvPr>
+        </p:nvSpPr>
+        <p:spPr/>
+        <p:txBody>
+          <a:bodyPr/>
+          <a:lstStyle/>
+          <a:p>
+            <a:r>
+              <a:rPr lang="en-US" dirty="0"/>
+              <a:t>Jo Ann</a:t>
+            </a:r>
+          </a:p>
+          <a:p>
+            <a:endParaRPr lang="en-US" dirty="0"/>
+          </a:p>
+          <a:p>
+            <a:r>
+              <a:rPr lang="en-US" dirty="0">
+                <a:solidFill>
+                  <a:schemeClr val="accent2">
+                    <a:lumMod val="60000"/>
+                    <a:lumOff val="40000"/>
+                  </a:schemeClr>
+                </a:solidFill>
+              </a:rPr>
+              <a:t>Automobile Prices</a:t>
+            </a:r>
+            <a:br>
+              <a:rPr lang="en-US" dirty="0">
+                <a:solidFill>
+                  <a:schemeClr val="accent2">
+                    <a:lumMod val="60000"/>
+                    <a:lumOff val="40000"/>
+                  </a:schemeClr>
+                </a:solidFill>
+              </a:rPr>
+            </a:br>
+            <a:r>
+              <a:rPr lang="en-US" dirty="0">
+                <a:solidFill>
+                  <a:schemeClr val="accent2">
+                    <a:lumMod val="60000"/>
+                    <a:lumOff val="40000"/>
+                  </a:schemeClr>
+                </a:solidFill>
+              </a:rPr>
+              <a:t>Food Prices</a:t>
+            </a:r>
+            <a:br>
+              <a:rPr lang="en-US" dirty="0">
+                <a:solidFill>
+                  <a:schemeClr val="accent2">
+                    <a:lumMod val="60000"/>
+                    <a:lumOff val="40000"/>
+                  </a:schemeClr>
+                </a:solidFill>
+              </a:rPr>
+            </a:br>
+            <a:r>
+              <a:rPr lang="en-US" dirty="0">
+                <a:solidFill>
+                  <a:schemeClr val="accent2">
+                    <a:lumMod val="60000"/>
+                    <a:lumOff val="40000"/>
+                  </a:schemeClr>
+                </a:solidFill>
+              </a:rPr>
+              <a:t>Electricity Prices</a:t>
+            </a:r>
+            <a:br>
+              <a:rPr lang="en-US" dirty="0">
+                <a:solidFill>
+                  <a:schemeClr val="accent2">
+                    <a:lumMod val="60000"/>
+                    <a:lumOff val="40000"/>
+                  </a:schemeClr>
+                </a:solidFill>
+              </a:rPr>
+            </a:br>
+            <a:r>
+              <a:rPr lang="en-US" dirty="0">
+                <a:solidFill>
+                  <a:schemeClr val="accent2">
+                    <a:lumMod val="60000"/>
+                    <a:lumOff val="40000"/>
+                  </a:schemeClr>
+                </a:solidFill>
+              </a:rPr>
+              <a:t>Gasoline Prices</a:t>
+            </a:r>
+            <a:br>
+              <a:rPr lang="en-US" dirty="0">
+                <a:solidFill>
+                  <a:schemeClr val="accent2">
+                    <a:lumMod val="60000"/>
+                    <a:lumOff val="40000"/>
+                  </a:schemeClr>
+                </a:solidFill>
+              </a:rPr>
+            </a:br>
+            <a:r>
+              <a:rPr lang="en-US" dirty="0">
+                <a:solidFill>
+                  <a:schemeClr val="accent2">
+                    <a:lumMod val="60000"/>
+                    <a:lumOff val="40000"/>
+                  </a:schemeClr>
+                </a:solidFill>
+              </a:rPr>
+              <a:t>Toilet Paper Prices</a:t>
+            </a:r>
+            <a:endParaRPr lang="en-US" dirty="0"/>
+          </a:p>
+          <a:p>
+            <a:endParaRPr lang="en-US" dirty="0"/>
+          </a:p>
+          <a:p>
+            <a:r>
+              <a:rPr lang="en-US" dirty="0"/>
+              <a:t>Affect most </a:t>
+            </a:r>
+            <a:r>
+              <a:rPr lang="en-US" dirty="0" err="1"/>
+              <a:t>americans</a:t>
+            </a:r>
+            <a:r>
+              <a:rPr lang="en-US" dirty="0"/>
+              <a:t> / daily life</a:t>
+            </a:r>
+          </a:p>
+          <a:p>
+            <a:r>
+              <a:rPr lang="en-US" dirty="0"/>
+              <a:t>Covid, oil crash (2014-2016)</a:t>
+            </a:r>
+          </a:p>
+          <a:p>
+            <a:endParaRPr lang="en-US" dirty="0"/>
+          </a:p>
+          <a:p>
+            <a:pPr marL="0" marR="0" lvl="0" indent="0" algn="l" defTabSz="914400" rtl="0" eaLnBrk="1" fontAlgn="auto" latinLnBrk="0" hangingPunct="1">
+              <a:lnSpc>
+                <a:spcPct val="100000"/>
+              </a:lnSpc>
+              <a:spcBef>
+                <a:spcPts val="0"/>
+              </a:spcBef>
+              <a:spcAft>
+                <a:spcPts val="0"/>
+              </a:spcAft>
+              <a:buClrTx/>
+              <a:buSzTx/>
+              <a:buFontTx/>
+              <a:buNone/>
+              <a:tabLst/>
+              <a:defRPr/>
+            </a:pPr>
+            <a:r>
+              <a:rPr lang="en-US" dirty="0">
+                <a:solidFill>
+                  <a:schemeClr val="accent2">
+                    <a:lumMod val="60000"/>
+                    <a:lumOff val="40000"/>
+                  </a:schemeClr>
+                </a:solidFill>
+                <a:latin typeface="Slack-Lato"/>
+              </a:rPr>
+              <a:t>* </a:t>
+            </a:r>
+            <a:r>
+              <a:rPr lang="en-US" b="0" i="0" dirty="0">
+                <a:solidFill>
+                  <a:schemeClr val="accent2">
+                    <a:lumMod val="60000"/>
+                    <a:lumOff val="40000"/>
+                  </a:schemeClr>
+                </a:solidFill>
+                <a:effectLst/>
+                <a:latin typeface="Slack-Lato"/>
+              </a:rPr>
+              <a:t>Which world events are heavily visible in a variety of commodity prices?</a:t>
+            </a:r>
+            <a:br>
+              <a:rPr lang="en-US" b="0" i="0" dirty="0">
+                <a:solidFill>
+                  <a:schemeClr val="accent2">
+                    <a:lumMod val="60000"/>
+                    <a:lumOff val="40000"/>
+                  </a:schemeClr>
+                </a:solidFill>
+                <a:effectLst/>
+                <a:latin typeface="Slack-Lato"/>
+              </a:rPr>
+            </a:br>
+            <a:br>
+              <a:rPr lang="en-US" b="0" i="0" dirty="0">
+                <a:solidFill>
+                  <a:schemeClr val="accent2">
+                    <a:lumMod val="60000"/>
+                    <a:lumOff val="40000"/>
+                  </a:schemeClr>
+                </a:solidFill>
+                <a:effectLst/>
+                <a:latin typeface="Slack-Lato"/>
+              </a:rPr>
+            </a:br>
+            <a:r>
+              <a:rPr lang="en-US" b="0" i="0" dirty="0">
+                <a:solidFill>
+                  <a:schemeClr val="accent2">
+                    <a:lumMod val="60000"/>
+                    <a:lumOff val="40000"/>
+                  </a:schemeClr>
+                </a:solidFill>
+                <a:effectLst/>
+                <a:latin typeface="Slack-Lato"/>
+              </a:rPr>
+              <a:t>* Do prices decrease to normal after world events?</a:t>
+            </a:r>
+            <a:br>
+              <a:rPr lang="en-US" b="0" i="0" dirty="0">
+                <a:solidFill>
+                  <a:schemeClr val="accent2">
+                    <a:lumMod val="60000"/>
+                    <a:lumOff val="40000"/>
+                  </a:schemeClr>
+                </a:solidFill>
+                <a:effectLst/>
+                <a:latin typeface="Slack-Lato"/>
+              </a:rPr>
+            </a:br>
+            <a:br>
+              <a:rPr lang="en-US" b="0" i="0" dirty="0">
+                <a:solidFill>
+                  <a:schemeClr val="accent2">
+                    <a:lumMod val="60000"/>
+                    <a:lumOff val="40000"/>
+                  </a:schemeClr>
+                </a:solidFill>
+                <a:effectLst/>
+                <a:latin typeface="Slack-Lato"/>
+              </a:rPr>
+            </a:br>
+            <a:r>
+              <a:rPr lang="en-US" b="0" i="0" dirty="0">
+                <a:solidFill>
+                  <a:schemeClr val="accent2">
+                    <a:lumMod val="60000"/>
+                    <a:lumOff val="40000"/>
+                  </a:schemeClr>
+                </a:solidFill>
+                <a:effectLst/>
+                <a:latin typeface="Slack-Lato"/>
+              </a:rPr>
+              <a:t>* Are there any items that appear to have been affected uniquely by one major event?</a:t>
+            </a:r>
+            <a:br>
+              <a:rPr lang="en-US" b="0" i="0" dirty="0">
+                <a:solidFill>
+                  <a:schemeClr val="accent2">
+                    <a:lumMod val="60000"/>
+                    <a:lumOff val="40000"/>
+                  </a:schemeClr>
+                </a:solidFill>
+                <a:effectLst/>
+                <a:latin typeface="Slack-Lato"/>
+              </a:rPr>
+            </a:br>
+            <a:br>
+              <a:rPr lang="en-US" b="0" i="0" dirty="0">
+                <a:solidFill>
+                  <a:schemeClr val="accent2">
+                    <a:lumMod val="60000"/>
+                    <a:lumOff val="40000"/>
+                  </a:schemeClr>
+                </a:solidFill>
+                <a:effectLst/>
+                <a:latin typeface="Slack-Lato"/>
+              </a:rPr>
+            </a:br>
+            <a:r>
+              <a:rPr lang="en-US" b="0" i="0" dirty="0">
+                <a:solidFill>
+                  <a:schemeClr val="accent2">
+                    <a:lumMod val="60000"/>
+                    <a:lumOff val="40000"/>
+                  </a:schemeClr>
+                </a:solidFill>
+                <a:effectLst/>
+                <a:latin typeface="Slack-Lato"/>
+              </a:rPr>
+              <a:t>* How does each items price increase compare to yearly inflation?</a:t>
+            </a:r>
+            <a:endParaRPr lang="en-US" dirty="0"/>
+          </a:p>
+          <a:p>
+            <a:endParaRPr lang="en-US" dirty="0"/>
+          </a:p>
+        </p:txBody>
+      </p:sp>
+      <p:sp>
+        <p:nvSpPr>
+          <p:cNvPr id="4" name="Slide Number Placeholder 3"/>
+          <p:cNvSpPr>
+            <a:spLocks noGrp="1"/>
+          </p:cNvSpPr>
+          <p:nvPr>
+            <p:ph type="sldNum" sz="quarter" idx="5"/>
+          </p:nvPr>
+        </p:nvSpPr>
+        <p:spPr/>
+        <p:txBody>
+          <a:bodyPr/>
+          <a:lstStyle/>
+          <a:p>
+            <a:fld id="{7D5886F4-4666-4B3D-9448-64E644E4CF29}" type="slidenum">
+              <a:rPr lang="en-US" smtClean="0"/>
+              <a:t>10</a:t>
+            </a:fld>
+            <a:endParaRPr lang="en-US"/>
+          </a:p>
+        </p:txBody>
+      </p:sp>
+    </p:spTree>
+    <p:extLst>
+      <p:ext uri="{BB962C8B-B14F-4D97-AF65-F5344CB8AC3E}">
+        <p14:creationId xmlns:p14="http://schemas.microsoft.com/office/powerpoint/2010/main" val="1620802656"/>
+      </p:ext>
+    </p:extLst>
+  </p:cSld>
+  <p:clrMapOvr>
+    <a:masterClrMapping/>
+  </p:clrMapOvr>
+</p:notes>
+</file>
+
+<file path=ppt/notesSlides/notesSlide11.xml><?xml version="1.0" encoding="utf-8"?>
+<p:notes xmlns:a="http://schemas.openxmlformats.org/drawingml/2006/main" xmlns:r="http://schemas.openxmlformats.org/officeDocument/2006/relationships" xmlns:p="http://schemas.openxmlformats.org/presentationml/2006/main">
+  <p:cSld>
+    <p:spTree>
+      <p:nvGrpSpPr>
+        <p:cNvPr id="1" name=""/>
+        <p:cNvGrpSpPr/>
+        <p:nvPr/>
+      </p:nvGrpSpPr>
+      <p:grpSpPr>
+        <a:xfrm>
+          <a:off x="0" y="0"/>
+          <a:ext cx="0" cy="0"/>
+          <a:chOff x="0" y="0"/>
+          <a:chExt cx="0" cy="0"/>
+        </a:xfrm>
+      </p:grpSpPr>
+      <p:sp>
+        <p:nvSpPr>
+          <p:cNvPr id="2" name="Slide Image Placeholder 1"/>
+          <p:cNvSpPr>
+            <a:spLocks noGrp="1" noRot="1" noChangeAspect="1"/>
+          </p:cNvSpPr>
+          <p:nvPr>
+            <p:ph type="sldImg"/>
+          </p:nvPr>
+        </p:nvSpPr>
+        <p:spPr/>
+      </p:sp>
+      <p:sp>
+        <p:nvSpPr>
+          <p:cNvPr id="3" name="Notes Placeholder 2"/>
+          <p:cNvSpPr>
+            <a:spLocks noGrp="1"/>
+          </p:cNvSpPr>
+          <p:nvPr>
+            <p:ph type="body" idx="1"/>
+          </p:nvPr>
+        </p:nvSpPr>
+        <p:spPr/>
+        <p:txBody>
+          <a:bodyPr/>
+          <a:lstStyle/>
+          <a:p>
+            <a:r>
+              <a:rPr lang="en-US" dirty="0"/>
+              <a:t>Jo Ann</a:t>
+            </a:r>
+          </a:p>
+          <a:p>
+            <a:endParaRPr lang="en-US" dirty="0"/>
+          </a:p>
+          <a:p>
+            <a:r>
+              <a:rPr lang="en-US" dirty="0">
+                <a:solidFill>
+                  <a:schemeClr val="accent2">
+                    <a:lumMod val="60000"/>
+                    <a:lumOff val="40000"/>
+                  </a:schemeClr>
+                </a:solidFill>
+              </a:rPr>
+              <a:t>Automobile Prices, Food Prices, Electricity Prices, Gasoline Prices, Toilet Paper Prices</a:t>
+            </a:r>
+            <a:endParaRPr lang="en-US" dirty="0"/>
+          </a:p>
+          <a:p>
+            <a:endParaRPr lang="en-US" dirty="0"/>
+          </a:p>
+          <a:p>
+            <a:r>
+              <a:rPr lang="en-US" dirty="0"/>
+              <a:t>Covid, oil crash (2014-2016)</a:t>
+            </a:r>
+          </a:p>
+          <a:p>
+            <a:r>
+              <a:rPr lang="en-US" dirty="0"/>
+              <a:t>-Covid peaked all of these </a:t>
+            </a:r>
+          </a:p>
+          <a:p>
+            <a:r>
+              <a:rPr lang="en-US" dirty="0"/>
+              <a:t>-Many of these were affected mainly by covid</a:t>
+            </a:r>
+          </a:p>
+          <a:p>
+            <a:r>
+              <a:rPr lang="en-US" dirty="0"/>
+              <a:t>-gasoline is an example that was affected previously (was high and dropped)</a:t>
+            </a:r>
+          </a:p>
+          <a:p>
+            <a:endParaRPr lang="en-US" dirty="0"/>
+          </a:p>
+          <a:p>
+            <a:pPr marL="171450" marR="0" lvl="0" indent="-171450" algn="l" defTabSz="914400" rtl="0" eaLnBrk="1" fontAlgn="auto" latinLnBrk="0" hangingPunct="1">
+              <a:lnSpc>
+                <a:spcPct val="100000"/>
+              </a:lnSpc>
+              <a:spcBef>
+                <a:spcPts val="0"/>
+              </a:spcBef>
+              <a:spcAft>
+                <a:spcPts val="0"/>
+              </a:spcAft>
+              <a:buClrTx/>
+              <a:buSzTx/>
+              <a:buFont typeface="Arial" panose="020B0604020202020204" pitchFamily="34" charset="0"/>
+              <a:buChar char="•"/>
+              <a:tabLst/>
+              <a:defRPr/>
+            </a:pPr>
+            <a:r>
+              <a:rPr lang="en-US" b="0" i="0" dirty="0">
+                <a:solidFill>
+                  <a:schemeClr val="accent2">
+                    <a:lumMod val="60000"/>
+                    <a:lumOff val="40000"/>
+                  </a:schemeClr>
+                </a:solidFill>
+                <a:effectLst/>
+                <a:latin typeface="Slack-Lato"/>
+              </a:rPr>
+              <a:t>Which world events are heavily visible in a variety of commodity prices?</a:t>
+            </a:r>
+          </a:p>
+          <a:p>
+            <a:pPr marL="171450" marR="0" lvl="0" indent="-171450" algn="l" defTabSz="914400" rtl="0" eaLnBrk="1" fontAlgn="auto" latinLnBrk="0" hangingPunct="1">
+              <a:lnSpc>
+                <a:spcPct val="100000"/>
+              </a:lnSpc>
+              <a:spcBef>
+                <a:spcPts val="0"/>
+              </a:spcBef>
+              <a:spcAft>
+                <a:spcPts val="0"/>
+              </a:spcAft>
+              <a:buClrTx/>
+              <a:buSzTx/>
+              <a:buFont typeface="Arial" panose="020B0604020202020204" pitchFamily="34" charset="0"/>
+              <a:buChar char="•"/>
+              <a:tabLst/>
+              <a:defRPr/>
+            </a:pPr>
+            <a:r>
+              <a:rPr lang="en-US" b="0" i="0" dirty="0">
+                <a:solidFill>
+                  <a:schemeClr val="accent2">
+                    <a:lumMod val="60000"/>
+                    <a:lumOff val="40000"/>
+                  </a:schemeClr>
+                </a:solidFill>
+                <a:effectLst/>
+                <a:latin typeface="Slack-Lato"/>
+              </a:rPr>
+              <a:t>* Are there any items that appear to have been affected uniquely by one major event?</a:t>
+            </a:r>
+            <a:br>
+              <a:rPr lang="en-US" b="0" i="0" dirty="0">
+                <a:solidFill>
+                  <a:schemeClr val="accent2">
+                    <a:lumMod val="60000"/>
+                    <a:lumOff val="40000"/>
+                  </a:schemeClr>
+                </a:solidFill>
+                <a:effectLst/>
+                <a:latin typeface="Slack-Lato"/>
+              </a:rPr>
+            </a:br>
+            <a:r>
+              <a:rPr lang="en-US" b="0" i="0" dirty="0">
+                <a:solidFill>
+                  <a:schemeClr val="accent2">
+                    <a:lumMod val="60000"/>
+                    <a:lumOff val="40000"/>
+                  </a:schemeClr>
+                </a:solidFill>
+                <a:effectLst/>
+                <a:latin typeface="Slack-Lato"/>
+              </a:rPr>
+              <a:t>* How does each items price increase compare to yearly inflation?</a:t>
+            </a:r>
+            <a:endParaRPr lang="en-US" dirty="0"/>
+          </a:p>
+          <a:p>
+            <a:endParaRPr lang="en-US" dirty="0"/>
+          </a:p>
+          <a:p>
+            <a:endParaRPr lang="en-US" dirty="0"/>
+          </a:p>
+        </p:txBody>
+      </p:sp>
+      <p:sp>
+        <p:nvSpPr>
+          <p:cNvPr id="4" name="Slide Number Placeholder 3"/>
+          <p:cNvSpPr>
+            <a:spLocks noGrp="1"/>
+          </p:cNvSpPr>
+          <p:nvPr>
+            <p:ph type="sldNum" sz="quarter" idx="5"/>
+          </p:nvPr>
+        </p:nvSpPr>
+        <p:spPr/>
+        <p:txBody>
+          <a:bodyPr/>
+          <a:lstStyle/>
+          <a:p>
+            <a:fld id="{7D5886F4-4666-4B3D-9448-64E644E4CF29}" type="slidenum">
+              <a:rPr lang="en-US" smtClean="0"/>
+              <a:t>11</a:t>
+            </a:fld>
+            <a:endParaRPr lang="en-US"/>
+          </a:p>
+        </p:txBody>
+      </p:sp>
+    </p:spTree>
+    <p:extLst>
+      <p:ext uri="{BB962C8B-B14F-4D97-AF65-F5344CB8AC3E}">
+        <p14:creationId xmlns:p14="http://schemas.microsoft.com/office/powerpoint/2010/main" val="2987627741"/>
+      </p:ext>
+    </p:extLst>
+  </p:cSld>
+  <p:clrMapOvr>
+    <a:masterClrMapping/>
+  </p:clrMapOvr>
+</p:notes>
+</file>
+
+<file path=ppt/notesSlides/notesSlide12.xml><?xml version="1.0" encoding="utf-8"?>
+<p:notes xmlns:a="http://schemas.openxmlformats.org/drawingml/2006/main" xmlns:r="http://schemas.openxmlformats.org/officeDocument/2006/relationships" xmlns:p="http://schemas.openxmlformats.org/presentationml/2006/main">
+  <p:cSld>
+    <p:spTree>
+      <p:nvGrpSpPr>
+        <p:cNvPr id="1" name=""/>
+        <p:cNvGrpSpPr/>
+        <p:nvPr/>
+      </p:nvGrpSpPr>
+      <p:grpSpPr>
+        <a:xfrm>
+          <a:off x="0" y="0"/>
+          <a:ext cx="0" cy="0"/>
+          <a:chOff x="0" y="0"/>
+          <a:chExt cx="0" cy="0"/>
+        </a:xfrm>
+      </p:grpSpPr>
+      <p:sp>
+        <p:nvSpPr>
+          <p:cNvPr id="2" name="Slide Image Placeholder 1"/>
+          <p:cNvSpPr>
+            <a:spLocks noGrp="1" noRot="1" noChangeAspect="1"/>
+          </p:cNvSpPr>
+          <p:nvPr>
+            <p:ph type="sldImg"/>
+          </p:nvPr>
+        </p:nvSpPr>
+        <p:spPr/>
+      </p:sp>
+      <p:sp>
+        <p:nvSpPr>
+          <p:cNvPr id="3" name="Notes Placeholder 2"/>
+          <p:cNvSpPr>
+            <a:spLocks noGrp="1"/>
+          </p:cNvSpPr>
+          <p:nvPr>
+            <p:ph type="body" idx="1"/>
+          </p:nvPr>
+        </p:nvSpPr>
+        <p:spPr/>
+        <p:txBody>
+          <a:bodyPr/>
+          <a:lstStyle/>
+          <a:p>
+            <a:r>
+              <a:rPr lang="en-US" dirty="0"/>
+              <a:t>Jo Ann</a:t>
+            </a:r>
+          </a:p>
+          <a:p>
+            <a:endParaRPr lang="en-US" dirty="0"/>
+          </a:p>
+          <a:p>
+            <a:r>
+              <a:rPr lang="en-US" dirty="0"/>
+              <a:t>Gasoline prices you can really see the volatility</a:t>
+            </a:r>
+          </a:p>
+          <a:p>
+            <a:endParaRPr lang="en-US" dirty="0"/>
+          </a:p>
+        </p:txBody>
+      </p:sp>
+      <p:sp>
+        <p:nvSpPr>
+          <p:cNvPr id="4" name="Slide Number Placeholder 3"/>
+          <p:cNvSpPr>
+            <a:spLocks noGrp="1"/>
+          </p:cNvSpPr>
+          <p:nvPr>
+            <p:ph type="sldNum" sz="quarter" idx="5"/>
+          </p:nvPr>
+        </p:nvSpPr>
+        <p:spPr/>
+        <p:txBody>
+          <a:bodyPr/>
+          <a:lstStyle/>
+          <a:p>
+            <a:fld id="{7D5886F4-4666-4B3D-9448-64E644E4CF29}" type="slidenum">
+              <a:rPr lang="en-US" smtClean="0"/>
+              <a:t>12</a:t>
+            </a:fld>
+            <a:endParaRPr lang="en-US"/>
+          </a:p>
+        </p:txBody>
+      </p:sp>
+    </p:spTree>
+    <p:extLst>
+      <p:ext uri="{BB962C8B-B14F-4D97-AF65-F5344CB8AC3E}">
+        <p14:creationId xmlns:p14="http://schemas.microsoft.com/office/powerpoint/2010/main" val="3408200297"/>
+      </p:ext>
+    </p:extLst>
+  </p:cSld>
+  <p:clrMapOvr>
+    <a:masterClrMapping/>
+  </p:clrMapOvr>
+</p:notes>
+</file>
+
+<file path=ppt/notesSlides/notesSlide13.xml><?xml version="1.0" encoding="utf-8"?>
+<p:notes xmlns:a="http://schemas.openxmlformats.org/drawingml/2006/main" xmlns:r="http://schemas.openxmlformats.org/officeDocument/2006/relationships" xmlns:p="http://schemas.openxmlformats.org/presentationml/2006/main">
+  <p:cSld>
+    <p:spTree>
+      <p:nvGrpSpPr>
+        <p:cNvPr id="1" name=""/>
+        <p:cNvGrpSpPr/>
+        <p:nvPr/>
+      </p:nvGrpSpPr>
+      <p:grpSpPr>
+        <a:xfrm>
+          <a:off x="0" y="0"/>
+          <a:ext cx="0" cy="0"/>
+          <a:chOff x="0" y="0"/>
+          <a:chExt cx="0" cy="0"/>
+        </a:xfrm>
+      </p:grpSpPr>
+      <p:sp>
+        <p:nvSpPr>
+          <p:cNvPr id="2" name="Slide Image Placeholder 1"/>
+          <p:cNvSpPr>
+            <a:spLocks noGrp="1" noRot="1" noChangeAspect="1"/>
+          </p:cNvSpPr>
+          <p:nvPr>
+            <p:ph type="sldImg"/>
+          </p:nvPr>
+        </p:nvSpPr>
+        <p:spPr/>
+      </p:sp>
+      <p:sp>
+        <p:nvSpPr>
+          <p:cNvPr id="3" name="Notes Placeholder 2"/>
+          <p:cNvSpPr>
+            <a:spLocks noGrp="1"/>
+          </p:cNvSpPr>
+          <p:nvPr>
+            <p:ph type="body" idx="1"/>
+          </p:nvPr>
+        </p:nvSpPr>
+        <p:spPr/>
+        <p:txBody>
+          <a:bodyPr/>
+          <a:lstStyle/>
+          <a:p>
+            <a:r>
+              <a:rPr lang="en-US" dirty="0"/>
+              <a:t>Navya</a:t>
+            </a:r>
+          </a:p>
+          <a:p>
+            <a:endParaRPr lang="en-US" dirty="0"/>
+          </a:p>
+          <a:p>
+            <a:r>
+              <a:rPr lang="en-US" sz="1200" dirty="0">
+                <a:solidFill>
+                  <a:schemeClr val="accent2">
+                    <a:lumMod val="60000"/>
+                    <a:lumOff val="40000"/>
+                  </a:schemeClr>
+                </a:solidFill>
+              </a:rPr>
+              <a:t>Banana</a:t>
+            </a:r>
+            <a:br>
+              <a:rPr lang="en-US" sz="1200" dirty="0">
+                <a:solidFill>
+                  <a:schemeClr val="accent2">
+                    <a:lumMod val="60000"/>
+                    <a:lumOff val="40000"/>
+                  </a:schemeClr>
+                </a:solidFill>
+              </a:rPr>
+            </a:br>
+            <a:r>
+              <a:rPr lang="en-US" sz="1200" dirty="0">
+                <a:solidFill>
+                  <a:schemeClr val="accent2">
+                    <a:lumMod val="60000"/>
+                    <a:lumOff val="40000"/>
+                  </a:schemeClr>
+                </a:solidFill>
+              </a:rPr>
+              <a:t>Air Freight Prices</a:t>
+            </a:r>
+            <a:br>
+              <a:rPr lang="en-US" sz="1200" dirty="0">
+                <a:solidFill>
+                  <a:schemeClr val="accent2">
+                    <a:lumMod val="60000"/>
+                    <a:lumOff val="40000"/>
+                  </a:schemeClr>
+                </a:solidFill>
+              </a:rPr>
+            </a:br>
+            <a:r>
+              <a:rPr lang="en-US" sz="1200" dirty="0">
+                <a:solidFill>
+                  <a:schemeClr val="accent2">
+                    <a:lumMod val="60000"/>
+                    <a:lumOff val="40000"/>
+                  </a:schemeClr>
+                </a:solidFill>
+              </a:rPr>
+              <a:t>Water Freight Prices</a:t>
+            </a:r>
+            <a:br>
+              <a:rPr lang="en-US" sz="1200" dirty="0">
+                <a:solidFill>
+                  <a:schemeClr val="accent2">
+                    <a:lumMod val="60000"/>
+                    <a:lumOff val="40000"/>
+                  </a:schemeClr>
+                </a:solidFill>
+              </a:rPr>
+            </a:br>
+            <a:r>
+              <a:rPr lang="en-US" sz="1200" dirty="0">
+                <a:solidFill>
+                  <a:schemeClr val="accent2">
+                    <a:lumMod val="60000"/>
+                    <a:lumOff val="40000"/>
+                  </a:schemeClr>
+                </a:solidFill>
+              </a:rPr>
+              <a:t>Land Freight Prices</a:t>
+            </a:r>
+            <a:br>
+              <a:rPr lang="en-US" sz="1200" dirty="0">
+                <a:solidFill>
+                  <a:schemeClr val="accent2">
+                    <a:lumMod val="60000"/>
+                    <a:lumOff val="40000"/>
+                  </a:schemeClr>
+                </a:solidFill>
+              </a:rPr>
+            </a:br>
+            <a:r>
+              <a:rPr lang="en-US" sz="1200" dirty="0">
+                <a:solidFill>
+                  <a:schemeClr val="accent2">
+                    <a:lumMod val="60000"/>
+                    <a:lumOff val="40000"/>
+                  </a:schemeClr>
+                </a:solidFill>
+              </a:rPr>
+              <a:t>Gasoline Prices</a:t>
+            </a:r>
+          </a:p>
+          <a:p>
+            <a:endParaRPr lang="en-US" dirty="0"/>
+          </a:p>
+          <a:p>
+            <a:r>
+              <a:rPr lang="en-US" dirty="0"/>
+              <a:t>Ever Given   (Evergreen was the company) </a:t>
+            </a:r>
+          </a:p>
+          <a:p>
+            <a:r>
+              <a:rPr lang="en-US" dirty="0"/>
+              <a:t>Mostly affected by crude oil price – decreased 2014-2016</a:t>
+            </a:r>
+          </a:p>
+          <a:p>
+            <a:r>
+              <a:rPr lang="en-US" dirty="0"/>
+              <a:t>Banana and gasoline line up / correlate</a:t>
+            </a:r>
+          </a:p>
+          <a:p>
+            <a:r>
+              <a:rPr lang="en-US" dirty="0"/>
+              <a:t>Land freight less affected by Ever Given</a:t>
+            </a:r>
+          </a:p>
+          <a:p>
+            <a:endParaRPr lang="en-US" dirty="0"/>
+          </a:p>
+          <a:p>
+            <a:pPr marL="0" marR="0" lvl="0" indent="0" algn="l" defTabSz="914400" rtl="0" eaLnBrk="1" fontAlgn="auto" latinLnBrk="0" hangingPunct="1">
+              <a:lnSpc>
+                <a:spcPct val="100000"/>
+              </a:lnSpc>
+              <a:spcBef>
+                <a:spcPts val="0"/>
+              </a:spcBef>
+              <a:spcAft>
+                <a:spcPts val="0"/>
+              </a:spcAft>
+              <a:buClrTx/>
+              <a:buSzTx/>
+              <a:buFontTx/>
+              <a:buNone/>
+              <a:tabLst/>
+              <a:defRPr/>
+            </a:pPr>
+            <a:r>
+              <a:rPr lang="en-US" dirty="0">
+                <a:solidFill>
+                  <a:schemeClr val="accent2">
+                    <a:lumMod val="60000"/>
+                    <a:lumOff val="40000"/>
+                  </a:schemeClr>
+                </a:solidFill>
+                <a:latin typeface="Slack-Lato"/>
+              </a:rPr>
+              <a:t>* </a:t>
+            </a:r>
+            <a:r>
+              <a:rPr lang="en-US" b="0" i="0" dirty="0">
+                <a:solidFill>
+                  <a:schemeClr val="accent2">
+                    <a:lumMod val="60000"/>
+                    <a:lumOff val="40000"/>
+                  </a:schemeClr>
+                </a:solidFill>
+                <a:effectLst/>
+                <a:latin typeface="Slack-Lato"/>
+              </a:rPr>
+              <a:t>Which world events are heavily visible in a variety of commodity prices?</a:t>
+            </a:r>
+            <a:br>
+              <a:rPr lang="en-US" b="0" i="0" dirty="0">
+                <a:solidFill>
+                  <a:schemeClr val="accent2">
+                    <a:lumMod val="60000"/>
+                    <a:lumOff val="40000"/>
+                  </a:schemeClr>
+                </a:solidFill>
+                <a:effectLst/>
+                <a:latin typeface="Slack-Lato"/>
+              </a:rPr>
+            </a:br>
+            <a:r>
+              <a:rPr lang="en-US" b="0" i="0" dirty="0">
+                <a:solidFill>
+                  <a:schemeClr val="accent2">
+                    <a:lumMod val="60000"/>
+                    <a:lumOff val="40000"/>
+                  </a:schemeClr>
+                </a:solidFill>
+                <a:effectLst/>
+                <a:latin typeface="Slack-Lato"/>
+              </a:rPr>
+              <a:t>* Do prices decrease to normal after world events?</a:t>
+            </a:r>
+            <a:br>
+              <a:rPr lang="en-US" b="0" i="0" dirty="0">
+                <a:solidFill>
+                  <a:schemeClr val="accent2">
+                    <a:lumMod val="60000"/>
+                    <a:lumOff val="40000"/>
+                  </a:schemeClr>
+                </a:solidFill>
+                <a:effectLst/>
+                <a:latin typeface="Slack-Lato"/>
+              </a:rPr>
+            </a:br>
+            <a:r>
+              <a:rPr lang="en-US" b="0" i="0" dirty="0">
+                <a:solidFill>
+                  <a:schemeClr val="accent2">
+                    <a:lumMod val="60000"/>
+                    <a:lumOff val="40000"/>
+                  </a:schemeClr>
+                </a:solidFill>
+                <a:effectLst/>
+                <a:latin typeface="Slack-Lato"/>
+              </a:rPr>
+              <a:t>* Are there any items that appear to have been affected uniquely by one major event?</a:t>
+            </a:r>
+            <a:br>
+              <a:rPr lang="en-US" b="0" i="0" dirty="0">
+                <a:solidFill>
+                  <a:schemeClr val="accent2">
+                    <a:lumMod val="60000"/>
+                    <a:lumOff val="40000"/>
+                  </a:schemeClr>
+                </a:solidFill>
+                <a:effectLst/>
+                <a:latin typeface="Slack-Lato"/>
+              </a:rPr>
+            </a:br>
+            <a:r>
+              <a:rPr lang="en-US" b="0" i="0" dirty="0">
+                <a:solidFill>
+                  <a:schemeClr val="accent2">
+                    <a:lumMod val="60000"/>
+                    <a:lumOff val="40000"/>
+                  </a:schemeClr>
+                </a:solidFill>
+                <a:effectLst/>
+                <a:latin typeface="Slack-Lato"/>
+              </a:rPr>
+              <a:t>* How does each items price increase compare to yearly inflation?</a:t>
+            </a:r>
+            <a:endParaRPr lang="en-US" dirty="0"/>
+          </a:p>
+          <a:p>
+            <a:endParaRPr lang="en-US" dirty="0"/>
+          </a:p>
+          <a:p>
+            <a:endParaRPr lang="en-US" dirty="0"/>
+          </a:p>
+          <a:p>
+            <a:endParaRPr lang="en-US" dirty="0"/>
+          </a:p>
+        </p:txBody>
+      </p:sp>
+      <p:sp>
+        <p:nvSpPr>
+          <p:cNvPr id="4" name="Slide Number Placeholder 3"/>
+          <p:cNvSpPr>
+            <a:spLocks noGrp="1"/>
+          </p:cNvSpPr>
+          <p:nvPr>
+            <p:ph type="sldNum" sz="quarter" idx="5"/>
+          </p:nvPr>
+        </p:nvSpPr>
+        <p:spPr/>
+        <p:txBody>
+          <a:bodyPr/>
+          <a:lstStyle/>
+          <a:p>
+            <a:fld id="{7D5886F4-4666-4B3D-9448-64E644E4CF29}" type="slidenum">
+              <a:rPr lang="en-US" smtClean="0"/>
+              <a:t>13</a:t>
+            </a:fld>
+            <a:endParaRPr lang="en-US"/>
+          </a:p>
+        </p:txBody>
+      </p:sp>
+    </p:spTree>
+    <p:extLst>
+      <p:ext uri="{BB962C8B-B14F-4D97-AF65-F5344CB8AC3E}">
+        <p14:creationId xmlns:p14="http://schemas.microsoft.com/office/powerpoint/2010/main" val="2501720004"/>
+      </p:ext>
+    </p:extLst>
+  </p:cSld>
+  <p:clrMapOvr>
+    <a:masterClrMapping/>
+  </p:clrMapOvr>
+</p:notes>
+</file>
+
+<file path=ppt/notesSlides/notesSlide14.xml><?xml version="1.0" encoding="utf-8"?>
+<p:notes xmlns:a="http://schemas.openxmlformats.org/drawingml/2006/main" xmlns:r="http://schemas.openxmlformats.org/officeDocument/2006/relationships" xmlns:p="http://schemas.openxmlformats.org/presentationml/2006/main">
+  <p:cSld>
+    <p:spTree>
+      <p:nvGrpSpPr>
+        <p:cNvPr id="1" name=""/>
+        <p:cNvGrpSpPr/>
+        <p:nvPr/>
+      </p:nvGrpSpPr>
+      <p:grpSpPr>
+        <a:xfrm>
+          <a:off x="0" y="0"/>
+          <a:ext cx="0" cy="0"/>
+          <a:chOff x="0" y="0"/>
+          <a:chExt cx="0" cy="0"/>
+        </a:xfrm>
+      </p:grpSpPr>
+      <p:sp>
+        <p:nvSpPr>
+          <p:cNvPr id="2" name="Slide Image Placeholder 1"/>
+          <p:cNvSpPr>
+            <a:spLocks noGrp="1" noRot="1" noChangeAspect="1"/>
+          </p:cNvSpPr>
+          <p:nvPr>
+            <p:ph type="sldImg"/>
+          </p:nvPr>
+        </p:nvSpPr>
+        <p:spPr/>
+      </p:sp>
+      <p:sp>
+        <p:nvSpPr>
+          <p:cNvPr id="3" name="Notes Placeholder 2"/>
+          <p:cNvSpPr>
+            <a:spLocks noGrp="1"/>
+          </p:cNvSpPr>
+          <p:nvPr>
+            <p:ph type="body" idx="1"/>
+          </p:nvPr>
+        </p:nvSpPr>
+        <p:spPr/>
+        <p:txBody>
+          <a:bodyPr/>
+          <a:lstStyle/>
+          <a:p>
+            <a:r>
+              <a:rPr lang="en-US" dirty="0"/>
+              <a:t>Navya</a:t>
+            </a:r>
+          </a:p>
+          <a:p>
+            <a:endParaRPr lang="en-US" dirty="0"/>
+          </a:p>
+          <a:p>
+            <a:r>
+              <a:rPr lang="en-US" sz="1200" dirty="0">
+                <a:solidFill>
+                  <a:schemeClr val="accent2">
+                    <a:lumMod val="60000"/>
+                    <a:lumOff val="40000"/>
+                  </a:schemeClr>
+                </a:solidFill>
+              </a:rPr>
+              <a:t>Banana</a:t>
+            </a:r>
+            <a:br>
+              <a:rPr lang="en-US" sz="1200" dirty="0">
+                <a:solidFill>
+                  <a:schemeClr val="accent2">
+                    <a:lumMod val="60000"/>
+                    <a:lumOff val="40000"/>
+                  </a:schemeClr>
+                </a:solidFill>
+              </a:rPr>
+            </a:br>
+            <a:r>
+              <a:rPr lang="en-US" sz="1200" dirty="0">
+                <a:solidFill>
+                  <a:schemeClr val="accent2">
+                    <a:lumMod val="60000"/>
+                    <a:lumOff val="40000"/>
+                  </a:schemeClr>
+                </a:solidFill>
+              </a:rPr>
+              <a:t>Air Freight Prices</a:t>
+            </a:r>
+            <a:br>
+              <a:rPr lang="en-US" sz="1200" dirty="0">
+                <a:solidFill>
+                  <a:schemeClr val="accent2">
+                    <a:lumMod val="60000"/>
+                    <a:lumOff val="40000"/>
+                  </a:schemeClr>
+                </a:solidFill>
+              </a:rPr>
+            </a:br>
+            <a:r>
+              <a:rPr lang="en-US" sz="1200" dirty="0">
+                <a:solidFill>
+                  <a:schemeClr val="accent2">
+                    <a:lumMod val="60000"/>
+                    <a:lumOff val="40000"/>
+                  </a:schemeClr>
+                </a:solidFill>
+              </a:rPr>
+              <a:t>Water Freight Prices</a:t>
+            </a:r>
+            <a:br>
+              <a:rPr lang="en-US" sz="1200" dirty="0">
+                <a:solidFill>
+                  <a:schemeClr val="accent2">
+                    <a:lumMod val="60000"/>
+                    <a:lumOff val="40000"/>
+                  </a:schemeClr>
+                </a:solidFill>
+              </a:rPr>
+            </a:br>
+            <a:r>
+              <a:rPr lang="en-US" sz="1200" dirty="0">
+                <a:solidFill>
+                  <a:schemeClr val="accent2">
+                    <a:lumMod val="60000"/>
+                    <a:lumOff val="40000"/>
+                  </a:schemeClr>
+                </a:solidFill>
+              </a:rPr>
+              <a:t>Land Freight Prices</a:t>
+            </a:r>
+            <a:br>
+              <a:rPr lang="en-US" sz="1200" dirty="0">
+                <a:solidFill>
+                  <a:schemeClr val="accent2">
+                    <a:lumMod val="60000"/>
+                    <a:lumOff val="40000"/>
+                  </a:schemeClr>
+                </a:solidFill>
+              </a:rPr>
+            </a:br>
+            <a:r>
+              <a:rPr lang="en-US" sz="1200" dirty="0">
+                <a:solidFill>
+                  <a:schemeClr val="accent2">
+                    <a:lumMod val="60000"/>
+                    <a:lumOff val="40000"/>
+                  </a:schemeClr>
+                </a:solidFill>
+              </a:rPr>
+              <a:t>Gasoline Prices</a:t>
+            </a:r>
+          </a:p>
+          <a:p>
+            <a:endParaRPr lang="en-US" dirty="0"/>
+          </a:p>
+          <a:p>
+            <a:r>
+              <a:rPr lang="en-US" dirty="0"/>
+              <a:t>Ever Given   (Evergreen was the company) </a:t>
+            </a:r>
+          </a:p>
+          <a:p>
+            <a:r>
+              <a:rPr lang="en-US" dirty="0"/>
+              <a:t>Mostly affected by crude oil price – decreased 2014-2016</a:t>
+            </a:r>
+          </a:p>
+          <a:p>
+            <a:r>
+              <a:rPr lang="en-US" dirty="0"/>
+              <a:t>Banana and gasoline line up / correlate</a:t>
+            </a:r>
+          </a:p>
+          <a:p>
+            <a:r>
+              <a:rPr lang="en-US" dirty="0"/>
+              <a:t>Land freight less affected by Ever Given</a:t>
+            </a:r>
+          </a:p>
+          <a:p>
+            <a:endParaRPr lang="en-US" dirty="0"/>
+          </a:p>
+          <a:p>
+            <a:pPr marL="0" marR="0" lvl="0" indent="0" algn="l" defTabSz="914400" rtl="0" eaLnBrk="1" fontAlgn="auto" latinLnBrk="0" hangingPunct="1">
+              <a:lnSpc>
+                <a:spcPct val="100000"/>
+              </a:lnSpc>
+              <a:spcBef>
+                <a:spcPts val="0"/>
+              </a:spcBef>
+              <a:spcAft>
+                <a:spcPts val="0"/>
+              </a:spcAft>
+              <a:buClrTx/>
+              <a:buSzTx/>
+              <a:buFontTx/>
+              <a:buNone/>
+              <a:tabLst/>
+              <a:defRPr/>
+            </a:pPr>
+            <a:r>
+              <a:rPr lang="en-US" dirty="0">
+                <a:solidFill>
+                  <a:schemeClr val="accent2">
+                    <a:lumMod val="60000"/>
+                    <a:lumOff val="40000"/>
+                  </a:schemeClr>
+                </a:solidFill>
+                <a:latin typeface="Slack-Lato"/>
+              </a:rPr>
+              <a:t>* </a:t>
+            </a:r>
+            <a:r>
+              <a:rPr lang="en-US" b="0" i="0" dirty="0">
+                <a:solidFill>
+                  <a:schemeClr val="accent2">
+                    <a:lumMod val="60000"/>
+                    <a:lumOff val="40000"/>
+                  </a:schemeClr>
+                </a:solidFill>
+                <a:effectLst/>
+                <a:latin typeface="Slack-Lato"/>
+              </a:rPr>
+              <a:t>Which world events are heavily visible in a variety of commodity prices?</a:t>
+            </a:r>
+            <a:br>
+              <a:rPr lang="en-US" b="0" i="0" dirty="0">
+                <a:solidFill>
+                  <a:schemeClr val="accent2">
+                    <a:lumMod val="60000"/>
+                    <a:lumOff val="40000"/>
+                  </a:schemeClr>
+                </a:solidFill>
+                <a:effectLst/>
+                <a:latin typeface="Slack-Lato"/>
+              </a:rPr>
+            </a:br>
+            <a:r>
+              <a:rPr lang="en-US" b="0" i="0" dirty="0">
+                <a:solidFill>
+                  <a:schemeClr val="accent2">
+                    <a:lumMod val="60000"/>
+                    <a:lumOff val="40000"/>
+                  </a:schemeClr>
+                </a:solidFill>
+                <a:effectLst/>
+                <a:latin typeface="Slack-Lato"/>
+              </a:rPr>
+              <a:t>* Do prices decrease to normal after world events?</a:t>
+            </a:r>
+            <a:br>
+              <a:rPr lang="en-US" b="0" i="0" dirty="0">
+                <a:solidFill>
+                  <a:schemeClr val="accent2">
+                    <a:lumMod val="60000"/>
+                    <a:lumOff val="40000"/>
+                  </a:schemeClr>
+                </a:solidFill>
+                <a:effectLst/>
+                <a:latin typeface="Slack-Lato"/>
+              </a:rPr>
+            </a:br>
+            <a:r>
+              <a:rPr lang="en-US" b="0" i="0" dirty="0">
+                <a:solidFill>
+                  <a:schemeClr val="accent2">
+                    <a:lumMod val="60000"/>
+                    <a:lumOff val="40000"/>
+                  </a:schemeClr>
+                </a:solidFill>
+                <a:effectLst/>
+                <a:latin typeface="Slack-Lato"/>
+              </a:rPr>
+              <a:t>* Are there any items that appear to have been affected uniquely by one major event?</a:t>
+            </a:r>
+            <a:br>
+              <a:rPr lang="en-US" b="0" i="0" dirty="0">
+                <a:solidFill>
+                  <a:schemeClr val="accent2">
+                    <a:lumMod val="60000"/>
+                    <a:lumOff val="40000"/>
+                  </a:schemeClr>
+                </a:solidFill>
+                <a:effectLst/>
+                <a:latin typeface="Slack-Lato"/>
+              </a:rPr>
+            </a:br>
+            <a:r>
+              <a:rPr lang="en-US" b="0" i="0" dirty="0">
+                <a:solidFill>
+                  <a:schemeClr val="accent2">
+                    <a:lumMod val="60000"/>
+                    <a:lumOff val="40000"/>
+                  </a:schemeClr>
+                </a:solidFill>
+                <a:effectLst/>
+                <a:latin typeface="Slack-Lato"/>
+              </a:rPr>
+              <a:t>* How does each items price increase compare to yearly inflation?</a:t>
+            </a:r>
+            <a:endParaRPr lang="en-US" dirty="0"/>
+          </a:p>
+          <a:p>
+            <a:endParaRPr lang="en-US" dirty="0"/>
+          </a:p>
+          <a:p>
+            <a:endParaRPr lang="en-US" dirty="0"/>
+          </a:p>
+        </p:txBody>
+      </p:sp>
+      <p:sp>
+        <p:nvSpPr>
+          <p:cNvPr id="4" name="Slide Number Placeholder 3"/>
+          <p:cNvSpPr>
+            <a:spLocks noGrp="1"/>
+          </p:cNvSpPr>
+          <p:nvPr>
+            <p:ph type="sldNum" sz="quarter" idx="5"/>
+          </p:nvPr>
+        </p:nvSpPr>
+        <p:spPr/>
+        <p:txBody>
+          <a:bodyPr/>
+          <a:lstStyle/>
+          <a:p>
+            <a:fld id="{7D5886F4-4666-4B3D-9448-64E644E4CF29}" type="slidenum">
+              <a:rPr lang="en-US" smtClean="0"/>
+              <a:t>14</a:t>
+            </a:fld>
+            <a:endParaRPr lang="en-US"/>
+          </a:p>
+        </p:txBody>
+      </p:sp>
+    </p:spTree>
+    <p:extLst>
+      <p:ext uri="{BB962C8B-B14F-4D97-AF65-F5344CB8AC3E}">
+        <p14:creationId xmlns:p14="http://schemas.microsoft.com/office/powerpoint/2010/main" val="978441176"/>
+      </p:ext>
+    </p:extLst>
+  </p:cSld>
+  <p:clrMapOvr>
+    <a:masterClrMapping/>
+  </p:clrMapOvr>
+</p:notes>
+</file>
+
+<file path=ppt/notesSlides/notesSlide15.xml><?xml version="1.0" encoding="utf-8"?>
+<p:notes xmlns:a="http://schemas.openxmlformats.org/drawingml/2006/main" xmlns:r="http://schemas.openxmlformats.org/officeDocument/2006/relationships" xmlns:p="http://schemas.openxmlformats.org/presentationml/2006/main">
+  <p:cSld>
+    <p:spTree>
+      <p:nvGrpSpPr>
+        <p:cNvPr id="1" name=""/>
+        <p:cNvGrpSpPr/>
+        <p:nvPr/>
+      </p:nvGrpSpPr>
+      <p:grpSpPr>
+        <a:xfrm>
+          <a:off x="0" y="0"/>
+          <a:ext cx="0" cy="0"/>
+          <a:chOff x="0" y="0"/>
+          <a:chExt cx="0" cy="0"/>
+        </a:xfrm>
+      </p:grpSpPr>
+      <p:sp>
+        <p:nvSpPr>
+          <p:cNvPr id="2" name="Slide Image Placeholder 1"/>
+          <p:cNvSpPr>
+            <a:spLocks noGrp="1" noRot="1" noChangeAspect="1"/>
+          </p:cNvSpPr>
+          <p:nvPr>
+            <p:ph type="sldImg"/>
+          </p:nvPr>
+        </p:nvSpPr>
+        <p:spPr/>
+      </p:sp>
+      <p:sp>
+        <p:nvSpPr>
+          <p:cNvPr id="3" name="Notes Placeholder 2"/>
+          <p:cNvSpPr>
+            <a:spLocks noGrp="1"/>
+          </p:cNvSpPr>
+          <p:nvPr>
+            <p:ph type="body" idx="1"/>
+          </p:nvPr>
+        </p:nvSpPr>
+        <p:spPr/>
+        <p:txBody>
+          <a:bodyPr/>
+          <a:lstStyle/>
+          <a:p>
+            <a:r>
+              <a:rPr lang="en-US" dirty="0"/>
+              <a:t>Navya</a:t>
+            </a:r>
+          </a:p>
+          <a:p>
+            <a:endParaRPr lang="en-US" dirty="0"/>
+          </a:p>
+          <a:p>
+            <a:r>
+              <a:rPr lang="en-US" dirty="0"/>
+              <a:t>3% change – gasoline again has a lot of variance. </a:t>
+            </a:r>
+          </a:p>
+          <a:p>
+            <a:r>
+              <a:rPr lang="en-US" dirty="0"/>
+              <a:t>Others are steady other than a 2022 peak near the Ever Given</a:t>
+            </a:r>
+          </a:p>
+          <a:p>
+            <a:r>
+              <a:rPr lang="en-US" dirty="0"/>
+              <a:t>2019 peak is covid</a:t>
+            </a:r>
+          </a:p>
+          <a:p>
+            <a:endParaRPr lang="en-US" dirty="0"/>
+          </a:p>
+          <a:p>
+            <a:r>
+              <a:rPr lang="en-US" sz="1200" dirty="0">
+                <a:solidFill>
+                  <a:schemeClr val="accent2">
+                    <a:lumMod val="60000"/>
+                    <a:lumOff val="40000"/>
+                  </a:schemeClr>
+                </a:solidFill>
+              </a:rPr>
+              <a:t>Banana</a:t>
+            </a:r>
+            <a:br>
+              <a:rPr lang="en-US" sz="1200" dirty="0">
+                <a:solidFill>
+                  <a:schemeClr val="accent2">
+                    <a:lumMod val="60000"/>
+                    <a:lumOff val="40000"/>
+                  </a:schemeClr>
+                </a:solidFill>
+              </a:rPr>
+            </a:br>
+            <a:r>
+              <a:rPr lang="en-US" sz="1200" dirty="0">
+                <a:solidFill>
+                  <a:schemeClr val="accent2">
+                    <a:lumMod val="60000"/>
+                    <a:lumOff val="40000"/>
+                  </a:schemeClr>
+                </a:solidFill>
+              </a:rPr>
+              <a:t>Air Freight Prices</a:t>
+            </a:r>
+            <a:br>
+              <a:rPr lang="en-US" sz="1200" dirty="0">
+                <a:solidFill>
+                  <a:schemeClr val="accent2">
+                    <a:lumMod val="60000"/>
+                    <a:lumOff val="40000"/>
+                  </a:schemeClr>
+                </a:solidFill>
+              </a:rPr>
+            </a:br>
+            <a:r>
+              <a:rPr lang="en-US" sz="1200" dirty="0">
+                <a:solidFill>
+                  <a:schemeClr val="accent2">
+                    <a:lumMod val="60000"/>
+                    <a:lumOff val="40000"/>
+                  </a:schemeClr>
+                </a:solidFill>
+              </a:rPr>
+              <a:t>Water Freight Prices</a:t>
+            </a:r>
+            <a:br>
+              <a:rPr lang="en-US" sz="1200" dirty="0">
+                <a:solidFill>
+                  <a:schemeClr val="accent2">
+                    <a:lumMod val="60000"/>
+                    <a:lumOff val="40000"/>
+                  </a:schemeClr>
+                </a:solidFill>
+              </a:rPr>
+            </a:br>
+            <a:r>
+              <a:rPr lang="en-US" sz="1200" dirty="0">
+                <a:solidFill>
+                  <a:schemeClr val="accent2">
+                    <a:lumMod val="60000"/>
+                    <a:lumOff val="40000"/>
+                  </a:schemeClr>
+                </a:solidFill>
+              </a:rPr>
+              <a:t>Land Freight Prices</a:t>
+            </a:r>
+            <a:br>
+              <a:rPr lang="en-US" sz="1200" dirty="0">
+                <a:solidFill>
+                  <a:schemeClr val="accent2">
+                    <a:lumMod val="60000"/>
+                    <a:lumOff val="40000"/>
+                  </a:schemeClr>
+                </a:solidFill>
+              </a:rPr>
+            </a:br>
+            <a:r>
+              <a:rPr lang="en-US" sz="1200" dirty="0">
+                <a:solidFill>
+                  <a:schemeClr val="accent2">
+                    <a:lumMod val="60000"/>
+                    <a:lumOff val="40000"/>
+                  </a:schemeClr>
+                </a:solidFill>
+              </a:rPr>
+              <a:t>Gasoline Prices</a:t>
+            </a:r>
+          </a:p>
+          <a:p>
+            <a:endParaRPr lang="en-US" dirty="0"/>
+          </a:p>
+          <a:p>
+            <a:r>
+              <a:rPr lang="en-US" dirty="0"/>
+              <a:t>Ever Given   (Evergreen was the company) </a:t>
+            </a:r>
+          </a:p>
+          <a:p>
+            <a:r>
+              <a:rPr lang="en-US" dirty="0"/>
+              <a:t>Mostly affected by crude oil price – decreased 2014-2016</a:t>
+            </a:r>
+          </a:p>
+          <a:p>
+            <a:r>
+              <a:rPr lang="en-US" dirty="0"/>
+              <a:t>Banana and gasoline line up / correlate</a:t>
+            </a:r>
+          </a:p>
+          <a:p>
+            <a:r>
+              <a:rPr lang="en-US" dirty="0"/>
+              <a:t>Land freight less affected by Ever Given</a:t>
+            </a:r>
+          </a:p>
+          <a:p>
+            <a:endParaRPr lang="en-US" dirty="0"/>
+          </a:p>
+          <a:p>
+            <a:pPr marL="0" marR="0" lvl="0" indent="0" algn="l" defTabSz="914400" rtl="0" eaLnBrk="1" fontAlgn="auto" latinLnBrk="0" hangingPunct="1">
+              <a:lnSpc>
+                <a:spcPct val="100000"/>
+              </a:lnSpc>
+              <a:spcBef>
+                <a:spcPts val="0"/>
+              </a:spcBef>
+              <a:spcAft>
+                <a:spcPts val="0"/>
+              </a:spcAft>
+              <a:buClrTx/>
+              <a:buSzTx/>
+              <a:buFontTx/>
+              <a:buNone/>
+              <a:tabLst/>
+              <a:defRPr/>
+            </a:pPr>
+            <a:r>
+              <a:rPr lang="en-US" dirty="0">
+                <a:solidFill>
+                  <a:schemeClr val="accent2">
+                    <a:lumMod val="60000"/>
+                    <a:lumOff val="40000"/>
+                  </a:schemeClr>
+                </a:solidFill>
+                <a:latin typeface="Slack-Lato"/>
+              </a:rPr>
+              <a:t>* </a:t>
+            </a:r>
+            <a:r>
+              <a:rPr lang="en-US" b="0" i="0" dirty="0">
+                <a:solidFill>
+                  <a:schemeClr val="accent2">
+                    <a:lumMod val="60000"/>
+                    <a:lumOff val="40000"/>
+                  </a:schemeClr>
+                </a:solidFill>
+                <a:effectLst/>
+                <a:latin typeface="Slack-Lato"/>
+              </a:rPr>
+              <a:t>Which world events are heavily visible in a variety of commodity prices?</a:t>
+            </a:r>
+            <a:br>
+              <a:rPr lang="en-US" b="0" i="0" dirty="0">
+                <a:solidFill>
+                  <a:schemeClr val="accent2">
+                    <a:lumMod val="60000"/>
+                    <a:lumOff val="40000"/>
+                  </a:schemeClr>
+                </a:solidFill>
+                <a:effectLst/>
+                <a:latin typeface="Slack-Lato"/>
+              </a:rPr>
+            </a:br>
+            <a:r>
+              <a:rPr lang="en-US" b="0" i="0" dirty="0">
+                <a:solidFill>
+                  <a:schemeClr val="accent2">
+                    <a:lumMod val="60000"/>
+                    <a:lumOff val="40000"/>
+                  </a:schemeClr>
+                </a:solidFill>
+                <a:effectLst/>
+                <a:latin typeface="Slack-Lato"/>
+              </a:rPr>
+              <a:t>* Do prices decrease to normal after world events?</a:t>
+            </a:r>
+            <a:br>
+              <a:rPr lang="en-US" b="0" i="0" dirty="0">
+                <a:solidFill>
+                  <a:schemeClr val="accent2">
+                    <a:lumMod val="60000"/>
+                    <a:lumOff val="40000"/>
+                  </a:schemeClr>
+                </a:solidFill>
+                <a:effectLst/>
+                <a:latin typeface="Slack-Lato"/>
+              </a:rPr>
+            </a:br>
+            <a:r>
+              <a:rPr lang="en-US" b="0" i="0" dirty="0">
+                <a:solidFill>
+                  <a:schemeClr val="accent2">
+                    <a:lumMod val="60000"/>
+                    <a:lumOff val="40000"/>
+                  </a:schemeClr>
+                </a:solidFill>
+                <a:effectLst/>
+                <a:latin typeface="Slack-Lato"/>
+              </a:rPr>
+              <a:t>* Are there any items that appear to have been affected uniquely by one major event?</a:t>
+            </a:r>
+            <a:br>
+              <a:rPr lang="en-US" b="0" i="0" dirty="0">
+                <a:solidFill>
+                  <a:schemeClr val="accent2">
+                    <a:lumMod val="60000"/>
+                    <a:lumOff val="40000"/>
+                  </a:schemeClr>
+                </a:solidFill>
+                <a:effectLst/>
+                <a:latin typeface="Slack-Lato"/>
+              </a:rPr>
+            </a:br>
+            <a:r>
+              <a:rPr lang="en-US" b="0" i="0" dirty="0">
+                <a:solidFill>
+                  <a:schemeClr val="accent2">
+                    <a:lumMod val="60000"/>
+                    <a:lumOff val="40000"/>
+                  </a:schemeClr>
+                </a:solidFill>
+                <a:effectLst/>
+                <a:latin typeface="Slack-Lato"/>
+              </a:rPr>
+              <a:t>* How does each items price increase compare to yearly inflation?</a:t>
+            </a:r>
+            <a:endParaRPr lang="en-US" dirty="0"/>
+          </a:p>
+          <a:p>
+            <a:endParaRPr lang="en-US" dirty="0"/>
+          </a:p>
+          <a:p>
+            <a:endParaRPr lang="en-US" dirty="0"/>
+          </a:p>
+          <a:p>
+            <a:endParaRPr lang="en-US" dirty="0"/>
+          </a:p>
+        </p:txBody>
+      </p:sp>
+      <p:sp>
+        <p:nvSpPr>
+          <p:cNvPr id="4" name="Slide Number Placeholder 3"/>
+          <p:cNvSpPr>
+            <a:spLocks noGrp="1"/>
+          </p:cNvSpPr>
+          <p:nvPr>
+            <p:ph type="sldNum" sz="quarter" idx="5"/>
+          </p:nvPr>
+        </p:nvSpPr>
+        <p:spPr/>
+        <p:txBody>
+          <a:bodyPr/>
+          <a:lstStyle/>
+          <a:p>
+            <a:fld id="{7D5886F4-4666-4B3D-9448-64E644E4CF29}" type="slidenum">
+              <a:rPr lang="en-US" smtClean="0"/>
+              <a:t>15</a:t>
+            </a:fld>
+            <a:endParaRPr lang="en-US"/>
+          </a:p>
+        </p:txBody>
+      </p:sp>
+    </p:spTree>
+    <p:extLst>
+      <p:ext uri="{BB962C8B-B14F-4D97-AF65-F5344CB8AC3E}">
+        <p14:creationId xmlns:p14="http://schemas.microsoft.com/office/powerpoint/2010/main" val="883044128"/>
+      </p:ext>
+    </p:extLst>
+  </p:cSld>
+  <p:clrMapOvr>
+    <a:masterClrMapping/>
+  </p:clrMapOvr>
+</p:notes>
+</file>
+
+<file path=ppt/notesSlides/notesSlide16.xml><?xml version="1.0" encoding="utf-8"?>
+<p:notes xmlns:a="http://schemas.openxmlformats.org/drawingml/2006/main" xmlns:r="http://schemas.openxmlformats.org/officeDocument/2006/relationships" xmlns:p="http://schemas.openxmlformats.org/presentationml/2006/main">
+  <p:cSld>
+    <p:spTree>
+      <p:nvGrpSpPr>
+        <p:cNvPr id="1" name=""/>
+        <p:cNvGrpSpPr/>
+        <p:nvPr/>
+      </p:nvGrpSpPr>
+      <p:grpSpPr>
+        <a:xfrm>
+          <a:off x="0" y="0"/>
+          <a:ext cx="0" cy="0"/>
+          <a:chOff x="0" y="0"/>
+          <a:chExt cx="0" cy="0"/>
+        </a:xfrm>
+      </p:grpSpPr>
+      <p:sp>
+        <p:nvSpPr>
+          <p:cNvPr id="2" name="Slide Image Placeholder 1"/>
+          <p:cNvSpPr>
+            <a:spLocks noGrp="1" noRot="1" noChangeAspect="1"/>
+          </p:cNvSpPr>
+          <p:nvPr>
+            <p:ph type="sldImg"/>
+          </p:nvPr>
+        </p:nvSpPr>
+        <p:spPr/>
+      </p:sp>
+      <p:sp>
+        <p:nvSpPr>
+          <p:cNvPr id="3" name="Notes Placeholder 2"/>
+          <p:cNvSpPr>
+            <a:spLocks noGrp="1"/>
+          </p:cNvSpPr>
+          <p:nvPr>
+            <p:ph type="body" idx="1"/>
+          </p:nvPr>
+        </p:nvSpPr>
+        <p:spPr/>
+        <p:txBody>
+          <a:bodyPr/>
+          <a:lstStyle/>
+          <a:p>
+            <a:r>
+              <a:rPr lang="en-US" dirty="0"/>
+              <a:t>Nelson</a:t>
+            </a:r>
+          </a:p>
+          <a:p>
+            <a:endParaRPr lang="en-US" dirty="0"/>
+          </a:p>
+          <a:p>
+            <a:r>
+              <a:rPr lang="en-US" sz="1200" dirty="0">
+                <a:solidFill>
+                  <a:schemeClr val="accent2">
+                    <a:lumMod val="60000"/>
+                    <a:lumOff val="40000"/>
+                  </a:schemeClr>
+                </a:solidFill>
+              </a:rPr>
+              <a:t>Semiconductor Manufacturing Machinery Prices   - Russia Ukraine – Neon is primarily sourced from Ukraine and is used in chip manufacturing</a:t>
+            </a:r>
+          </a:p>
+          <a:p>
+            <a:r>
+              <a:rPr lang="en-US" sz="1200" dirty="0">
+                <a:solidFill>
+                  <a:schemeClr val="accent2">
+                    <a:lumMod val="60000"/>
+                    <a:lumOff val="40000"/>
+                  </a:schemeClr>
+                </a:solidFill>
+              </a:rPr>
+              <a:t>Also peak in 2018 – probably a bit of Covid and trade tension</a:t>
+            </a:r>
+            <a:br>
+              <a:rPr lang="en-US" sz="1200" dirty="0">
+                <a:solidFill>
+                  <a:schemeClr val="accent2">
+                    <a:lumMod val="60000"/>
+                    <a:lumOff val="40000"/>
+                  </a:schemeClr>
+                </a:solidFill>
+              </a:rPr>
+            </a:br>
+            <a:r>
+              <a:rPr lang="en-US" sz="1200" dirty="0">
+                <a:solidFill>
+                  <a:schemeClr val="accent2">
+                    <a:lumMod val="60000"/>
+                    <a:lumOff val="40000"/>
+                  </a:schemeClr>
+                </a:solidFill>
+              </a:rPr>
+              <a:t>Water Freight Prices – appear to correlate with the semiconductor price data – points to affects by the Russia Ukraine </a:t>
+            </a:r>
+            <a:r>
+              <a:rPr lang="en-US" sz="1200" dirty="0" err="1">
+                <a:solidFill>
+                  <a:schemeClr val="accent2">
+                    <a:lumMod val="60000"/>
+                    <a:lumOff val="40000"/>
+                  </a:schemeClr>
+                </a:solidFill>
+              </a:rPr>
+              <a:t>confict</a:t>
+            </a:r>
+            <a:br>
+              <a:rPr lang="en-US" sz="1200" dirty="0">
+                <a:solidFill>
+                  <a:schemeClr val="accent2">
+                    <a:lumMod val="60000"/>
+                    <a:lumOff val="40000"/>
+                  </a:schemeClr>
+                </a:solidFill>
+              </a:rPr>
+            </a:br>
+            <a:r>
+              <a:rPr lang="en-US" sz="1200" dirty="0">
+                <a:solidFill>
+                  <a:schemeClr val="accent2">
+                    <a:lumMod val="60000"/>
+                    <a:lumOff val="40000"/>
+                  </a:schemeClr>
+                </a:solidFill>
+              </a:rPr>
+              <a:t>Food Prices – also appear to correlate with the semiconductor price data – points to affects by the Russia Ukraine </a:t>
+            </a:r>
+            <a:r>
+              <a:rPr lang="en-US" sz="1200" dirty="0" err="1">
+                <a:solidFill>
+                  <a:schemeClr val="accent2">
+                    <a:lumMod val="60000"/>
+                    <a:lumOff val="40000"/>
+                  </a:schemeClr>
+                </a:solidFill>
+              </a:rPr>
+              <a:t>confict</a:t>
+            </a:r>
+            <a:endParaRPr lang="en-US" sz="1200" dirty="0">
+              <a:solidFill>
+                <a:schemeClr val="accent2">
+                  <a:lumMod val="60000"/>
+                  <a:lumOff val="40000"/>
+                </a:schemeClr>
+              </a:solidFill>
+            </a:endParaRPr>
+          </a:p>
+          <a:p>
+            <a:endParaRPr lang="en-US" dirty="0"/>
+          </a:p>
+          <a:p>
+            <a:r>
+              <a:rPr lang="en-US" dirty="0"/>
+              <a:t>Water freight prices returned to normal post 2020</a:t>
+            </a:r>
+          </a:p>
+          <a:p>
+            <a:endParaRPr lang="en-US" dirty="0"/>
+          </a:p>
+          <a:p>
+            <a:pPr marL="0" marR="0" lvl="0" indent="0" algn="l" defTabSz="914400" rtl="0" eaLnBrk="1" fontAlgn="auto" latinLnBrk="0" hangingPunct="1">
+              <a:lnSpc>
+                <a:spcPct val="100000"/>
+              </a:lnSpc>
+              <a:spcBef>
+                <a:spcPts val="0"/>
+              </a:spcBef>
+              <a:spcAft>
+                <a:spcPts val="0"/>
+              </a:spcAft>
+              <a:buClrTx/>
+              <a:buSzTx/>
+              <a:buFontTx/>
+              <a:buNone/>
+              <a:tabLst/>
+              <a:defRPr/>
+            </a:pPr>
+            <a:r>
+              <a:rPr lang="en-US" dirty="0">
+                <a:solidFill>
+                  <a:schemeClr val="accent2">
+                    <a:lumMod val="60000"/>
+                    <a:lumOff val="40000"/>
+                  </a:schemeClr>
+                </a:solidFill>
+                <a:latin typeface="Slack-Lato"/>
+              </a:rPr>
+              <a:t>* </a:t>
+            </a:r>
+            <a:r>
+              <a:rPr lang="en-US" b="0" i="0" dirty="0">
+                <a:solidFill>
+                  <a:schemeClr val="accent2">
+                    <a:lumMod val="60000"/>
+                    <a:lumOff val="40000"/>
+                  </a:schemeClr>
+                </a:solidFill>
+                <a:effectLst/>
+                <a:latin typeface="Slack-Lato"/>
+              </a:rPr>
+              <a:t>Which world events are heavily visible in a variety of commodity prices?</a:t>
+            </a:r>
+            <a:br>
+              <a:rPr lang="en-US" b="0" i="0" dirty="0">
+                <a:solidFill>
+                  <a:schemeClr val="accent2">
+                    <a:lumMod val="60000"/>
+                    <a:lumOff val="40000"/>
+                  </a:schemeClr>
+                </a:solidFill>
+                <a:effectLst/>
+                <a:latin typeface="Slack-Lato"/>
+              </a:rPr>
+            </a:br>
+            <a:r>
+              <a:rPr lang="en-US" b="0" i="0" dirty="0">
+                <a:solidFill>
+                  <a:schemeClr val="accent2">
+                    <a:lumMod val="60000"/>
+                    <a:lumOff val="40000"/>
+                  </a:schemeClr>
+                </a:solidFill>
+                <a:effectLst/>
+                <a:latin typeface="Slack-Lato"/>
+              </a:rPr>
+              <a:t>* Do prices decrease to normal after world events? </a:t>
+            </a:r>
+            <a:br>
+              <a:rPr lang="en-US" b="0" i="0" dirty="0">
+                <a:solidFill>
+                  <a:schemeClr val="accent2">
+                    <a:lumMod val="60000"/>
+                    <a:lumOff val="40000"/>
+                  </a:schemeClr>
+                </a:solidFill>
+                <a:effectLst/>
+                <a:latin typeface="Slack-Lato"/>
+              </a:rPr>
+            </a:br>
+            <a:r>
+              <a:rPr lang="en-US" b="0" i="0" dirty="0">
+                <a:solidFill>
+                  <a:schemeClr val="accent2">
+                    <a:lumMod val="60000"/>
+                    <a:lumOff val="40000"/>
+                  </a:schemeClr>
+                </a:solidFill>
+                <a:effectLst/>
+                <a:latin typeface="Slack-Lato"/>
+              </a:rPr>
+              <a:t>* Are there any items that appear to have been affected uniquely by one major event?</a:t>
+            </a:r>
+            <a:br>
+              <a:rPr lang="en-US" b="0" i="0" dirty="0">
+                <a:solidFill>
+                  <a:schemeClr val="accent2">
+                    <a:lumMod val="60000"/>
+                    <a:lumOff val="40000"/>
+                  </a:schemeClr>
+                </a:solidFill>
+                <a:effectLst/>
+                <a:latin typeface="Slack-Lato"/>
+              </a:rPr>
+            </a:br>
+            <a:r>
+              <a:rPr lang="en-US" b="0" i="0" dirty="0">
+                <a:solidFill>
+                  <a:schemeClr val="accent2">
+                    <a:lumMod val="60000"/>
+                    <a:lumOff val="40000"/>
+                  </a:schemeClr>
+                </a:solidFill>
+                <a:effectLst/>
+                <a:latin typeface="Slack-Lato"/>
+              </a:rPr>
+              <a:t>* How does each items price increase compare to yearly inflation?</a:t>
+            </a:r>
+            <a:endParaRPr lang="en-US" dirty="0"/>
+          </a:p>
+          <a:p>
+            <a:endParaRPr lang="en-US" dirty="0"/>
+          </a:p>
+          <a:p>
+            <a:endParaRPr lang="en-US" dirty="0"/>
+          </a:p>
+        </p:txBody>
+      </p:sp>
+      <p:sp>
+        <p:nvSpPr>
+          <p:cNvPr id="4" name="Slide Number Placeholder 3"/>
+          <p:cNvSpPr>
+            <a:spLocks noGrp="1"/>
+          </p:cNvSpPr>
+          <p:nvPr>
+            <p:ph type="sldNum" sz="quarter" idx="5"/>
+          </p:nvPr>
+        </p:nvSpPr>
+        <p:spPr/>
+        <p:txBody>
+          <a:bodyPr/>
+          <a:lstStyle/>
+          <a:p>
+            <a:fld id="{7D5886F4-4666-4B3D-9448-64E644E4CF29}" type="slidenum">
+              <a:rPr lang="en-US" smtClean="0"/>
+              <a:t>16</a:t>
+            </a:fld>
+            <a:endParaRPr lang="en-US"/>
+          </a:p>
+        </p:txBody>
+      </p:sp>
+    </p:spTree>
+    <p:extLst>
+      <p:ext uri="{BB962C8B-B14F-4D97-AF65-F5344CB8AC3E}">
+        <p14:creationId xmlns:p14="http://schemas.microsoft.com/office/powerpoint/2010/main" val="492714159"/>
+      </p:ext>
+    </p:extLst>
+  </p:cSld>
+  <p:clrMapOvr>
+    <a:masterClrMapping/>
+  </p:clrMapOvr>
+</p:notes>
+</file>
+
+<file path=ppt/notesSlides/notesSlide17.xml><?xml version="1.0" encoding="utf-8"?>
+<p:notes xmlns:a="http://schemas.openxmlformats.org/drawingml/2006/main" xmlns:r="http://schemas.openxmlformats.org/officeDocument/2006/relationships" xmlns:p="http://schemas.openxmlformats.org/presentationml/2006/main">
+  <p:cSld>
+    <p:spTree>
+      <p:nvGrpSpPr>
+        <p:cNvPr id="1" name=""/>
+        <p:cNvGrpSpPr/>
+        <p:nvPr/>
+      </p:nvGrpSpPr>
+      <p:grpSpPr>
+        <a:xfrm>
+          <a:off x="0" y="0"/>
+          <a:ext cx="0" cy="0"/>
+          <a:chOff x="0" y="0"/>
+          <a:chExt cx="0" cy="0"/>
+        </a:xfrm>
+      </p:grpSpPr>
+      <p:sp>
+        <p:nvSpPr>
+          <p:cNvPr id="2" name="Slide Image Placeholder 1"/>
+          <p:cNvSpPr>
+            <a:spLocks noGrp="1" noRot="1" noChangeAspect="1"/>
+          </p:cNvSpPr>
+          <p:nvPr>
+            <p:ph type="sldImg"/>
+          </p:nvPr>
+        </p:nvSpPr>
+        <p:spPr/>
+      </p:sp>
+      <p:sp>
+        <p:nvSpPr>
+          <p:cNvPr id="3" name="Notes Placeholder 2"/>
+          <p:cNvSpPr>
+            <a:spLocks noGrp="1"/>
+          </p:cNvSpPr>
+          <p:nvPr>
+            <p:ph type="body" idx="1"/>
+          </p:nvPr>
+        </p:nvSpPr>
+        <p:spPr/>
+        <p:txBody>
+          <a:bodyPr/>
+          <a:lstStyle/>
+          <a:p>
+            <a:r>
+              <a:rPr lang="en-US" dirty="0"/>
+              <a:t>Nelson</a:t>
+            </a:r>
+          </a:p>
+          <a:p>
+            <a:endParaRPr lang="en-US" dirty="0"/>
+          </a:p>
+          <a:p>
+            <a:r>
+              <a:rPr lang="en-US" sz="1200" dirty="0">
+                <a:solidFill>
+                  <a:schemeClr val="accent2">
+                    <a:lumMod val="60000"/>
+                    <a:lumOff val="40000"/>
+                  </a:schemeClr>
+                </a:solidFill>
+              </a:rPr>
+              <a:t>Semiconductor Manufacturing Machinery Prices   - Russia Ukraine – Neon is primarily sourced from Ukraine and is used in chip manufacturing</a:t>
+            </a:r>
+          </a:p>
+          <a:p>
+            <a:r>
+              <a:rPr lang="en-US" sz="1200" dirty="0">
+                <a:solidFill>
+                  <a:schemeClr val="accent2">
+                    <a:lumMod val="60000"/>
+                    <a:lumOff val="40000"/>
+                  </a:schemeClr>
+                </a:solidFill>
+              </a:rPr>
+              <a:t>Also peak in 2018 – probably a bit of Covid and trade tension</a:t>
+            </a:r>
+            <a:br>
+              <a:rPr lang="en-US" sz="1200" dirty="0">
+                <a:solidFill>
+                  <a:schemeClr val="accent2">
+                    <a:lumMod val="60000"/>
+                    <a:lumOff val="40000"/>
+                  </a:schemeClr>
+                </a:solidFill>
+              </a:rPr>
+            </a:br>
+            <a:r>
+              <a:rPr lang="en-US" sz="1200" dirty="0">
+                <a:solidFill>
+                  <a:schemeClr val="accent2">
+                    <a:lumMod val="60000"/>
+                    <a:lumOff val="40000"/>
+                  </a:schemeClr>
+                </a:solidFill>
+              </a:rPr>
+              <a:t>Water Freight Prices – appear to correlate with the semiconductor price data – points to affects by the Russia Ukraine </a:t>
+            </a:r>
+            <a:r>
+              <a:rPr lang="en-US" sz="1200" dirty="0" err="1">
+                <a:solidFill>
+                  <a:schemeClr val="accent2">
+                    <a:lumMod val="60000"/>
+                    <a:lumOff val="40000"/>
+                  </a:schemeClr>
+                </a:solidFill>
+              </a:rPr>
+              <a:t>confict</a:t>
+            </a:r>
+            <a:br>
+              <a:rPr lang="en-US" sz="1200" dirty="0">
+                <a:solidFill>
+                  <a:schemeClr val="accent2">
+                    <a:lumMod val="60000"/>
+                    <a:lumOff val="40000"/>
+                  </a:schemeClr>
+                </a:solidFill>
+              </a:rPr>
+            </a:br>
+            <a:r>
+              <a:rPr lang="en-US" sz="1200" dirty="0">
+                <a:solidFill>
+                  <a:schemeClr val="accent2">
+                    <a:lumMod val="60000"/>
+                    <a:lumOff val="40000"/>
+                  </a:schemeClr>
+                </a:solidFill>
+              </a:rPr>
+              <a:t>Food Prices – also appear to correlate with the semiconductor price data – points to affects by the Russia Ukraine </a:t>
+            </a:r>
+            <a:r>
+              <a:rPr lang="en-US" sz="1200" dirty="0" err="1">
+                <a:solidFill>
+                  <a:schemeClr val="accent2">
+                    <a:lumMod val="60000"/>
+                    <a:lumOff val="40000"/>
+                  </a:schemeClr>
+                </a:solidFill>
+              </a:rPr>
+              <a:t>confict</a:t>
+            </a:r>
+            <a:endParaRPr lang="en-US" sz="1200" dirty="0">
+              <a:solidFill>
+                <a:schemeClr val="accent2">
+                  <a:lumMod val="60000"/>
+                  <a:lumOff val="40000"/>
+                </a:schemeClr>
+              </a:solidFill>
+            </a:endParaRPr>
+          </a:p>
+          <a:p>
+            <a:endParaRPr lang="en-US" dirty="0"/>
+          </a:p>
+          <a:p>
+            <a:r>
+              <a:rPr lang="en-US" dirty="0"/>
+              <a:t>Water freight prices returned to normal post 2020</a:t>
+            </a:r>
+          </a:p>
+          <a:p>
+            <a:endParaRPr lang="en-US" dirty="0"/>
+          </a:p>
+          <a:p>
+            <a:pPr marL="0" marR="0" lvl="0" indent="0" algn="l" defTabSz="914400" rtl="0" eaLnBrk="1" fontAlgn="auto" latinLnBrk="0" hangingPunct="1">
+              <a:lnSpc>
+                <a:spcPct val="100000"/>
+              </a:lnSpc>
+              <a:spcBef>
+                <a:spcPts val="0"/>
+              </a:spcBef>
+              <a:spcAft>
+                <a:spcPts val="0"/>
+              </a:spcAft>
+              <a:buClrTx/>
+              <a:buSzTx/>
+              <a:buFontTx/>
+              <a:buNone/>
+              <a:tabLst/>
+              <a:defRPr/>
+            </a:pPr>
+            <a:r>
+              <a:rPr lang="en-US" dirty="0">
+                <a:solidFill>
+                  <a:schemeClr val="accent2">
+                    <a:lumMod val="60000"/>
+                    <a:lumOff val="40000"/>
+                  </a:schemeClr>
+                </a:solidFill>
+                <a:latin typeface="Slack-Lato"/>
+              </a:rPr>
+              <a:t>* </a:t>
+            </a:r>
+            <a:r>
+              <a:rPr lang="en-US" b="0" i="0" dirty="0">
+                <a:solidFill>
+                  <a:schemeClr val="accent2">
+                    <a:lumMod val="60000"/>
+                    <a:lumOff val="40000"/>
+                  </a:schemeClr>
+                </a:solidFill>
+                <a:effectLst/>
+                <a:latin typeface="Slack-Lato"/>
+              </a:rPr>
+              <a:t>Which world events are heavily visible in a variety of commodity prices?</a:t>
+            </a:r>
+            <a:br>
+              <a:rPr lang="en-US" b="0" i="0" dirty="0">
+                <a:solidFill>
+                  <a:schemeClr val="accent2">
+                    <a:lumMod val="60000"/>
+                    <a:lumOff val="40000"/>
+                  </a:schemeClr>
+                </a:solidFill>
+                <a:effectLst/>
+                <a:latin typeface="Slack-Lato"/>
+              </a:rPr>
+            </a:br>
+            <a:r>
+              <a:rPr lang="en-US" b="0" i="0" dirty="0">
+                <a:solidFill>
+                  <a:schemeClr val="accent2">
+                    <a:lumMod val="60000"/>
+                    <a:lumOff val="40000"/>
+                  </a:schemeClr>
+                </a:solidFill>
+                <a:effectLst/>
+                <a:latin typeface="Slack-Lato"/>
+              </a:rPr>
+              <a:t>* Do prices decrease to normal after world events? </a:t>
+            </a:r>
+            <a:br>
+              <a:rPr lang="en-US" b="0" i="0" dirty="0">
+                <a:solidFill>
+                  <a:schemeClr val="accent2">
+                    <a:lumMod val="60000"/>
+                    <a:lumOff val="40000"/>
+                  </a:schemeClr>
+                </a:solidFill>
+                <a:effectLst/>
+                <a:latin typeface="Slack-Lato"/>
+              </a:rPr>
+            </a:br>
+            <a:r>
+              <a:rPr lang="en-US" b="0" i="0" dirty="0">
+                <a:solidFill>
+                  <a:schemeClr val="accent2">
+                    <a:lumMod val="60000"/>
+                    <a:lumOff val="40000"/>
+                  </a:schemeClr>
+                </a:solidFill>
+                <a:effectLst/>
+                <a:latin typeface="Slack-Lato"/>
+              </a:rPr>
+              <a:t>* Are there any items that appear to have been affected uniquely by one major event?</a:t>
+            </a:r>
+            <a:br>
+              <a:rPr lang="en-US" b="0" i="0" dirty="0">
+                <a:solidFill>
+                  <a:schemeClr val="accent2">
+                    <a:lumMod val="60000"/>
+                    <a:lumOff val="40000"/>
+                  </a:schemeClr>
+                </a:solidFill>
+                <a:effectLst/>
+                <a:latin typeface="Slack-Lato"/>
+              </a:rPr>
+            </a:br>
+            <a:r>
+              <a:rPr lang="en-US" b="0" i="0" dirty="0">
+                <a:solidFill>
+                  <a:schemeClr val="accent2">
+                    <a:lumMod val="60000"/>
+                    <a:lumOff val="40000"/>
+                  </a:schemeClr>
+                </a:solidFill>
+                <a:effectLst/>
+                <a:latin typeface="Slack-Lato"/>
+              </a:rPr>
+              <a:t>* How does each items price increase compare to yearly inflation?</a:t>
+            </a:r>
+            <a:endParaRPr lang="en-US" dirty="0"/>
+          </a:p>
+          <a:p>
+            <a:endParaRPr lang="en-US" dirty="0"/>
+          </a:p>
+          <a:p>
+            <a:endParaRPr lang="en-US" dirty="0"/>
+          </a:p>
+          <a:p>
+            <a:endParaRPr lang="en-US" dirty="0"/>
+          </a:p>
+        </p:txBody>
+      </p:sp>
+      <p:sp>
+        <p:nvSpPr>
+          <p:cNvPr id="4" name="Slide Number Placeholder 3"/>
+          <p:cNvSpPr>
+            <a:spLocks noGrp="1"/>
+          </p:cNvSpPr>
+          <p:nvPr>
+            <p:ph type="sldNum" sz="quarter" idx="5"/>
+          </p:nvPr>
+        </p:nvSpPr>
+        <p:spPr/>
+        <p:txBody>
+          <a:bodyPr/>
+          <a:lstStyle/>
+          <a:p>
+            <a:fld id="{7D5886F4-4666-4B3D-9448-64E644E4CF29}" type="slidenum">
+              <a:rPr lang="en-US" smtClean="0"/>
+              <a:t>17</a:t>
+            </a:fld>
+            <a:endParaRPr lang="en-US"/>
+          </a:p>
+        </p:txBody>
+      </p:sp>
+    </p:spTree>
+    <p:extLst>
+      <p:ext uri="{BB962C8B-B14F-4D97-AF65-F5344CB8AC3E}">
+        <p14:creationId xmlns:p14="http://schemas.microsoft.com/office/powerpoint/2010/main" val="851322305"/>
+      </p:ext>
+    </p:extLst>
+  </p:cSld>
+  <p:clrMapOvr>
+    <a:masterClrMapping/>
+  </p:clrMapOvr>
+</p:notes>
+</file>
+
+<file path=ppt/notesSlides/notesSlide18.xml><?xml version="1.0" encoding="utf-8"?>
+<p:notes xmlns:a="http://schemas.openxmlformats.org/drawingml/2006/main" xmlns:r="http://schemas.openxmlformats.org/officeDocument/2006/relationships" xmlns:p="http://schemas.openxmlformats.org/presentationml/2006/main">
+  <p:cSld>
+    <p:spTree>
+      <p:nvGrpSpPr>
+        <p:cNvPr id="1" name=""/>
+        <p:cNvGrpSpPr/>
+        <p:nvPr/>
+      </p:nvGrpSpPr>
+      <p:grpSpPr>
+        <a:xfrm>
+          <a:off x="0" y="0"/>
+          <a:ext cx="0" cy="0"/>
+          <a:chOff x="0" y="0"/>
+          <a:chExt cx="0" cy="0"/>
+        </a:xfrm>
+      </p:grpSpPr>
+      <p:sp>
+        <p:nvSpPr>
+          <p:cNvPr id="2" name="Slide Image Placeholder 1"/>
+          <p:cNvSpPr>
+            <a:spLocks noGrp="1" noRot="1" noChangeAspect="1"/>
+          </p:cNvSpPr>
+          <p:nvPr>
+            <p:ph type="sldImg"/>
+          </p:nvPr>
+        </p:nvSpPr>
+        <p:spPr/>
+      </p:sp>
+      <p:sp>
+        <p:nvSpPr>
+          <p:cNvPr id="3" name="Notes Placeholder 2"/>
+          <p:cNvSpPr>
+            <a:spLocks noGrp="1"/>
+          </p:cNvSpPr>
+          <p:nvPr>
+            <p:ph type="body" idx="1"/>
+          </p:nvPr>
+        </p:nvSpPr>
+        <p:spPr/>
+        <p:txBody>
+          <a:bodyPr/>
+          <a:lstStyle/>
+          <a:p>
+            <a:r>
+              <a:rPr lang="en-US" dirty="0"/>
+              <a:t>Nelson</a:t>
+            </a:r>
+          </a:p>
+          <a:p>
+            <a:endParaRPr lang="en-US" dirty="0"/>
+          </a:p>
+          <a:p>
+            <a:r>
+              <a:rPr lang="en-US" sz="1200" dirty="0">
+                <a:solidFill>
+                  <a:schemeClr val="accent2">
+                    <a:lumMod val="60000"/>
+                    <a:lumOff val="40000"/>
+                  </a:schemeClr>
+                </a:solidFill>
+              </a:rPr>
+              <a:t>Semiconductor Manufacturing Machinery Prices   - Russia Ukraine – Neon is primarily sourced from Ukraine and is used in chip manufacturing</a:t>
+            </a:r>
+          </a:p>
+          <a:p>
+            <a:r>
+              <a:rPr lang="en-US" sz="1200" dirty="0">
+                <a:solidFill>
+                  <a:schemeClr val="accent2">
+                    <a:lumMod val="60000"/>
+                    <a:lumOff val="40000"/>
+                  </a:schemeClr>
+                </a:solidFill>
+              </a:rPr>
+              <a:t>Also peak in 2018 – probably a bit of Covid and trade tension</a:t>
+            </a:r>
+            <a:br>
+              <a:rPr lang="en-US" sz="1200" dirty="0">
+                <a:solidFill>
+                  <a:schemeClr val="accent2">
+                    <a:lumMod val="60000"/>
+                    <a:lumOff val="40000"/>
+                  </a:schemeClr>
+                </a:solidFill>
+              </a:rPr>
+            </a:br>
+            <a:r>
+              <a:rPr lang="en-US" sz="1200" dirty="0">
+                <a:solidFill>
+                  <a:schemeClr val="accent2">
+                    <a:lumMod val="60000"/>
+                    <a:lumOff val="40000"/>
+                  </a:schemeClr>
+                </a:solidFill>
+              </a:rPr>
+              <a:t>Water Freight Prices – appear to correlate with the semiconductor price data – points to affects by the Russia Ukraine </a:t>
+            </a:r>
+            <a:r>
+              <a:rPr lang="en-US" sz="1200" dirty="0" err="1">
+                <a:solidFill>
+                  <a:schemeClr val="accent2">
+                    <a:lumMod val="60000"/>
+                    <a:lumOff val="40000"/>
+                  </a:schemeClr>
+                </a:solidFill>
+              </a:rPr>
+              <a:t>confict</a:t>
+            </a:r>
+            <a:br>
+              <a:rPr lang="en-US" sz="1200" dirty="0">
+                <a:solidFill>
+                  <a:schemeClr val="accent2">
+                    <a:lumMod val="60000"/>
+                    <a:lumOff val="40000"/>
+                  </a:schemeClr>
+                </a:solidFill>
+              </a:rPr>
+            </a:br>
+            <a:r>
+              <a:rPr lang="en-US" sz="1200" dirty="0">
+                <a:solidFill>
+                  <a:schemeClr val="accent2">
+                    <a:lumMod val="60000"/>
+                    <a:lumOff val="40000"/>
+                  </a:schemeClr>
+                </a:solidFill>
+              </a:rPr>
+              <a:t>Food Prices – also appear to correlate with the semiconductor price data – points to affects by the Russia Ukraine </a:t>
+            </a:r>
+            <a:r>
+              <a:rPr lang="en-US" sz="1200" dirty="0" err="1">
+                <a:solidFill>
+                  <a:schemeClr val="accent2">
+                    <a:lumMod val="60000"/>
+                    <a:lumOff val="40000"/>
+                  </a:schemeClr>
+                </a:solidFill>
+              </a:rPr>
+              <a:t>confict</a:t>
+            </a:r>
+            <a:endParaRPr lang="en-US" sz="1200" dirty="0">
+              <a:solidFill>
+                <a:schemeClr val="accent2">
+                  <a:lumMod val="60000"/>
+                  <a:lumOff val="40000"/>
+                </a:schemeClr>
+              </a:solidFill>
+            </a:endParaRPr>
+          </a:p>
+          <a:p>
+            <a:endParaRPr lang="en-US" dirty="0"/>
+          </a:p>
+          <a:p>
+            <a:r>
+              <a:rPr lang="en-US" dirty="0"/>
+              <a:t>Water freight prices returned to normal post 2020</a:t>
+            </a:r>
+          </a:p>
+          <a:p>
+            <a:endParaRPr lang="en-US" dirty="0"/>
+          </a:p>
+          <a:p>
+            <a:pPr marL="0" marR="0" lvl="0" indent="0" algn="l" defTabSz="914400" rtl="0" eaLnBrk="1" fontAlgn="auto" latinLnBrk="0" hangingPunct="1">
+              <a:lnSpc>
+                <a:spcPct val="100000"/>
+              </a:lnSpc>
+              <a:spcBef>
+                <a:spcPts val="0"/>
+              </a:spcBef>
+              <a:spcAft>
+                <a:spcPts val="0"/>
+              </a:spcAft>
+              <a:buClrTx/>
+              <a:buSzTx/>
+              <a:buFontTx/>
+              <a:buNone/>
+              <a:tabLst/>
+              <a:defRPr/>
+            </a:pPr>
+            <a:r>
+              <a:rPr lang="en-US" dirty="0">
+                <a:solidFill>
+                  <a:schemeClr val="accent2">
+                    <a:lumMod val="60000"/>
+                    <a:lumOff val="40000"/>
+                  </a:schemeClr>
+                </a:solidFill>
+                <a:latin typeface="Slack-Lato"/>
+              </a:rPr>
+              <a:t>* </a:t>
+            </a:r>
+            <a:r>
+              <a:rPr lang="en-US" b="0" i="0" dirty="0">
+                <a:solidFill>
+                  <a:schemeClr val="accent2">
+                    <a:lumMod val="60000"/>
+                    <a:lumOff val="40000"/>
+                  </a:schemeClr>
+                </a:solidFill>
+                <a:effectLst/>
+                <a:latin typeface="Slack-Lato"/>
+              </a:rPr>
+              <a:t>Which world events are heavily visible in a variety of commodity prices?</a:t>
+            </a:r>
+            <a:br>
+              <a:rPr lang="en-US" b="0" i="0" dirty="0">
+                <a:solidFill>
+                  <a:schemeClr val="accent2">
+                    <a:lumMod val="60000"/>
+                    <a:lumOff val="40000"/>
+                  </a:schemeClr>
+                </a:solidFill>
+                <a:effectLst/>
+                <a:latin typeface="Slack-Lato"/>
+              </a:rPr>
+            </a:br>
+            <a:r>
+              <a:rPr lang="en-US" b="0" i="0" dirty="0">
+                <a:solidFill>
+                  <a:schemeClr val="accent2">
+                    <a:lumMod val="60000"/>
+                    <a:lumOff val="40000"/>
+                  </a:schemeClr>
+                </a:solidFill>
+                <a:effectLst/>
+                <a:latin typeface="Slack-Lato"/>
+              </a:rPr>
+              <a:t>* Do prices decrease to normal after world events? </a:t>
+            </a:r>
+            <a:br>
+              <a:rPr lang="en-US" b="0" i="0" dirty="0">
+                <a:solidFill>
+                  <a:schemeClr val="accent2">
+                    <a:lumMod val="60000"/>
+                    <a:lumOff val="40000"/>
+                  </a:schemeClr>
+                </a:solidFill>
+                <a:effectLst/>
+                <a:latin typeface="Slack-Lato"/>
+              </a:rPr>
+            </a:br>
+            <a:r>
+              <a:rPr lang="en-US" b="0" i="0" dirty="0">
+                <a:solidFill>
+                  <a:schemeClr val="accent2">
+                    <a:lumMod val="60000"/>
+                    <a:lumOff val="40000"/>
+                  </a:schemeClr>
+                </a:solidFill>
+                <a:effectLst/>
+                <a:latin typeface="Slack-Lato"/>
+              </a:rPr>
+              <a:t>* Are there any items that appear to have been affected uniquely by one major event?</a:t>
+            </a:r>
+            <a:br>
+              <a:rPr lang="en-US" b="0" i="0" dirty="0">
+                <a:solidFill>
+                  <a:schemeClr val="accent2">
+                    <a:lumMod val="60000"/>
+                    <a:lumOff val="40000"/>
+                  </a:schemeClr>
+                </a:solidFill>
+                <a:effectLst/>
+                <a:latin typeface="Slack-Lato"/>
+              </a:rPr>
+            </a:br>
+            <a:r>
+              <a:rPr lang="en-US" b="0" i="0" dirty="0">
+                <a:solidFill>
+                  <a:schemeClr val="accent2">
+                    <a:lumMod val="60000"/>
+                    <a:lumOff val="40000"/>
+                  </a:schemeClr>
+                </a:solidFill>
+                <a:effectLst/>
+                <a:latin typeface="Slack-Lato"/>
+              </a:rPr>
+              <a:t>* How does each items price increase compare to yearly inflation?</a:t>
+            </a:r>
+            <a:endParaRPr lang="en-US" dirty="0"/>
+          </a:p>
+          <a:p>
+            <a:endParaRPr lang="en-US" dirty="0"/>
+          </a:p>
+          <a:p>
+            <a:endParaRPr lang="en-US" dirty="0"/>
+          </a:p>
+          <a:p>
+            <a:endParaRPr lang="en-US" dirty="0"/>
+          </a:p>
+        </p:txBody>
+      </p:sp>
+      <p:sp>
+        <p:nvSpPr>
+          <p:cNvPr id="4" name="Slide Number Placeholder 3"/>
+          <p:cNvSpPr>
+            <a:spLocks noGrp="1"/>
+          </p:cNvSpPr>
+          <p:nvPr>
+            <p:ph type="sldNum" sz="quarter" idx="5"/>
+          </p:nvPr>
+        </p:nvSpPr>
+        <p:spPr/>
+        <p:txBody>
+          <a:bodyPr/>
+          <a:lstStyle/>
+          <a:p>
+            <a:fld id="{7D5886F4-4666-4B3D-9448-64E644E4CF29}" type="slidenum">
+              <a:rPr lang="en-US" smtClean="0"/>
+              <a:t>18</a:t>
+            </a:fld>
+            <a:endParaRPr lang="en-US"/>
+          </a:p>
+        </p:txBody>
+      </p:sp>
+    </p:spTree>
+    <p:extLst>
+      <p:ext uri="{BB962C8B-B14F-4D97-AF65-F5344CB8AC3E}">
+        <p14:creationId xmlns:p14="http://schemas.microsoft.com/office/powerpoint/2010/main" val="1690416945"/>
+      </p:ext>
+    </p:extLst>
+  </p:cSld>
+  <p:clrMapOvr>
+    <a:masterClrMapping/>
+  </p:clrMapOvr>
+</p:notes>
+</file>
+
+<file path=ppt/notesSlides/notesSlide19.xml><?xml version="1.0" encoding="utf-8"?>
+<p:notes xmlns:a="http://schemas.openxmlformats.org/drawingml/2006/main" xmlns:r="http://schemas.openxmlformats.org/officeDocument/2006/relationships" xmlns:p="http://schemas.openxmlformats.org/presentationml/2006/main">
+  <p:cSld>
+    <p:spTree>
+      <p:nvGrpSpPr>
+        <p:cNvPr id="1" name=""/>
+        <p:cNvGrpSpPr/>
+        <p:nvPr/>
+      </p:nvGrpSpPr>
+      <p:grpSpPr>
+        <a:xfrm>
+          <a:off x="0" y="0"/>
+          <a:ext cx="0" cy="0"/>
+          <a:chOff x="0" y="0"/>
+          <a:chExt cx="0" cy="0"/>
+        </a:xfrm>
+      </p:grpSpPr>
+      <p:sp>
+        <p:nvSpPr>
+          <p:cNvPr id="2" name="Slide Image Placeholder 1"/>
+          <p:cNvSpPr>
+            <a:spLocks noGrp="1" noRot="1" noChangeAspect="1"/>
+          </p:cNvSpPr>
+          <p:nvPr>
+            <p:ph type="sldImg"/>
+          </p:nvPr>
+        </p:nvSpPr>
+        <p:spPr/>
+      </p:sp>
+      <p:sp>
+        <p:nvSpPr>
+          <p:cNvPr id="3" name="Notes Placeholder 2"/>
+          <p:cNvSpPr>
+            <a:spLocks noGrp="1"/>
+          </p:cNvSpPr>
+          <p:nvPr>
+            <p:ph type="body" idx="1"/>
+          </p:nvPr>
+        </p:nvSpPr>
+        <p:spPr/>
+        <p:txBody>
+          <a:bodyPr/>
+          <a:lstStyle/>
+          <a:p>
+            <a:r>
+              <a:rPr lang="en-US" dirty="0"/>
+              <a:t>Kevin</a:t>
+            </a:r>
+          </a:p>
+          <a:p>
+            <a:endParaRPr lang="en-US" dirty="0"/>
+          </a:p>
+          <a:p>
+            <a:endParaRPr lang="en-US" dirty="0"/>
+          </a:p>
+        </p:txBody>
+      </p:sp>
+      <p:sp>
+        <p:nvSpPr>
+          <p:cNvPr id="4" name="Slide Number Placeholder 3"/>
+          <p:cNvSpPr>
+            <a:spLocks noGrp="1"/>
+          </p:cNvSpPr>
+          <p:nvPr>
+            <p:ph type="sldNum" sz="quarter" idx="5"/>
+          </p:nvPr>
+        </p:nvSpPr>
+        <p:spPr/>
+        <p:txBody>
+          <a:bodyPr/>
+          <a:lstStyle/>
+          <a:p>
+            <a:fld id="{7D5886F4-4666-4B3D-9448-64E644E4CF29}" type="slidenum">
+              <a:rPr lang="en-US" smtClean="0"/>
+              <a:t>19</a:t>
+            </a:fld>
+            <a:endParaRPr lang="en-US"/>
+          </a:p>
+        </p:txBody>
+      </p:sp>
+    </p:spTree>
+    <p:extLst>
+      <p:ext uri="{BB962C8B-B14F-4D97-AF65-F5344CB8AC3E}">
+        <p14:creationId xmlns:p14="http://schemas.microsoft.com/office/powerpoint/2010/main" val="3009598419"/>
+      </p:ext>
+    </p:extLst>
+  </p:cSld>
+  <p:clrMapOvr>
+    <a:masterClrMapping/>
+  </p:clrMapOvr>
+</p:notes>
+</file>
+
+<file path=ppt/notesSlides/notesSlide2.xml><?xml version="1.0" encoding="utf-8"?>
+<p:notes xmlns:a="http://schemas.openxmlformats.org/drawingml/2006/main" xmlns:r="http://schemas.openxmlformats.org/officeDocument/2006/relationships" xmlns:p="http://schemas.openxmlformats.org/presentationml/2006/main">
+  <p:cSld>
+    <p:spTree>
+      <p:nvGrpSpPr>
+        <p:cNvPr id="1" name=""/>
+        <p:cNvGrpSpPr/>
+        <p:nvPr/>
+      </p:nvGrpSpPr>
+      <p:grpSpPr>
+        <a:xfrm>
+          <a:off x="0" y="0"/>
+          <a:ext cx="0" cy="0"/>
+          <a:chOff x="0" y="0"/>
+          <a:chExt cx="0" cy="0"/>
+        </a:xfrm>
+      </p:grpSpPr>
+      <p:sp>
+        <p:nvSpPr>
+          <p:cNvPr id="2" name="Slide Image Placeholder 1"/>
+          <p:cNvSpPr>
+            <a:spLocks noGrp="1" noRot="1" noChangeAspect="1"/>
+          </p:cNvSpPr>
+          <p:nvPr>
+            <p:ph type="sldImg"/>
+          </p:nvPr>
+        </p:nvSpPr>
+        <p:spPr/>
+      </p:sp>
+      <p:sp>
+        <p:nvSpPr>
+          <p:cNvPr id="3" name="Notes Placeholder 2"/>
+          <p:cNvSpPr>
+            <a:spLocks noGrp="1"/>
+          </p:cNvSpPr>
+          <p:nvPr>
+            <p:ph type="body" idx="1"/>
+          </p:nvPr>
+        </p:nvSpPr>
+        <p:spPr/>
+        <p:txBody>
+          <a:bodyPr/>
+          <a:lstStyle/>
+          <a:p>
+            <a:r>
+              <a:rPr lang="en-US" dirty="0"/>
+              <a:t>Kevin</a:t>
+            </a:r>
+          </a:p>
+        </p:txBody>
+      </p:sp>
+      <p:sp>
+        <p:nvSpPr>
+          <p:cNvPr id="4" name="Slide Number Placeholder 3"/>
+          <p:cNvSpPr>
+            <a:spLocks noGrp="1"/>
+          </p:cNvSpPr>
+          <p:nvPr>
+            <p:ph type="sldNum" sz="quarter" idx="5"/>
+          </p:nvPr>
+        </p:nvSpPr>
+        <p:spPr/>
+        <p:txBody>
+          <a:bodyPr/>
+          <a:lstStyle/>
+          <a:p>
+            <a:fld id="{7D5886F4-4666-4B3D-9448-64E644E4CF29}" type="slidenum">
+              <a:rPr lang="en-US" smtClean="0"/>
+              <a:t>2</a:t>
+            </a:fld>
+            <a:endParaRPr lang="en-US"/>
+          </a:p>
+        </p:txBody>
+      </p:sp>
+    </p:spTree>
+    <p:extLst>
+      <p:ext uri="{BB962C8B-B14F-4D97-AF65-F5344CB8AC3E}">
+        <p14:creationId xmlns:p14="http://schemas.microsoft.com/office/powerpoint/2010/main" val="1863863422"/>
+      </p:ext>
+    </p:extLst>
+  </p:cSld>
+  <p:clrMapOvr>
+    <a:masterClrMapping/>
+  </p:clrMapOvr>
+</p:notes>
+</file>
+
+<file path=ppt/notesSlides/notesSlide20.xml><?xml version="1.0" encoding="utf-8"?>
+<p:notes xmlns:a="http://schemas.openxmlformats.org/drawingml/2006/main" xmlns:r="http://schemas.openxmlformats.org/officeDocument/2006/relationships" xmlns:p="http://schemas.openxmlformats.org/presentationml/2006/main">
+  <p:cSld>
+    <p:spTree>
+      <p:nvGrpSpPr>
+        <p:cNvPr id="1" name=""/>
+        <p:cNvGrpSpPr/>
+        <p:nvPr/>
+      </p:nvGrpSpPr>
+      <p:grpSpPr>
+        <a:xfrm>
+          <a:off x="0" y="0"/>
+          <a:ext cx="0" cy="0"/>
+          <a:chOff x="0" y="0"/>
+          <a:chExt cx="0" cy="0"/>
+        </a:xfrm>
+      </p:grpSpPr>
+      <p:sp>
+        <p:nvSpPr>
+          <p:cNvPr id="2" name="Slide Image Placeholder 1"/>
+          <p:cNvSpPr>
+            <a:spLocks noGrp="1" noRot="1" noChangeAspect="1"/>
+          </p:cNvSpPr>
+          <p:nvPr>
+            <p:ph type="sldImg"/>
+          </p:nvPr>
+        </p:nvSpPr>
+        <p:spPr/>
+      </p:sp>
+      <p:sp>
+        <p:nvSpPr>
+          <p:cNvPr id="3" name="Notes Placeholder 2"/>
+          <p:cNvSpPr>
+            <a:spLocks noGrp="1"/>
+          </p:cNvSpPr>
+          <p:nvPr>
+            <p:ph type="body" idx="1"/>
+          </p:nvPr>
+        </p:nvSpPr>
+        <p:spPr/>
+        <p:txBody>
+          <a:bodyPr/>
+          <a:lstStyle/>
+          <a:p>
+            <a:r>
+              <a:rPr lang="en-US" dirty="0"/>
+              <a:t>Kevin</a:t>
+            </a:r>
+          </a:p>
+          <a:p>
+            <a:endParaRPr lang="en-US" dirty="0"/>
+          </a:p>
+          <a:p>
+            <a:r>
+              <a:rPr lang="en-US" sz="1200" dirty="0">
+                <a:solidFill>
+                  <a:schemeClr val="accent2">
+                    <a:lumMod val="60000"/>
+                    <a:lumOff val="40000"/>
+                  </a:schemeClr>
+                </a:solidFill>
+              </a:rPr>
+              <a:t>Egg Prices</a:t>
+            </a:r>
+            <a:br>
+              <a:rPr lang="en-US" sz="1200" dirty="0">
+                <a:solidFill>
+                  <a:schemeClr val="accent2">
+                    <a:lumMod val="60000"/>
+                    <a:lumOff val="40000"/>
+                  </a:schemeClr>
+                </a:solidFill>
+              </a:rPr>
+            </a:br>
+            <a:r>
+              <a:rPr lang="en-US" sz="1200" dirty="0">
+                <a:solidFill>
+                  <a:schemeClr val="accent2">
+                    <a:lumMod val="60000"/>
+                    <a:lumOff val="40000"/>
+                  </a:schemeClr>
+                </a:solidFill>
+              </a:rPr>
+              <a:t>Shelter (rent) Prices</a:t>
+            </a:r>
+            <a:br>
+              <a:rPr lang="en-US" sz="1200" dirty="0">
+                <a:solidFill>
+                  <a:schemeClr val="accent2">
+                    <a:lumMod val="60000"/>
+                    <a:lumOff val="40000"/>
+                  </a:schemeClr>
+                </a:solidFill>
+              </a:rPr>
+            </a:br>
+            <a:r>
+              <a:rPr lang="en-US" sz="1200" dirty="0">
+                <a:solidFill>
+                  <a:schemeClr val="accent2">
+                    <a:lumMod val="60000"/>
+                    <a:lumOff val="40000"/>
+                  </a:schemeClr>
+                </a:solidFill>
+              </a:rPr>
+              <a:t>Television Prices</a:t>
+            </a:r>
+            <a:endParaRPr lang="en-US" dirty="0"/>
+          </a:p>
+        </p:txBody>
+      </p:sp>
+      <p:sp>
+        <p:nvSpPr>
+          <p:cNvPr id="4" name="Slide Number Placeholder 3"/>
+          <p:cNvSpPr>
+            <a:spLocks noGrp="1"/>
+          </p:cNvSpPr>
+          <p:nvPr>
+            <p:ph type="sldNum" sz="quarter" idx="5"/>
+          </p:nvPr>
+        </p:nvSpPr>
+        <p:spPr/>
+        <p:txBody>
+          <a:bodyPr/>
+          <a:lstStyle/>
+          <a:p>
+            <a:fld id="{7D5886F4-4666-4B3D-9448-64E644E4CF29}" type="slidenum">
+              <a:rPr lang="en-US" smtClean="0"/>
+              <a:t>20</a:t>
+            </a:fld>
+            <a:endParaRPr lang="en-US"/>
+          </a:p>
+        </p:txBody>
+      </p:sp>
+    </p:spTree>
+    <p:extLst>
+      <p:ext uri="{BB962C8B-B14F-4D97-AF65-F5344CB8AC3E}">
+        <p14:creationId xmlns:p14="http://schemas.microsoft.com/office/powerpoint/2010/main" val="77051887"/>
+      </p:ext>
+    </p:extLst>
+  </p:cSld>
+  <p:clrMapOvr>
+    <a:masterClrMapping/>
+  </p:clrMapOvr>
+</p:notes>
+</file>
+
+<file path=ppt/notesSlides/notesSlide21.xml><?xml version="1.0" encoding="utf-8"?>
+<p:notes xmlns:a="http://schemas.openxmlformats.org/drawingml/2006/main" xmlns:r="http://schemas.openxmlformats.org/officeDocument/2006/relationships" xmlns:p="http://schemas.openxmlformats.org/presentationml/2006/main">
+  <p:cSld>
+    <p:spTree>
+      <p:nvGrpSpPr>
+        <p:cNvPr id="1" name=""/>
+        <p:cNvGrpSpPr/>
+        <p:nvPr/>
+      </p:nvGrpSpPr>
+      <p:grpSpPr>
+        <a:xfrm>
+          <a:off x="0" y="0"/>
+          <a:ext cx="0" cy="0"/>
+          <a:chOff x="0" y="0"/>
+          <a:chExt cx="0" cy="0"/>
+        </a:xfrm>
+      </p:grpSpPr>
+      <p:sp>
+        <p:nvSpPr>
+          <p:cNvPr id="2" name="Slide Image Placeholder 1"/>
+          <p:cNvSpPr>
+            <a:spLocks noGrp="1" noRot="1" noChangeAspect="1"/>
+          </p:cNvSpPr>
+          <p:nvPr>
+            <p:ph type="sldImg"/>
+          </p:nvPr>
+        </p:nvSpPr>
+        <p:spPr/>
+      </p:sp>
+      <p:sp>
+        <p:nvSpPr>
+          <p:cNvPr id="3" name="Notes Placeholder 2"/>
+          <p:cNvSpPr>
+            <a:spLocks noGrp="1"/>
+          </p:cNvSpPr>
+          <p:nvPr>
+            <p:ph type="body" idx="1"/>
+          </p:nvPr>
+        </p:nvSpPr>
+        <p:spPr/>
+        <p:txBody>
+          <a:bodyPr/>
+          <a:lstStyle/>
+          <a:p>
+            <a:r>
+              <a:rPr lang="en-US" dirty="0"/>
+              <a:t>Kevin</a:t>
+            </a:r>
+          </a:p>
+          <a:p>
+            <a:endParaRPr lang="en-US" dirty="0"/>
+          </a:p>
+          <a:p>
+            <a:r>
+              <a:rPr lang="en-US" sz="1200" dirty="0">
+                <a:solidFill>
+                  <a:schemeClr val="accent2">
+                    <a:lumMod val="60000"/>
+                    <a:lumOff val="40000"/>
+                  </a:schemeClr>
+                </a:solidFill>
+              </a:rPr>
+              <a:t>Egg Prices</a:t>
+            </a:r>
+            <a:br>
+              <a:rPr lang="en-US" sz="1200" dirty="0">
+                <a:solidFill>
+                  <a:schemeClr val="accent2">
+                    <a:lumMod val="60000"/>
+                    <a:lumOff val="40000"/>
+                  </a:schemeClr>
+                </a:solidFill>
+              </a:rPr>
+            </a:br>
+            <a:r>
+              <a:rPr lang="en-US" sz="1200" dirty="0">
+                <a:solidFill>
+                  <a:schemeClr val="accent2">
+                    <a:lumMod val="60000"/>
+                    <a:lumOff val="40000"/>
+                  </a:schemeClr>
+                </a:solidFill>
+              </a:rPr>
+              <a:t>Shelter (rent) Prices</a:t>
+            </a:r>
+            <a:br>
+              <a:rPr lang="en-US" sz="1200" dirty="0">
+                <a:solidFill>
+                  <a:schemeClr val="accent2">
+                    <a:lumMod val="60000"/>
+                    <a:lumOff val="40000"/>
+                  </a:schemeClr>
+                </a:solidFill>
+              </a:rPr>
+            </a:br>
+            <a:r>
+              <a:rPr lang="en-US" sz="1200" dirty="0">
+                <a:solidFill>
+                  <a:schemeClr val="accent2">
+                    <a:lumMod val="60000"/>
+                    <a:lumOff val="40000"/>
+                  </a:schemeClr>
+                </a:solidFill>
+              </a:rPr>
+              <a:t>Television Prices</a:t>
+            </a:r>
+            <a:endParaRPr lang="en-US" dirty="0"/>
+          </a:p>
+          <a:p>
+            <a:endParaRPr lang="en-US" dirty="0"/>
+          </a:p>
+        </p:txBody>
+      </p:sp>
+      <p:sp>
+        <p:nvSpPr>
+          <p:cNvPr id="4" name="Slide Number Placeholder 3"/>
+          <p:cNvSpPr>
+            <a:spLocks noGrp="1"/>
+          </p:cNvSpPr>
+          <p:nvPr>
+            <p:ph type="sldNum" sz="quarter" idx="5"/>
+          </p:nvPr>
+        </p:nvSpPr>
+        <p:spPr/>
+        <p:txBody>
+          <a:bodyPr/>
+          <a:lstStyle/>
+          <a:p>
+            <a:fld id="{7D5886F4-4666-4B3D-9448-64E644E4CF29}" type="slidenum">
+              <a:rPr lang="en-US" smtClean="0"/>
+              <a:t>21</a:t>
+            </a:fld>
+            <a:endParaRPr lang="en-US"/>
+          </a:p>
+        </p:txBody>
+      </p:sp>
+    </p:spTree>
+    <p:extLst>
+      <p:ext uri="{BB962C8B-B14F-4D97-AF65-F5344CB8AC3E}">
+        <p14:creationId xmlns:p14="http://schemas.microsoft.com/office/powerpoint/2010/main" val="3311515175"/>
+      </p:ext>
+    </p:extLst>
+  </p:cSld>
+  <p:clrMapOvr>
+    <a:masterClrMapping/>
+  </p:clrMapOvr>
+</p:notes>
+</file>
+
+<file path=ppt/notesSlides/notesSlide22.xml><?xml version="1.0" encoding="utf-8"?>
+<p:notes xmlns:a="http://schemas.openxmlformats.org/drawingml/2006/main" xmlns:r="http://schemas.openxmlformats.org/officeDocument/2006/relationships" xmlns:p="http://schemas.openxmlformats.org/presentationml/2006/main">
+  <p:cSld>
+    <p:spTree>
+      <p:nvGrpSpPr>
+        <p:cNvPr id="1" name=""/>
+        <p:cNvGrpSpPr/>
+        <p:nvPr/>
+      </p:nvGrpSpPr>
+      <p:grpSpPr>
+        <a:xfrm>
+          <a:off x="0" y="0"/>
+          <a:ext cx="0" cy="0"/>
+          <a:chOff x="0" y="0"/>
+          <a:chExt cx="0" cy="0"/>
+        </a:xfrm>
+      </p:grpSpPr>
+      <p:sp>
+        <p:nvSpPr>
+          <p:cNvPr id="2" name="Slide Image Placeholder 1"/>
+          <p:cNvSpPr>
+            <a:spLocks noGrp="1" noRot="1" noChangeAspect="1"/>
+          </p:cNvSpPr>
+          <p:nvPr>
+            <p:ph type="sldImg"/>
+          </p:nvPr>
+        </p:nvSpPr>
+        <p:spPr/>
+      </p:sp>
+      <p:sp>
+        <p:nvSpPr>
+          <p:cNvPr id="3" name="Notes Placeholder 2"/>
+          <p:cNvSpPr>
+            <a:spLocks noGrp="1"/>
+          </p:cNvSpPr>
+          <p:nvPr>
+            <p:ph type="body" idx="1"/>
+          </p:nvPr>
+        </p:nvSpPr>
+        <p:spPr/>
+        <p:txBody>
+          <a:bodyPr/>
+          <a:lstStyle/>
+          <a:p>
+            <a:r>
+              <a:rPr lang="en-US" dirty="0"/>
+              <a:t>Ryan</a:t>
+            </a:r>
+          </a:p>
+          <a:p>
+            <a:endParaRPr lang="en-US" dirty="0"/>
+          </a:p>
+          <a:p>
+            <a:endParaRPr lang="en-US" dirty="0"/>
+          </a:p>
+        </p:txBody>
+      </p:sp>
+      <p:sp>
+        <p:nvSpPr>
+          <p:cNvPr id="4" name="Slide Number Placeholder 3"/>
+          <p:cNvSpPr>
+            <a:spLocks noGrp="1"/>
+          </p:cNvSpPr>
+          <p:nvPr>
+            <p:ph type="sldNum" sz="quarter" idx="5"/>
+          </p:nvPr>
+        </p:nvSpPr>
+        <p:spPr/>
+        <p:txBody>
+          <a:bodyPr/>
+          <a:lstStyle/>
+          <a:p>
+            <a:fld id="{7D5886F4-4666-4B3D-9448-64E644E4CF29}" type="slidenum">
+              <a:rPr lang="en-US" smtClean="0"/>
+              <a:t>22</a:t>
+            </a:fld>
+            <a:endParaRPr lang="en-US"/>
+          </a:p>
+        </p:txBody>
+      </p:sp>
+    </p:spTree>
+    <p:extLst>
+      <p:ext uri="{BB962C8B-B14F-4D97-AF65-F5344CB8AC3E}">
+        <p14:creationId xmlns:p14="http://schemas.microsoft.com/office/powerpoint/2010/main" val="658739181"/>
+      </p:ext>
+    </p:extLst>
+  </p:cSld>
+  <p:clrMapOvr>
+    <a:masterClrMapping/>
+  </p:clrMapOvr>
+</p:notes>
+</file>
+
+<file path=ppt/notesSlides/notesSlide23.xml><?xml version="1.0" encoding="utf-8"?>
+<p:notes xmlns:a="http://schemas.openxmlformats.org/drawingml/2006/main" xmlns:r="http://schemas.openxmlformats.org/officeDocument/2006/relationships" xmlns:p="http://schemas.openxmlformats.org/presentationml/2006/main">
+  <p:cSld>
+    <p:spTree>
+      <p:nvGrpSpPr>
+        <p:cNvPr id="1" name=""/>
+        <p:cNvGrpSpPr/>
+        <p:nvPr/>
+      </p:nvGrpSpPr>
+      <p:grpSpPr>
+        <a:xfrm>
+          <a:off x="0" y="0"/>
+          <a:ext cx="0" cy="0"/>
+          <a:chOff x="0" y="0"/>
+          <a:chExt cx="0" cy="0"/>
+        </a:xfrm>
+      </p:grpSpPr>
+      <p:sp>
+        <p:nvSpPr>
+          <p:cNvPr id="2" name="Slide Image Placeholder 1"/>
+          <p:cNvSpPr>
+            <a:spLocks noGrp="1" noRot="1" noChangeAspect="1"/>
+          </p:cNvSpPr>
+          <p:nvPr>
+            <p:ph type="sldImg"/>
+          </p:nvPr>
+        </p:nvSpPr>
+        <p:spPr/>
+      </p:sp>
+      <p:sp>
+        <p:nvSpPr>
+          <p:cNvPr id="3" name="Notes Placeholder 2"/>
+          <p:cNvSpPr>
+            <a:spLocks noGrp="1"/>
+          </p:cNvSpPr>
+          <p:nvPr>
+            <p:ph type="body" idx="1"/>
+          </p:nvPr>
+        </p:nvSpPr>
+        <p:spPr/>
+        <p:txBody>
+          <a:bodyPr/>
+          <a:lstStyle/>
+          <a:p>
+            <a:r>
+              <a:rPr lang="en-US" dirty="0"/>
+              <a:t>Ryan</a:t>
+            </a:r>
+          </a:p>
+        </p:txBody>
+      </p:sp>
+      <p:sp>
+        <p:nvSpPr>
+          <p:cNvPr id="4" name="Slide Number Placeholder 3"/>
+          <p:cNvSpPr>
+            <a:spLocks noGrp="1"/>
+          </p:cNvSpPr>
+          <p:nvPr>
+            <p:ph type="sldNum" sz="quarter" idx="5"/>
+          </p:nvPr>
+        </p:nvSpPr>
+        <p:spPr/>
+        <p:txBody>
+          <a:bodyPr/>
+          <a:lstStyle/>
+          <a:p>
+            <a:fld id="{7D5886F4-4666-4B3D-9448-64E644E4CF29}" type="slidenum">
+              <a:rPr lang="en-US" smtClean="0"/>
+              <a:t>23</a:t>
+            </a:fld>
+            <a:endParaRPr lang="en-US"/>
+          </a:p>
+        </p:txBody>
+      </p:sp>
+    </p:spTree>
+    <p:extLst>
+      <p:ext uri="{BB962C8B-B14F-4D97-AF65-F5344CB8AC3E}">
+        <p14:creationId xmlns:p14="http://schemas.microsoft.com/office/powerpoint/2010/main" val="1808614006"/>
+      </p:ext>
+    </p:extLst>
+  </p:cSld>
+  <p:clrMapOvr>
+    <a:masterClrMapping/>
+  </p:clrMapOvr>
+</p:notes>
+</file>
+
+<file path=ppt/notesSlides/notesSlide24.xml><?xml version="1.0" encoding="utf-8"?>
+<p:notes xmlns:a="http://schemas.openxmlformats.org/drawingml/2006/main" xmlns:r="http://schemas.openxmlformats.org/officeDocument/2006/relationships" xmlns:p="http://schemas.openxmlformats.org/presentationml/2006/main">
+  <p:cSld>
+    <p:spTree>
+      <p:nvGrpSpPr>
+        <p:cNvPr id="1" name=""/>
+        <p:cNvGrpSpPr/>
+        <p:nvPr/>
+      </p:nvGrpSpPr>
+      <p:grpSpPr>
+        <a:xfrm>
+          <a:off x="0" y="0"/>
+          <a:ext cx="0" cy="0"/>
+          <a:chOff x="0" y="0"/>
+          <a:chExt cx="0" cy="0"/>
+        </a:xfrm>
+      </p:grpSpPr>
+      <p:sp>
+        <p:nvSpPr>
+          <p:cNvPr id="2" name="Slide Image Placeholder 1"/>
+          <p:cNvSpPr>
+            <a:spLocks noGrp="1" noRot="1" noChangeAspect="1"/>
+          </p:cNvSpPr>
+          <p:nvPr>
+            <p:ph type="sldImg"/>
+          </p:nvPr>
+        </p:nvSpPr>
+        <p:spPr/>
+      </p:sp>
+      <p:sp>
+        <p:nvSpPr>
+          <p:cNvPr id="3" name="Notes Placeholder 2"/>
+          <p:cNvSpPr>
+            <a:spLocks noGrp="1"/>
+          </p:cNvSpPr>
+          <p:nvPr>
+            <p:ph type="body" idx="1"/>
+          </p:nvPr>
+        </p:nvSpPr>
+        <p:spPr/>
+        <p:txBody>
+          <a:bodyPr/>
+          <a:lstStyle/>
+          <a:p>
+            <a:r>
+              <a:rPr lang="en-US" dirty="0"/>
+              <a:t>Ryan</a:t>
+            </a:r>
+          </a:p>
+        </p:txBody>
+      </p:sp>
+      <p:sp>
+        <p:nvSpPr>
+          <p:cNvPr id="4" name="Slide Number Placeholder 3"/>
+          <p:cNvSpPr>
+            <a:spLocks noGrp="1"/>
+          </p:cNvSpPr>
+          <p:nvPr>
+            <p:ph type="sldNum" sz="quarter" idx="5"/>
+          </p:nvPr>
+        </p:nvSpPr>
+        <p:spPr/>
+        <p:txBody>
+          <a:bodyPr/>
+          <a:lstStyle/>
+          <a:p>
+            <a:fld id="{7D5886F4-4666-4B3D-9448-64E644E4CF29}" type="slidenum">
+              <a:rPr lang="en-US" smtClean="0"/>
+              <a:t>24</a:t>
+            </a:fld>
+            <a:endParaRPr lang="en-US"/>
+          </a:p>
+        </p:txBody>
+      </p:sp>
+    </p:spTree>
+    <p:extLst>
+      <p:ext uri="{BB962C8B-B14F-4D97-AF65-F5344CB8AC3E}">
+        <p14:creationId xmlns:p14="http://schemas.microsoft.com/office/powerpoint/2010/main" val="939894275"/>
+      </p:ext>
+    </p:extLst>
+  </p:cSld>
+  <p:clrMapOvr>
+    <a:masterClrMapping/>
+  </p:clrMapOvr>
+</p:notes>
+</file>
+
+<file path=ppt/notesSlides/notesSlide25.xml><?xml version="1.0" encoding="utf-8"?>
+<p:notes xmlns:a="http://schemas.openxmlformats.org/drawingml/2006/main" xmlns:r="http://schemas.openxmlformats.org/officeDocument/2006/relationships" xmlns:p="http://schemas.openxmlformats.org/presentationml/2006/main">
+  <p:cSld>
+    <p:spTree>
+      <p:nvGrpSpPr>
+        <p:cNvPr id="1" name=""/>
+        <p:cNvGrpSpPr/>
+        <p:nvPr/>
+      </p:nvGrpSpPr>
+      <p:grpSpPr>
+        <a:xfrm>
+          <a:off x="0" y="0"/>
+          <a:ext cx="0" cy="0"/>
+          <a:chOff x="0" y="0"/>
+          <a:chExt cx="0" cy="0"/>
+        </a:xfrm>
+      </p:grpSpPr>
+      <p:sp>
+        <p:nvSpPr>
+          <p:cNvPr id="2" name="Slide Image Placeholder 1"/>
+          <p:cNvSpPr>
+            <a:spLocks noGrp="1" noRot="1" noChangeAspect="1"/>
+          </p:cNvSpPr>
+          <p:nvPr>
+            <p:ph type="sldImg"/>
+          </p:nvPr>
+        </p:nvSpPr>
+        <p:spPr/>
+      </p:sp>
+      <p:sp>
+        <p:nvSpPr>
+          <p:cNvPr id="3" name="Notes Placeholder 2"/>
+          <p:cNvSpPr>
+            <a:spLocks noGrp="1"/>
+          </p:cNvSpPr>
+          <p:nvPr>
+            <p:ph type="body" idx="1"/>
+          </p:nvPr>
+        </p:nvSpPr>
+        <p:spPr/>
+        <p:txBody>
+          <a:bodyPr/>
+          <a:lstStyle/>
+          <a:p>
+            <a:r>
+              <a:rPr lang="en-US" dirty="0"/>
+              <a:t>Jo Ann</a:t>
+            </a:r>
+          </a:p>
+        </p:txBody>
+      </p:sp>
+      <p:sp>
+        <p:nvSpPr>
+          <p:cNvPr id="4" name="Slide Number Placeholder 3"/>
+          <p:cNvSpPr>
+            <a:spLocks noGrp="1"/>
+          </p:cNvSpPr>
+          <p:nvPr>
+            <p:ph type="sldNum" sz="quarter" idx="5"/>
+          </p:nvPr>
+        </p:nvSpPr>
+        <p:spPr/>
+        <p:txBody>
+          <a:bodyPr/>
+          <a:lstStyle/>
+          <a:p>
+            <a:fld id="{7D5886F4-4666-4B3D-9448-64E644E4CF29}" type="slidenum">
+              <a:rPr lang="en-US" smtClean="0"/>
+              <a:t>25</a:t>
+            </a:fld>
+            <a:endParaRPr lang="en-US"/>
+          </a:p>
+        </p:txBody>
+      </p:sp>
+    </p:spTree>
+    <p:extLst>
+      <p:ext uri="{BB962C8B-B14F-4D97-AF65-F5344CB8AC3E}">
+        <p14:creationId xmlns:p14="http://schemas.microsoft.com/office/powerpoint/2010/main" val="497327882"/>
+      </p:ext>
+    </p:extLst>
+  </p:cSld>
+  <p:clrMapOvr>
+    <a:masterClrMapping/>
+  </p:clrMapOvr>
+</p:notes>
+</file>
+
+<file path=ppt/notesSlides/notesSlide3.xml><?xml version="1.0" encoding="utf-8"?>
+<p:notes xmlns:a="http://schemas.openxmlformats.org/drawingml/2006/main" xmlns:r="http://schemas.openxmlformats.org/officeDocument/2006/relationships" xmlns:p="http://schemas.openxmlformats.org/presentationml/2006/main">
+  <p:cSld>
+    <p:spTree>
+      <p:nvGrpSpPr>
+        <p:cNvPr id="1" name=""/>
+        <p:cNvGrpSpPr/>
+        <p:nvPr/>
+      </p:nvGrpSpPr>
+      <p:grpSpPr>
+        <a:xfrm>
+          <a:off x="0" y="0"/>
+          <a:ext cx="0" cy="0"/>
+          <a:chOff x="0" y="0"/>
+          <a:chExt cx="0" cy="0"/>
+        </a:xfrm>
+      </p:grpSpPr>
+      <p:sp>
+        <p:nvSpPr>
+          <p:cNvPr id="2" name="Slide Image Placeholder 1"/>
+          <p:cNvSpPr>
+            <a:spLocks noGrp="1" noRot="1" noChangeAspect="1"/>
+          </p:cNvSpPr>
+          <p:nvPr>
+            <p:ph type="sldImg"/>
+          </p:nvPr>
+        </p:nvSpPr>
+        <p:spPr/>
+      </p:sp>
+      <p:sp>
+        <p:nvSpPr>
+          <p:cNvPr id="3" name="Notes Placeholder 2"/>
+          <p:cNvSpPr>
+            <a:spLocks noGrp="1"/>
+          </p:cNvSpPr>
+          <p:nvPr>
+            <p:ph type="body" idx="1"/>
+          </p:nvPr>
+        </p:nvSpPr>
+        <p:spPr/>
+        <p:txBody>
+          <a:bodyPr/>
+          <a:lstStyle/>
+          <a:p>
+            <a:r>
+              <a:rPr lang="en-US" dirty="0"/>
+              <a:t>Kevin</a:t>
+            </a:r>
+          </a:p>
+        </p:txBody>
+      </p:sp>
+      <p:sp>
+        <p:nvSpPr>
+          <p:cNvPr id="4" name="Slide Number Placeholder 3"/>
+          <p:cNvSpPr>
+            <a:spLocks noGrp="1"/>
+          </p:cNvSpPr>
+          <p:nvPr>
+            <p:ph type="sldNum" sz="quarter" idx="5"/>
+          </p:nvPr>
+        </p:nvSpPr>
+        <p:spPr/>
+        <p:txBody>
+          <a:bodyPr/>
+          <a:lstStyle/>
+          <a:p>
+            <a:fld id="{7D5886F4-4666-4B3D-9448-64E644E4CF29}" type="slidenum">
+              <a:rPr lang="en-US" smtClean="0"/>
+              <a:t>3</a:t>
+            </a:fld>
+            <a:endParaRPr lang="en-US"/>
+          </a:p>
+        </p:txBody>
+      </p:sp>
+    </p:spTree>
+    <p:extLst>
+      <p:ext uri="{BB962C8B-B14F-4D97-AF65-F5344CB8AC3E}">
+        <p14:creationId xmlns:p14="http://schemas.microsoft.com/office/powerpoint/2010/main" val="1533255397"/>
+      </p:ext>
+    </p:extLst>
+  </p:cSld>
+  <p:clrMapOvr>
+    <a:masterClrMapping/>
+  </p:clrMapOvr>
+</p:notes>
+</file>
+
+<file path=ppt/notesSlides/notesSlide4.xml><?xml version="1.0" encoding="utf-8"?>
+<p:notes xmlns:a="http://schemas.openxmlformats.org/drawingml/2006/main" xmlns:r="http://schemas.openxmlformats.org/officeDocument/2006/relationships" xmlns:p="http://schemas.openxmlformats.org/presentationml/2006/main">
+  <p:cSld>
+    <p:spTree>
+      <p:nvGrpSpPr>
+        <p:cNvPr id="1" name=""/>
+        <p:cNvGrpSpPr/>
+        <p:nvPr/>
+      </p:nvGrpSpPr>
+      <p:grpSpPr>
+        <a:xfrm>
+          <a:off x="0" y="0"/>
+          <a:ext cx="0" cy="0"/>
+          <a:chOff x="0" y="0"/>
+          <a:chExt cx="0" cy="0"/>
+        </a:xfrm>
+      </p:grpSpPr>
+      <p:sp>
+        <p:nvSpPr>
+          <p:cNvPr id="2" name="Slide Image Placeholder 1"/>
+          <p:cNvSpPr>
+            <a:spLocks noGrp="1" noRot="1" noChangeAspect="1"/>
+          </p:cNvSpPr>
+          <p:nvPr>
+            <p:ph type="sldImg"/>
+          </p:nvPr>
+        </p:nvSpPr>
+        <p:spPr/>
+      </p:sp>
+      <p:sp>
+        <p:nvSpPr>
+          <p:cNvPr id="3" name="Notes Placeholder 2"/>
+          <p:cNvSpPr>
+            <a:spLocks noGrp="1"/>
+          </p:cNvSpPr>
+          <p:nvPr>
+            <p:ph type="body" idx="1"/>
+          </p:nvPr>
+        </p:nvSpPr>
+        <p:spPr/>
+        <p:txBody>
+          <a:bodyPr/>
+          <a:lstStyle/>
+          <a:p>
+            <a:r>
+              <a:rPr lang="en-US" dirty="0"/>
+              <a:t>Kevin</a:t>
+            </a:r>
+          </a:p>
+        </p:txBody>
+      </p:sp>
+      <p:sp>
+        <p:nvSpPr>
+          <p:cNvPr id="4" name="Slide Number Placeholder 3"/>
+          <p:cNvSpPr>
+            <a:spLocks noGrp="1"/>
+          </p:cNvSpPr>
+          <p:nvPr>
+            <p:ph type="sldNum" sz="quarter" idx="5"/>
+          </p:nvPr>
+        </p:nvSpPr>
+        <p:spPr/>
+        <p:txBody>
+          <a:bodyPr/>
+          <a:lstStyle/>
+          <a:p>
+            <a:fld id="{7D5886F4-4666-4B3D-9448-64E644E4CF29}" type="slidenum">
+              <a:rPr lang="en-US" smtClean="0"/>
+              <a:t>4</a:t>
+            </a:fld>
+            <a:endParaRPr lang="en-US"/>
+          </a:p>
+        </p:txBody>
+      </p:sp>
+    </p:spTree>
+    <p:extLst>
+      <p:ext uri="{BB962C8B-B14F-4D97-AF65-F5344CB8AC3E}">
+        <p14:creationId xmlns:p14="http://schemas.microsoft.com/office/powerpoint/2010/main" val="2496563502"/>
+      </p:ext>
+    </p:extLst>
+  </p:cSld>
+  <p:clrMapOvr>
+    <a:masterClrMapping/>
+  </p:clrMapOvr>
+</p:notes>
+</file>
+
+<file path=ppt/notesSlides/notesSlide5.xml><?xml version="1.0" encoding="utf-8"?>
+<p:notes xmlns:a="http://schemas.openxmlformats.org/drawingml/2006/main" xmlns:r="http://schemas.openxmlformats.org/officeDocument/2006/relationships" xmlns:p="http://schemas.openxmlformats.org/presentationml/2006/main">
+  <p:cSld>
+    <p:spTree>
+      <p:nvGrpSpPr>
+        <p:cNvPr id="1" name=""/>
+        <p:cNvGrpSpPr/>
+        <p:nvPr/>
+      </p:nvGrpSpPr>
+      <p:grpSpPr>
+        <a:xfrm>
+          <a:off x="0" y="0"/>
+          <a:ext cx="0" cy="0"/>
+          <a:chOff x="0" y="0"/>
+          <a:chExt cx="0" cy="0"/>
+        </a:xfrm>
+      </p:grpSpPr>
+      <p:sp>
+        <p:nvSpPr>
+          <p:cNvPr id="2" name="Slide Image Placeholder 1"/>
+          <p:cNvSpPr>
+            <a:spLocks noGrp="1" noRot="1" noChangeAspect="1"/>
+          </p:cNvSpPr>
+          <p:nvPr>
+            <p:ph type="sldImg"/>
+          </p:nvPr>
+        </p:nvSpPr>
+        <p:spPr/>
+      </p:sp>
+      <p:sp>
+        <p:nvSpPr>
+          <p:cNvPr id="3" name="Notes Placeholder 2"/>
+          <p:cNvSpPr>
+            <a:spLocks noGrp="1"/>
+          </p:cNvSpPr>
+          <p:nvPr>
+            <p:ph type="body" idx="1"/>
+          </p:nvPr>
+        </p:nvSpPr>
+        <p:spPr/>
+        <p:txBody>
+          <a:bodyPr/>
+          <a:lstStyle/>
+          <a:p>
+            <a:r>
+              <a:rPr lang="en-US" dirty="0"/>
+              <a:t>Kevin</a:t>
+            </a:r>
+          </a:p>
+          <a:p>
+            <a:r>
+              <a:rPr lang="en-US" dirty="0"/>
+              <a:t>-Where from</a:t>
+            </a:r>
+          </a:p>
+          <a:p>
+            <a:endParaRPr lang="en-US" dirty="0"/>
+          </a:p>
+          <a:p>
+            <a:r>
+              <a:rPr lang="en-US" dirty="0"/>
+              <a:t>Ryan</a:t>
+            </a:r>
+          </a:p>
+          <a:p>
+            <a:r>
+              <a:rPr lang="en-US" dirty="0"/>
+              <a:t>-define BLS, PPI, CPI</a:t>
+            </a:r>
+          </a:p>
+        </p:txBody>
+      </p:sp>
+      <p:sp>
+        <p:nvSpPr>
+          <p:cNvPr id="4" name="Slide Number Placeholder 3"/>
+          <p:cNvSpPr>
+            <a:spLocks noGrp="1"/>
+          </p:cNvSpPr>
+          <p:nvPr>
+            <p:ph type="sldNum" sz="quarter" idx="5"/>
+          </p:nvPr>
+        </p:nvSpPr>
+        <p:spPr/>
+        <p:txBody>
+          <a:bodyPr/>
+          <a:lstStyle/>
+          <a:p>
+            <a:fld id="{7D5886F4-4666-4B3D-9448-64E644E4CF29}" type="slidenum">
+              <a:rPr lang="en-US" smtClean="0"/>
+              <a:t>5</a:t>
+            </a:fld>
+            <a:endParaRPr lang="en-US"/>
+          </a:p>
+        </p:txBody>
+      </p:sp>
+    </p:spTree>
+    <p:extLst>
+      <p:ext uri="{BB962C8B-B14F-4D97-AF65-F5344CB8AC3E}">
+        <p14:creationId xmlns:p14="http://schemas.microsoft.com/office/powerpoint/2010/main" val="3210638833"/>
+      </p:ext>
+    </p:extLst>
+  </p:cSld>
+  <p:clrMapOvr>
+    <a:masterClrMapping/>
+  </p:clrMapOvr>
+</p:notes>
+</file>
+
+<file path=ppt/notesSlides/notesSlide6.xml><?xml version="1.0" encoding="utf-8"?>
+<p:notes xmlns:a="http://schemas.openxmlformats.org/drawingml/2006/main" xmlns:r="http://schemas.openxmlformats.org/officeDocument/2006/relationships" xmlns:p="http://schemas.openxmlformats.org/presentationml/2006/main">
+  <p:cSld>
+    <p:spTree>
+      <p:nvGrpSpPr>
+        <p:cNvPr id="1" name=""/>
+        <p:cNvGrpSpPr/>
+        <p:nvPr/>
+      </p:nvGrpSpPr>
+      <p:grpSpPr>
+        <a:xfrm>
+          <a:off x="0" y="0"/>
+          <a:ext cx="0" cy="0"/>
+          <a:chOff x="0" y="0"/>
+          <a:chExt cx="0" cy="0"/>
+        </a:xfrm>
+      </p:grpSpPr>
+      <p:sp>
+        <p:nvSpPr>
+          <p:cNvPr id="2" name="Slide Image Placeholder 1"/>
+          <p:cNvSpPr>
+            <a:spLocks noGrp="1" noRot="1" noChangeAspect="1"/>
+          </p:cNvSpPr>
+          <p:nvPr>
+            <p:ph type="sldImg"/>
+          </p:nvPr>
+        </p:nvSpPr>
+        <p:spPr/>
+      </p:sp>
+      <p:sp>
+        <p:nvSpPr>
+          <p:cNvPr id="3" name="Notes Placeholder 2"/>
+          <p:cNvSpPr>
+            <a:spLocks noGrp="1"/>
+          </p:cNvSpPr>
+          <p:nvPr>
+            <p:ph type="body" idx="1"/>
+          </p:nvPr>
+        </p:nvSpPr>
+        <p:spPr/>
+        <p:txBody>
+          <a:bodyPr/>
+          <a:lstStyle/>
+          <a:p>
+            <a:r>
+              <a:rPr lang="en-US" dirty="0"/>
+              <a:t>Ryan </a:t>
+            </a:r>
+          </a:p>
+          <a:p>
+            <a:r>
+              <a:rPr lang="en-US" dirty="0"/>
+              <a:t>Data includes series ID, price, 3-Month % Change, Date</a:t>
+            </a:r>
+          </a:p>
+          <a:p>
+            <a:r>
+              <a:rPr lang="en-US" dirty="0"/>
+              <a:t>Data is normalized </a:t>
+            </a:r>
+          </a:p>
+        </p:txBody>
+      </p:sp>
+      <p:sp>
+        <p:nvSpPr>
+          <p:cNvPr id="4" name="Slide Number Placeholder 3"/>
+          <p:cNvSpPr>
+            <a:spLocks noGrp="1"/>
+          </p:cNvSpPr>
+          <p:nvPr>
+            <p:ph type="sldNum" sz="quarter" idx="5"/>
+          </p:nvPr>
+        </p:nvSpPr>
+        <p:spPr/>
+        <p:txBody>
+          <a:bodyPr/>
+          <a:lstStyle/>
+          <a:p>
+            <a:fld id="{7D5886F4-4666-4B3D-9448-64E644E4CF29}" type="slidenum">
+              <a:rPr lang="en-US" smtClean="0"/>
+              <a:t>6</a:t>
+            </a:fld>
+            <a:endParaRPr lang="en-US"/>
+          </a:p>
+        </p:txBody>
+      </p:sp>
+    </p:spTree>
+    <p:extLst>
+      <p:ext uri="{BB962C8B-B14F-4D97-AF65-F5344CB8AC3E}">
+        <p14:creationId xmlns:p14="http://schemas.microsoft.com/office/powerpoint/2010/main" val="1588158838"/>
+      </p:ext>
+    </p:extLst>
+  </p:cSld>
+  <p:clrMapOvr>
+    <a:masterClrMapping/>
+  </p:clrMapOvr>
+</p:notes>
+</file>
+
+<file path=ppt/notesSlides/notesSlide7.xml><?xml version="1.0" encoding="utf-8"?>
+<p:notes xmlns:a="http://schemas.openxmlformats.org/drawingml/2006/main" xmlns:r="http://schemas.openxmlformats.org/officeDocument/2006/relationships" xmlns:p="http://schemas.openxmlformats.org/presentationml/2006/main">
+  <p:cSld>
+    <p:spTree>
+      <p:nvGrpSpPr>
+        <p:cNvPr id="1" name=""/>
+        <p:cNvGrpSpPr/>
+        <p:nvPr/>
+      </p:nvGrpSpPr>
+      <p:grpSpPr>
+        <a:xfrm>
+          <a:off x="0" y="0"/>
+          <a:ext cx="0" cy="0"/>
+          <a:chOff x="0" y="0"/>
+          <a:chExt cx="0" cy="0"/>
+        </a:xfrm>
+      </p:grpSpPr>
+      <p:sp>
+        <p:nvSpPr>
+          <p:cNvPr id="2" name="Slide Image Placeholder 1"/>
+          <p:cNvSpPr>
+            <a:spLocks noGrp="1" noRot="1" noChangeAspect="1"/>
+          </p:cNvSpPr>
+          <p:nvPr>
+            <p:ph type="sldImg"/>
+          </p:nvPr>
+        </p:nvSpPr>
+        <p:spPr/>
+      </p:sp>
+      <p:sp>
+        <p:nvSpPr>
+          <p:cNvPr id="3" name="Notes Placeholder 2"/>
+          <p:cNvSpPr>
+            <a:spLocks noGrp="1"/>
+          </p:cNvSpPr>
+          <p:nvPr>
+            <p:ph type="body" idx="1"/>
+          </p:nvPr>
+        </p:nvSpPr>
+        <p:spPr/>
+        <p:txBody>
+          <a:bodyPr/>
+          <a:lstStyle/>
+          <a:p>
+            <a:r>
+              <a:rPr lang="en-US" dirty="0"/>
+              <a:t>Ryan</a:t>
+            </a:r>
+          </a:p>
+        </p:txBody>
+      </p:sp>
+      <p:sp>
+        <p:nvSpPr>
+          <p:cNvPr id="4" name="Slide Number Placeholder 3"/>
+          <p:cNvSpPr>
+            <a:spLocks noGrp="1"/>
+          </p:cNvSpPr>
+          <p:nvPr>
+            <p:ph type="sldNum" sz="quarter" idx="5"/>
+          </p:nvPr>
+        </p:nvSpPr>
+        <p:spPr/>
+        <p:txBody>
+          <a:bodyPr/>
+          <a:lstStyle/>
+          <a:p>
+            <a:fld id="{7D5886F4-4666-4B3D-9448-64E644E4CF29}" type="slidenum">
+              <a:rPr lang="en-US" smtClean="0"/>
+              <a:t>7</a:t>
+            </a:fld>
+            <a:endParaRPr lang="en-US"/>
+          </a:p>
+        </p:txBody>
+      </p:sp>
+    </p:spTree>
+    <p:extLst>
+      <p:ext uri="{BB962C8B-B14F-4D97-AF65-F5344CB8AC3E}">
+        <p14:creationId xmlns:p14="http://schemas.microsoft.com/office/powerpoint/2010/main" val="2787717372"/>
+      </p:ext>
+    </p:extLst>
+  </p:cSld>
+  <p:clrMapOvr>
+    <a:masterClrMapping/>
+  </p:clrMapOvr>
+</p:notes>
+</file>
+
+<file path=ppt/notesSlides/notesSlide8.xml><?xml version="1.0" encoding="utf-8"?>
+<p:notes xmlns:a="http://schemas.openxmlformats.org/drawingml/2006/main" xmlns:r="http://schemas.openxmlformats.org/officeDocument/2006/relationships" xmlns:p="http://schemas.openxmlformats.org/presentationml/2006/main">
+  <p:cSld>
+    <p:spTree>
+      <p:nvGrpSpPr>
+        <p:cNvPr id="1" name=""/>
+        <p:cNvGrpSpPr/>
+        <p:nvPr/>
+      </p:nvGrpSpPr>
+      <p:grpSpPr>
+        <a:xfrm>
+          <a:off x="0" y="0"/>
+          <a:ext cx="0" cy="0"/>
+          <a:chOff x="0" y="0"/>
+          <a:chExt cx="0" cy="0"/>
+        </a:xfrm>
+      </p:grpSpPr>
+      <p:sp>
+        <p:nvSpPr>
+          <p:cNvPr id="2" name="Slide Image Placeholder 1"/>
+          <p:cNvSpPr>
+            <a:spLocks noGrp="1" noRot="1" noChangeAspect="1"/>
+          </p:cNvSpPr>
+          <p:nvPr>
+            <p:ph type="sldImg"/>
+          </p:nvPr>
+        </p:nvSpPr>
+        <p:spPr/>
+      </p:sp>
+      <p:sp>
+        <p:nvSpPr>
+          <p:cNvPr id="3" name="Notes Placeholder 2"/>
+          <p:cNvSpPr>
+            <a:spLocks noGrp="1"/>
+          </p:cNvSpPr>
+          <p:nvPr>
+            <p:ph type="body" idx="1"/>
+          </p:nvPr>
+        </p:nvSpPr>
+        <p:spPr/>
+        <p:txBody>
+          <a:bodyPr/>
+          <a:lstStyle/>
+          <a:p>
+            <a:r>
+              <a:rPr lang="en-US" dirty="0"/>
+              <a:t>Ryan</a:t>
+            </a:r>
+          </a:p>
+        </p:txBody>
+      </p:sp>
+      <p:sp>
+        <p:nvSpPr>
+          <p:cNvPr id="4" name="Slide Number Placeholder 3"/>
+          <p:cNvSpPr>
+            <a:spLocks noGrp="1"/>
+          </p:cNvSpPr>
+          <p:nvPr>
+            <p:ph type="sldNum" sz="quarter" idx="5"/>
+          </p:nvPr>
+        </p:nvSpPr>
+        <p:spPr/>
+        <p:txBody>
+          <a:bodyPr/>
+          <a:lstStyle/>
+          <a:p>
+            <a:fld id="{7D5886F4-4666-4B3D-9448-64E644E4CF29}" type="slidenum">
+              <a:rPr lang="en-US" smtClean="0"/>
+              <a:t>8</a:t>
+            </a:fld>
+            <a:endParaRPr lang="en-US"/>
+          </a:p>
+        </p:txBody>
+      </p:sp>
+    </p:spTree>
+    <p:extLst>
+      <p:ext uri="{BB962C8B-B14F-4D97-AF65-F5344CB8AC3E}">
+        <p14:creationId xmlns:p14="http://schemas.microsoft.com/office/powerpoint/2010/main" val="2747897897"/>
+      </p:ext>
+    </p:extLst>
+  </p:cSld>
+  <p:clrMapOvr>
+    <a:masterClrMapping/>
+  </p:clrMapOvr>
+</p:notes>
+</file>
+
+<file path=ppt/notesSlides/notesSlide9.xml><?xml version="1.0" encoding="utf-8"?>
+<p:notes xmlns:a="http://schemas.openxmlformats.org/drawingml/2006/main" xmlns:r="http://schemas.openxmlformats.org/officeDocument/2006/relationships" xmlns:p="http://schemas.openxmlformats.org/presentationml/2006/main">
+  <p:cSld>
+    <p:spTree>
+      <p:nvGrpSpPr>
+        <p:cNvPr id="1" name=""/>
+        <p:cNvGrpSpPr/>
+        <p:nvPr/>
+      </p:nvGrpSpPr>
+      <p:grpSpPr>
+        <a:xfrm>
+          <a:off x="0" y="0"/>
+          <a:ext cx="0" cy="0"/>
+          <a:chOff x="0" y="0"/>
+          <a:chExt cx="0" cy="0"/>
+        </a:xfrm>
+      </p:grpSpPr>
+      <p:sp>
+        <p:nvSpPr>
+          <p:cNvPr id="2" name="Slide Image Placeholder 1"/>
+          <p:cNvSpPr>
+            <a:spLocks noGrp="1" noRot="1" noChangeAspect="1"/>
+          </p:cNvSpPr>
+          <p:nvPr>
+            <p:ph type="sldImg"/>
+          </p:nvPr>
+        </p:nvSpPr>
+        <p:spPr/>
+      </p:sp>
+      <p:sp>
+        <p:nvSpPr>
+          <p:cNvPr id="3" name="Notes Placeholder 2"/>
+          <p:cNvSpPr>
+            <a:spLocks noGrp="1"/>
+          </p:cNvSpPr>
+          <p:nvPr>
+            <p:ph type="body" idx="1"/>
+          </p:nvPr>
+        </p:nvSpPr>
+        <p:spPr/>
+        <p:txBody>
+          <a:bodyPr/>
+          <a:lstStyle/>
+          <a:p>
+            <a:r>
+              <a:rPr lang="en-US" dirty="0">
+                <a:solidFill>
+                  <a:schemeClr val="accent2">
+                    <a:lumMod val="60000"/>
+                    <a:lumOff val="40000"/>
+                  </a:schemeClr>
+                </a:solidFill>
+                <a:latin typeface="Slack-Lato"/>
+              </a:rPr>
+              <a:t>Jo Ann</a:t>
+            </a:r>
+          </a:p>
+          <a:p>
+            <a:endParaRPr lang="en-US" dirty="0">
+              <a:solidFill>
+                <a:schemeClr val="accent2">
+                  <a:lumMod val="60000"/>
+                  <a:lumOff val="40000"/>
+                </a:schemeClr>
+              </a:solidFill>
+              <a:latin typeface="Slack-Lato"/>
+            </a:endParaRPr>
+          </a:p>
+          <a:p>
+            <a:r>
+              <a:rPr lang="en-US" dirty="0">
+                <a:solidFill>
+                  <a:schemeClr val="accent2">
+                    <a:lumMod val="60000"/>
+                    <a:lumOff val="40000"/>
+                  </a:schemeClr>
+                </a:solidFill>
+                <a:latin typeface="Slack-Lato"/>
+              </a:rPr>
+              <a:t>* </a:t>
+            </a:r>
+            <a:r>
+              <a:rPr lang="en-US" b="0" i="0" dirty="0">
+                <a:solidFill>
+                  <a:schemeClr val="accent2">
+                    <a:lumMod val="60000"/>
+                    <a:lumOff val="40000"/>
+                  </a:schemeClr>
+                </a:solidFill>
+                <a:effectLst/>
+                <a:latin typeface="Slack-Lato"/>
+              </a:rPr>
+              <a:t>Which world events are heavily visible in a variety of commodity prices?</a:t>
+            </a:r>
+            <a:br>
+              <a:rPr lang="en-US" b="0" i="0" dirty="0">
+                <a:solidFill>
+                  <a:schemeClr val="accent2">
+                    <a:lumMod val="60000"/>
+                    <a:lumOff val="40000"/>
+                  </a:schemeClr>
+                </a:solidFill>
+                <a:effectLst/>
+                <a:latin typeface="Slack-Lato"/>
+              </a:rPr>
+            </a:br>
+            <a:br>
+              <a:rPr lang="en-US" b="0" i="0" dirty="0">
+                <a:solidFill>
+                  <a:schemeClr val="accent2">
+                    <a:lumMod val="60000"/>
+                    <a:lumOff val="40000"/>
+                  </a:schemeClr>
+                </a:solidFill>
+                <a:effectLst/>
+                <a:latin typeface="Slack-Lato"/>
+              </a:rPr>
+            </a:br>
+            <a:r>
+              <a:rPr lang="en-US" b="0" i="0" dirty="0">
+                <a:solidFill>
+                  <a:schemeClr val="accent2">
+                    <a:lumMod val="60000"/>
+                    <a:lumOff val="40000"/>
+                  </a:schemeClr>
+                </a:solidFill>
+                <a:effectLst/>
+                <a:latin typeface="Slack-Lato"/>
+              </a:rPr>
+              <a:t>* Do prices decrease to normal after world events?</a:t>
+            </a:r>
+            <a:br>
+              <a:rPr lang="en-US" b="0" i="0" dirty="0">
+                <a:solidFill>
+                  <a:schemeClr val="accent2">
+                    <a:lumMod val="60000"/>
+                    <a:lumOff val="40000"/>
+                  </a:schemeClr>
+                </a:solidFill>
+                <a:effectLst/>
+                <a:latin typeface="Slack-Lato"/>
+              </a:rPr>
+            </a:br>
+            <a:br>
+              <a:rPr lang="en-US" b="0" i="0" dirty="0">
+                <a:solidFill>
+                  <a:schemeClr val="accent2">
+                    <a:lumMod val="60000"/>
+                    <a:lumOff val="40000"/>
+                  </a:schemeClr>
+                </a:solidFill>
+                <a:effectLst/>
+                <a:latin typeface="Slack-Lato"/>
+              </a:rPr>
+            </a:br>
+            <a:r>
+              <a:rPr lang="en-US" b="0" i="0" dirty="0">
+                <a:solidFill>
+                  <a:schemeClr val="accent2">
+                    <a:lumMod val="60000"/>
+                    <a:lumOff val="40000"/>
+                  </a:schemeClr>
+                </a:solidFill>
+                <a:effectLst/>
+                <a:latin typeface="Slack-Lato"/>
+              </a:rPr>
+              <a:t>* Are there any items that appear to have been affected uniquely by one major event?</a:t>
+            </a:r>
+            <a:br>
+              <a:rPr lang="en-US" b="0" i="0" dirty="0">
+                <a:solidFill>
+                  <a:schemeClr val="accent2">
+                    <a:lumMod val="60000"/>
+                    <a:lumOff val="40000"/>
+                  </a:schemeClr>
+                </a:solidFill>
+                <a:effectLst/>
+                <a:latin typeface="Slack-Lato"/>
+              </a:rPr>
+            </a:br>
+            <a:br>
+              <a:rPr lang="en-US" b="0" i="0" dirty="0">
+                <a:solidFill>
+                  <a:schemeClr val="accent2">
+                    <a:lumMod val="60000"/>
+                    <a:lumOff val="40000"/>
+                  </a:schemeClr>
+                </a:solidFill>
+                <a:effectLst/>
+                <a:latin typeface="Slack-Lato"/>
+              </a:rPr>
+            </a:br>
+            <a:r>
+              <a:rPr lang="en-US" b="0" i="0" dirty="0">
+                <a:solidFill>
+                  <a:schemeClr val="accent2">
+                    <a:lumMod val="60000"/>
+                    <a:lumOff val="40000"/>
+                  </a:schemeClr>
+                </a:solidFill>
+                <a:effectLst/>
+                <a:latin typeface="Slack-Lato"/>
+              </a:rPr>
+              <a:t>* How does each items price increase compare to yearly inflation?</a:t>
+            </a:r>
+            <a:endParaRPr lang="en-US" dirty="0"/>
+          </a:p>
+        </p:txBody>
+      </p:sp>
+      <p:sp>
+        <p:nvSpPr>
+          <p:cNvPr id="4" name="Slide Number Placeholder 3"/>
+          <p:cNvSpPr>
+            <a:spLocks noGrp="1"/>
+          </p:cNvSpPr>
+          <p:nvPr>
+            <p:ph type="sldNum" sz="quarter" idx="5"/>
+          </p:nvPr>
+        </p:nvSpPr>
+        <p:spPr/>
+        <p:txBody>
+          <a:bodyPr/>
+          <a:lstStyle/>
+          <a:p>
+            <a:fld id="{7D5886F4-4666-4B3D-9448-64E644E4CF29}" type="slidenum">
+              <a:rPr lang="en-US" smtClean="0"/>
+              <a:t>9</a:t>
+            </a:fld>
+            <a:endParaRPr lang="en-US"/>
+          </a:p>
+        </p:txBody>
+      </p:sp>
+    </p:spTree>
+    <p:extLst>
+      <p:ext uri="{BB962C8B-B14F-4D97-AF65-F5344CB8AC3E}">
+        <p14:creationId xmlns:p14="http://schemas.microsoft.com/office/powerpoint/2010/main" val="2350576244"/>
+      </p:ext>
+    </p:extLst>
+  </p:cSld>
+  <p:clrMapOvr>
+    <a:masterClrMapping/>
+  </p:clrMapOvr>
+</p:notes>
 </file>
 
 <file path=ppt/slideLayouts/slideLayout1.xml><?xml version="1.0" encoding="utf-8"?>
@@ -5887,7 +10712,7 @@
         <p:spPr>
           <a:xfrm>
             <a:off x="484552" y="1122362"/>
-            <a:ext cx="4910841" cy="4403367"/>
+            <a:ext cx="5769103" cy="4403367"/>
           </a:xfrm>
         </p:spPr>
         <p:txBody>
@@ -5906,7 +10731,7 @@
             </a:br>
             <a:r>
               <a:rPr lang="en-US" dirty="0"/>
-              <a:t> 	 	Team 3</a:t>
+              <a:t> 	 	 Team 3</a:t>
             </a:r>
             <a:br>
               <a:rPr lang="en-US" dirty="0"/>
@@ -5915,48 +10740,10 @@
               <a:rPr lang="en-US" dirty="0"/>
             </a:br>
             <a:r>
-              <a:rPr lang="en-US" dirty="0"/>
-              <a:t>Analysis of selected World Events To Inflation</a:t>
-            </a:r>
-          </a:p>
-        </p:txBody>
-      </p:sp>
-      <p:sp>
-        <p:nvSpPr>
-          <p:cNvPr id="3" name="Subtitle 2">
-            <a:extLst>
-              <a:ext uri="{FF2B5EF4-FFF2-40B4-BE49-F238E27FC236}">
-                <a16:creationId xmlns:a16="http://schemas.microsoft.com/office/drawing/2014/main" id="{69FC4CE9-75CD-EDA6-AD9E-F5CDE7CA6E52}"/>
-              </a:ext>
-            </a:extLst>
-          </p:cNvPr>
-          <p:cNvSpPr>
-            <a:spLocks noGrp="1"/>
-          </p:cNvSpPr>
-          <p:nvPr>
-            <p:ph type="subTitle" idx="1"/>
-          </p:nvPr>
-        </p:nvSpPr>
-        <p:spPr>
-          <a:xfrm>
-            <a:off x="484552" y="3602038"/>
-            <a:ext cx="4910841" cy="1655762"/>
-          </a:xfrm>
-        </p:spPr>
-        <p:txBody>
-          <a:bodyPr>
-            <a:normAutofit/>
-          </a:bodyPr>
-          <a:lstStyle/>
-          <a:p>
-            <a:r>
-              <a:rPr lang="en-US" dirty="0">
-                <a:solidFill>
-                  <a:schemeClr val="bg1"/>
-                </a:solidFill>
-              </a:rPr>
-              <a:t>/Wo</a:t>
-            </a:r>
+              <a:rPr lang="en-US" sz="6000" dirty="0"/>
+              <a:t>Analyzing the Effects of World Events on Prices</a:t>
+            </a:r>
+            <a:endParaRPr lang="en-US" dirty="0"/>
           </a:p>
         </p:txBody>
       </p:sp>
@@ -5975,7 +10762,7 @@
           <p:nvPr/>
         </p:nvPicPr>
         <p:blipFill rotWithShape="1">
-          <a:blip r:embed="rId2"/>
+          <a:blip r:embed="rId3"/>
           <a:srcRect l="21244" r="17076"/>
           <a:stretch/>
         </p:blipFill>
@@ -6021,6 +10808,295 @@
       </p:grpSpPr>
       <p:sp>
         <p:nvSpPr>
+          <p:cNvPr id="3" name="TextBox 2">
+            <a:extLst>
+              <a:ext uri="{FF2B5EF4-FFF2-40B4-BE49-F238E27FC236}">
+                <a16:creationId xmlns:a16="http://schemas.microsoft.com/office/drawing/2014/main" id="{6F5D962B-5DF6-2C2C-30EB-EADE3991DA0F}"/>
+              </a:ext>
+            </a:extLst>
+          </p:cNvPr>
+          <p:cNvSpPr txBox="1"/>
+          <p:nvPr/>
+        </p:nvSpPr>
+        <p:spPr>
+          <a:xfrm>
+            <a:off x="658761" y="193363"/>
+            <a:ext cx="8423787" cy="7294305"/>
+          </a:xfrm>
+          <a:prstGeom prst="rect">
+            <a:avLst/>
+          </a:prstGeom>
+          <a:noFill/>
+        </p:spPr>
+        <p:txBody>
+          <a:bodyPr wrap="square">
+            <a:spAutoFit/>
+          </a:bodyPr>
+          <a:lstStyle/>
+          <a:p>
+            <a:pPr algn="l"/>
+            <a:endParaRPr lang="en-US" b="0" i="0" dirty="0">
+              <a:solidFill>
+                <a:srgbClr val="1D1C1D"/>
+              </a:solidFill>
+              <a:effectLst/>
+              <a:latin typeface="Slack-Lato"/>
+            </a:endParaRPr>
+          </a:p>
+          <a:p>
+            <a:r>
+              <a:rPr lang="en-US" b="1" dirty="0">
+                <a:solidFill>
+                  <a:srgbClr val="1D1C1D"/>
+                </a:solidFill>
+                <a:latin typeface="Slack-Lato"/>
+              </a:rPr>
+              <a:t>Major influences</a:t>
+            </a:r>
+            <a:endParaRPr lang="en-US" b="1" i="0" dirty="0">
+              <a:solidFill>
+                <a:srgbClr val="1D1C1D"/>
+              </a:solidFill>
+              <a:effectLst/>
+              <a:latin typeface="Slack-Lato"/>
+            </a:endParaRPr>
+          </a:p>
+          <a:p>
+            <a:pPr algn="l"/>
+            <a:endParaRPr lang="en-US" b="0" i="0" dirty="0">
+              <a:solidFill>
+                <a:srgbClr val="1D1C1D"/>
+              </a:solidFill>
+              <a:effectLst/>
+              <a:latin typeface="Slack-Lato"/>
+            </a:endParaRPr>
+          </a:p>
+          <a:p>
+            <a:pPr algn="l"/>
+            <a:r>
+              <a:rPr lang="en-US" b="0" i="0" dirty="0">
+                <a:solidFill>
+                  <a:srgbClr val="1D1C1D"/>
+                </a:solidFill>
+                <a:effectLst/>
+                <a:latin typeface="Slack-Lato"/>
+              </a:rPr>
+              <a:t>1. </a:t>
+            </a:r>
+            <a:r>
+              <a:rPr lang="en-US" b="1" i="0" dirty="0">
+                <a:solidFill>
+                  <a:srgbClr val="1D1C1D"/>
+                </a:solidFill>
+                <a:effectLst/>
+                <a:latin typeface="Slack-Lato"/>
+              </a:rPr>
+              <a:t>COVID-19 Pandemic </a:t>
+            </a:r>
+            <a:r>
+              <a:rPr lang="en-US" b="0" i="0" dirty="0">
+                <a:solidFill>
+                  <a:srgbClr val="1D1C1D"/>
+                </a:solidFill>
+                <a:effectLst/>
+                <a:latin typeface="Slack-Lato"/>
+              </a:rPr>
+              <a:t>(2019-present): The coronavirus disease pandemic caused by the novel coronavirus (SARS-CoV-2) has had a significant global impact, resulting in millions of infections and deaths, as well as widespread social and economic disruptions.</a:t>
+            </a:r>
+          </a:p>
+          <a:p>
+            <a:pPr algn="l"/>
+            <a:endParaRPr lang="en-US" dirty="0">
+              <a:solidFill>
+                <a:srgbClr val="1D1C1D"/>
+              </a:solidFill>
+              <a:latin typeface="Slack-Lato"/>
+            </a:endParaRPr>
+          </a:p>
+          <a:p>
+            <a:r>
+              <a:rPr lang="en-US" b="0" i="0" dirty="0">
+                <a:solidFill>
+                  <a:srgbClr val="1D1C1D"/>
+                </a:solidFill>
+                <a:effectLst/>
+                <a:latin typeface="Slack-Lato"/>
+              </a:rPr>
+              <a:t>2. </a:t>
+            </a:r>
+            <a:r>
+              <a:rPr lang="en-US" b="1" i="0" dirty="0">
+                <a:solidFill>
+                  <a:srgbClr val="1D1C1D"/>
+                </a:solidFill>
+                <a:effectLst/>
+                <a:latin typeface="Slack-Lato"/>
+              </a:rPr>
+              <a:t>Oil Price Crash </a:t>
+            </a:r>
+            <a:r>
+              <a:rPr lang="en-US" b="0" i="0" dirty="0">
+                <a:solidFill>
+                  <a:srgbClr val="1D1C1D"/>
+                </a:solidFill>
+                <a:effectLst/>
+                <a:latin typeface="Slack-Lato"/>
+              </a:rPr>
+              <a:t>(2014-2016): In mid-2014, global oil prices began a steep decline. The price drop was attributed to a combination of factors, including a surge in global oil production, particularly from U.S. shale oil, slowing global economic growth, and a decision by OPEC (Organization of the Petroleum Exporting Countries) to maintain production levels rather than cut them. This led to an oversupply of oil in the market. As a result, oil prices fell from over $100 per barrel in mid-2014 to around $30 per barrel in early 2016.</a:t>
+            </a:r>
+          </a:p>
+          <a:p>
+            <a:endParaRPr lang="en-US" b="0" i="0" dirty="0">
+              <a:solidFill>
+                <a:srgbClr val="1D1C1D"/>
+              </a:solidFill>
+              <a:effectLst/>
+              <a:latin typeface="Slack-Lato"/>
+            </a:endParaRPr>
+          </a:p>
+          <a:p>
+            <a:r>
+              <a:rPr lang="en-US" b="1" dirty="0">
+                <a:solidFill>
+                  <a:srgbClr val="1D1C1D"/>
+                </a:solidFill>
+                <a:latin typeface="Slack-Lato"/>
+              </a:rPr>
+              <a:t>Minor influences</a:t>
+            </a:r>
+            <a:endParaRPr lang="en-US" dirty="0">
+              <a:solidFill>
+                <a:srgbClr val="1D1C1D"/>
+              </a:solidFill>
+              <a:latin typeface="Slack-Lato"/>
+            </a:endParaRPr>
+          </a:p>
+          <a:p>
+            <a:endParaRPr lang="en-US" b="0" i="0" dirty="0">
+              <a:solidFill>
+                <a:srgbClr val="1D1C1D"/>
+              </a:solidFill>
+              <a:effectLst/>
+              <a:latin typeface="Slack-Lato"/>
+            </a:endParaRPr>
+          </a:p>
+          <a:p>
+            <a:r>
+              <a:rPr lang="en-US" dirty="0">
+                <a:solidFill>
+                  <a:srgbClr val="1D1C1D"/>
+                </a:solidFill>
+                <a:latin typeface="Slack-Lato"/>
+              </a:rPr>
+              <a:t>3. </a:t>
+            </a:r>
+            <a:r>
+              <a:rPr lang="en-US" b="0" i="0" dirty="0">
+                <a:solidFill>
+                  <a:srgbClr val="1D1C1D"/>
+                </a:solidFill>
+                <a:effectLst/>
+                <a:latin typeface="Slack-Lato"/>
+              </a:rPr>
+              <a:t>Russia-Ukraine conflict (February 2022-present): On 24 February 2022, Russia invaded and occupied parts of Ukraine in a major escalation of the Russo-Ukrainian War, which had begun in 2014.</a:t>
+            </a:r>
+            <a:endParaRPr lang="en-US" dirty="0">
+              <a:solidFill>
+                <a:srgbClr val="1D1C1D"/>
+              </a:solidFill>
+              <a:latin typeface="Slack-Lato"/>
+            </a:endParaRPr>
+          </a:p>
+          <a:p>
+            <a:endParaRPr lang="en-US" dirty="0">
+              <a:solidFill>
+                <a:srgbClr val="1D1C1D"/>
+              </a:solidFill>
+              <a:latin typeface="Slack-Lato"/>
+            </a:endParaRPr>
+          </a:p>
+          <a:p>
+            <a:pPr algn="l"/>
+            <a:endParaRPr lang="en-US" dirty="0">
+              <a:solidFill>
+                <a:srgbClr val="1D1C1D"/>
+              </a:solidFill>
+              <a:latin typeface="Slack-Lato"/>
+            </a:endParaRPr>
+          </a:p>
+          <a:p>
+            <a:pPr algn="l"/>
+            <a:endParaRPr lang="en-US" dirty="0">
+              <a:solidFill>
+                <a:srgbClr val="1D1C1D"/>
+              </a:solidFill>
+              <a:latin typeface="Slack-Lato"/>
+            </a:endParaRPr>
+          </a:p>
+          <a:p>
+            <a:pPr algn="l"/>
+            <a:endParaRPr lang="en-US" b="0" i="0" dirty="0">
+              <a:solidFill>
+                <a:srgbClr val="1D1C1D"/>
+              </a:solidFill>
+              <a:effectLst/>
+              <a:latin typeface="Slack-Lato"/>
+            </a:endParaRPr>
+          </a:p>
+          <a:p>
+            <a:pPr algn="l"/>
+            <a:endParaRPr lang="en-US" b="0" i="0" dirty="0">
+              <a:solidFill>
+                <a:srgbClr val="1D1C1D"/>
+              </a:solidFill>
+              <a:effectLst/>
+              <a:latin typeface="Slack-Lato"/>
+            </a:endParaRPr>
+          </a:p>
+          <a:p>
+            <a:pPr algn="l"/>
+            <a:endParaRPr lang="en-US" b="0" i="0" dirty="0">
+              <a:solidFill>
+                <a:srgbClr val="1D1C1D"/>
+              </a:solidFill>
+              <a:effectLst/>
+              <a:latin typeface="Slack-Lato"/>
+            </a:endParaRPr>
+          </a:p>
+        </p:txBody>
+      </p:sp>
+    </p:spTree>
+    <p:extLst>
+      <p:ext uri="{BB962C8B-B14F-4D97-AF65-F5344CB8AC3E}">
+        <p14:creationId xmlns:p14="http://schemas.microsoft.com/office/powerpoint/2010/main" val="1187151888"/>
+      </p:ext>
+    </p:extLst>
+  </p:cSld>
+  <p:clrMapOvr>
+    <a:masterClrMapping/>
+  </p:clrMapOvr>
+</p:sld>
+</file>
+
+<file path=ppt/slides/slide11.xml><?xml version="1.0" encoding="utf-8"?>
+<p:sld xmlns:a="http://schemas.openxmlformats.org/drawingml/2006/main" xmlns:r="http://schemas.openxmlformats.org/officeDocument/2006/relationships" xmlns:p="http://schemas.openxmlformats.org/presentationml/2006/main">
+  <p:cSld>
+    <p:spTree>
+      <p:nvGrpSpPr>
+        <p:cNvPr id="1" name=""/>
+        <p:cNvGrpSpPr/>
+        <p:nvPr/>
+      </p:nvGrpSpPr>
+      <p:grpSpPr>
+        <a:xfrm>
+          <a:off x="0" y="0"/>
+          <a:ext cx="0" cy="0"/>
+          <a:chOff x="0" y="0"/>
+          <a:chExt cx="0" cy="0"/>
+        </a:xfrm>
+      </p:grpSpPr>
+      <p:sp>
+        <p:nvSpPr>
           <p:cNvPr id="4" name="Title 3">
             <a:extLst>
               <a:ext uri="{FF2B5EF4-FFF2-40B4-BE49-F238E27FC236}">
@@ -6196,7 +11272,7 @@
           <p:nvPr/>
         </p:nvPicPr>
         <p:blipFill>
-          <a:blip r:embed="rId2">
+          <a:blip r:embed="rId3">
             <a:extLst>
               <a:ext uri="{28A0092B-C50C-407E-A947-70E740481C1C}">
                 <a14:useLocalDpi xmlns:a14="http://schemas.microsoft.com/office/drawing/2010/main" val="0"/>
@@ -6230,7 +11306,7 @@
 </p:sld>
 </file>
 
-<file path=ppt/slides/slide11.xml><?xml version="1.0" encoding="utf-8"?>
+<file path=ppt/slides/slide12.xml><?xml version="1.0" encoding="utf-8"?>
 <p:sld xmlns:a="http://schemas.openxmlformats.org/drawingml/2006/main" xmlns:r="http://schemas.openxmlformats.org/officeDocument/2006/relationships" xmlns:p="http://schemas.openxmlformats.org/presentationml/2006/main">
   <p:cSld>
     <p:bg>
@@ -7010,7 +12086,7 @@
           <p:nvPr/>
         </p:nvPicPr>
         <p:blipFill>
-          <a:blip r:embed="rId2">
+          <a:blip r:embed="rId3">
             <a:extLst>
               <a:ext uri="{28A0092B-C50C-407E-A947-70E740481C1C}">
                 <a14:useLocalDpi xmlns:a14="http://schemas.microsoft.com/office/drawing/2010/main" val="0"/>
@@ -7043,7 +12119,7 @@
 </p:sld>
 </file>
 
-<file path=ppt/slides/slide12.xml><?xml version="1.0" encoding="utf-8"?>
+<file path=ppt/slides/slide13.xml><?xml version="1.0" encoding="utf-8"?>
 <p:sld xmlns:a="http://schemas.openxmlformats.org/drawingml/2006/main" xmlns:r="http://schemas.openxmlformats.org/officeDocument/2006/relationships" xmlns:p="http://schemas.openxmlformats.org/presentationml/2006/main">
   <p:cSld>
     <p:spTree>
@@ -7062,6 +12138,387 @@
       </p:grpSpPr>
       <p:sp>
         <p:nvSpPr>
+          <p:cNvPr id="3" name="TextBox 2">
+            <a:extLst>
+              <a:ext uri="{FF2B5EF4-FFF2-40B4-BE49-F238E27FC236}">
+                <a16:creationId xmlns:a16="http://schemas.microsoft.com/office/drawing/2014/main" id="{6F5D962B-5DF6-2C2C-30EB-EADE3991DA0F}"/>
+              </a:ext>
+            </a:extLst>
+          </p:cNvPr>
+          <p:cNvSpPr txBox="1"/>
+          <p:nvPr/>
+        </p:nvSpPr>
+        <p:spPr>
+          <a:xfrm>
+            <a:off x="658761" y="193363"/>
+            <a:ext cx="8423787" cy="7171194"/>
+          </a:xfrm>
+          <a:prstGeom prst="rect">
+            <a:avLst/>
+          </a:prstGeom>
+          <a:noFill/>
+        </p:spPr>
+        <p:txBody>
+          <a:bodyPr wrap="square">
+            <a:spAutoFit/>
+          </a:bodyPr>
+          <a:lstStyle/>
+          <a:p>
+            <a:pPr algn="l"/>
+            <a:endParaRPr lang="en-US" b="0" i="0" dirty="0">
+              <a:solidFill>
+                <a:srgbClr val="1D1C1D"/>
+              </a:solidFill>
+              <a:effectLst/>
+              <a:latin typeface="Slack-Lato"/>
+            </a:endParaRPr>
+          </a:p>
+          <a:p>
+            <a:r>
+              <a:rPr lang="en-US" b="1" dirty="0">
+                <a:solidFill>
+                  <a:srgbClr val="1D1C1D"/>
+                </a:solidFill>
+                <a:latin typeface="Slack-Lato"/>
+              </a:rPr>
+              <a:t>Major influences</a:t>
+            </a:r>
+            <a:endParaRPr lang="en-US" b="1" i="0" dirty="0">
+              <a:solidFill>
+                <a:srgbClr val="1D1C1D"/>
+              </a:solidFill>
+              <a:effectLst/>
+              <a:latin typeface="Slack-Lato"/>
+            </a:endParaRPr>
+          </a:p>
+          <a:p>
+            <a:pPr algn="l"/>
+            <a:endParaRPr lang="en-US" b="0" i="0" dirty="0">
+              <a:solidFill>
+                <a:srgbClr val="1D1C1D"/>
+              </a:solidFill>
+              <a:effectLst/>
+              <a:latin typeface="Slack-Lato"/>
+            </a:endParaRPr>
+          </a:p>
+          <a:p>
+            <a:pPr algn="l"/>
+            <a:r>
+              <a:rPr lang="en-US" sz="1400" b="0" i="0" dirty="0">
+                <a:solidFill>
+                  <a:srgbClr val="1D1C1D"/>
+                </a:solidFill>
+                <a:effectLst/>
+                <a:latin typeface="Slack-Lato"/>
+              </a:rPr>
+              <a:t>1. </a:t>
+            </a:r>
+            <a:r>
+              <a:rPr lang="en-US" sz="1400" b="1" i="0" dirty="0">
+                <a:solidFill>
+                  <a:srgbClr val="1D1C1D"/>
+                </a:solidFill>
+                <a:effectLst/>
+                <a:latin typeface="Slack-Lato"/>
+              </a:rPr>
+              <a:t>COVID-19 Pandemic </a:t>
+            </a:r>
+            <a:r>
+              <a:rPr lang="en-US" sz="1400" b="0" i="0" dirty="0">
+                <a:solidFill>
+                  <a:srgbClr val="1D1C1D"/>
+                </a:solidFill>
+                <a:effectLst/>
+                <a:latin typeface="Slack-Lato"/>
+              </a:rPr>
+              <a:t>(2019-present): The coronavirus disease pandemic caused by the novel coronavirus (SARS-CoV-2) has had a significant global impact, resulting in millions of infections and deaths, as well as widespread social and economic disruptions.</a:t>
+            </a:r>
+          </a:p>
+          <a:p>
+            <a:pPr algn="l"/>
+            <a:endParaRPr lang="en-US" sz="1400" dirty="0">
+              <a:solidFill>
+                <a:srgbClr val="1D1C1D"/>
+              </a:solidFill>
+              <a:latin typeface="Slack-Lato"/>
+            </a:endParaRPr>
+          </a:p>
+          <a:p>
+            <a:r>
+              <a:rPr lang="en-US" sz="1400" b="0" i="0" dirty="0">
+                <a:solidFill>
+                  <a:srgbClr val="1D1C1D"/>
+                </a:solidFill>
+                <a:effectLst/>
+                <a:latin typeface="Slack-Lato"/>
+              </a:rPr>
+              <a:t>2. </a:t>
+            </a:r>
+            <a:r>
+              <a:rPr lang="en-US" sz="1400" b="1" i="0" dirty="0">
+                <a:solidFill>
+                  <a:srgbClr val="1D1C1D"/>
+                </a:solidFill>
+                <a:effectLst/>
+                <a:latin typeface="Slack-Lato"/>
+              </a:rPr>
+              <a:t>Oil Price Crash </a:t>
+            </a:r>
+            <a:r>
+              <a:rPr lang="en-US" sz="1400" b="0" i="0" dirty="0">
+                <a:solidFill>
+                  <a:srgbClr val="1D1C1D"/>
+                </a:solidFill>
+                <a:effectLst/>
+                <a:latin typeface="Slack-Lato"/>
+              </a:rPr>
+              <a:t>(2014-2016): In mid-2014, global oil prices began a steep decline. The price drop was attributed to a combination of factors, including a surge in global oil production, particularly from U.S. shale oil, slowing global economic growth, and a decision by OPEC (Organization of the Petroleum Exporting Countries) to maintain production levels rather than cut them. This led to an oversupply of oil in the market. As a result, oil prices fell from over $100 per barrel in mid-2014 to around $30 per barrel in early 2016.</a:t>
+            </a:r>
+          </a:p>
+          <a:p>
+            <a:endParaRPr lang="en-US" b="0" i="0" dirty="0">
+              <a:solidFill>
+                <a:srgbClr val="1D1C1D"/>
+              </a:solidFill>
+              <a:effectLst/>
+              <a:latin typeface="Slack-Lato"/>
+            </a:endParaRPr>
+          </a:p>
+          <a:p>
+            <a:r>
+              <a:rPr lang="en-US" sz="1800" dirty="0">
+                <a:solidFill>
+                  <a:srgbClr val="1D1C1D"/>
+                </a:solidFill>
+                <a:latin typeface="Slack-Lato"/>
+              </a:rPr>
+              <a:t>3. </a:t>
+            </a:r>
+            <a:r>
+              <a:rPr lang="en-US" sz="1800" b="1" dirty="0">
+                <a:solidFill>
+                  <a:srgbClr val="1D1C1D"/>
+                </a:solidFill>
+                <a:latin typeface="Slack-Lato"/>
+              </a:rPr>
+              <a:t>Ever Given </a:t>
+            </a:r>
+            <a:r>
+              <a:rPr lang="en-US" sz="1800" dirty="0">
+                <a:solidFill>
+                  <a:srgbClr val="1D1C1D"/>
+                </a:solidFill>
+                <a:latin typeface="Slack-Lato"/>
+              </a:rPr>
+              <a:t>(March 2021): While traveling from </a:t>
+            </a:r>
+            <a:r>
+              <a:rPr lang="en-US" sz="1800" dirty="0" err="1">
+                <a:solidFill>
+                  <a:srgbClr val="1D1C1D"/>
+                </a:solidFill>
+                <a:latin typeface="Slack-Lato"/>
+              </a:rPr>
+              <a:t>Tanjung</a:t>
+            </a:r>
+            <a:r>
+              <a:rPr lang="en-US" sz="1800" dirty="0">
+                <a:solidFill>
+                  <a:srgbClr val="1D1C1D"/>
+                </a:solidFill>
+                <a:latin typeface="Slack-Lato"/>
+              </a:rPr>
+              <a:t> Pelepas in Malaysia[9] to Rotterdam in the Netherlands under Captain Krishnan </a:t>
+            </a:r>
+            <a:r>
+              <a:rPr lang="en-US" sz="1800" dirty="0" err="1">
+                <a:solidFill>
+                  <a:srgbClr val="1D1C1D"/>
+                </a:solidFill>
+                <a:latin typeface="Slack-Lato"/>
+              </a:rPr>
+              <a:t>Kanthavel</a:t>
+            </a:r>
+            <a:r>
+              <a:rPr lang="en-US" sz="1800" dirty="0">
+                <a:solidFill>
+                  <a:srgbClr val="1D1C1D"/>
+                </a:solidFill>
+                <a:latin typeface="Slack-Lato"/>
+              </a:rPr>
+              <a:t>, the ship ran aground in the Suez Canal, blocking the channel. The Suez canal handles approximately 12% of global trade.</a:t>
+            </a:r>
+            <a:endParaRPr lang="en-US" b="0" i="0" dirty="0">
+              <a:solidFill>
+                <a:srgbClr val="1D1C1D"/>
+              </a:solidFill>
+              <a:effectLst/>
+              <a:latin typeface="Slack-Lato"/>
+            </a:endParaRPr>
+          </a:p>
+          <a:p>
+            <a:endParaRPr lang="en-US" b="0" i="0" dirty="0">
+              <a:solidFill>
+                <a:srgbClr val="1D1C1D"/>
+              </a:solidFill>
+              <a:effectLst/>
+              <a:latin typeface="Slack-Lato"/>
+            </a:endParaRPr>
+          </a:p>
+          <a:p>
+            <a:r>
+              <a:rPr lang="en-US" b="1" dirty="0">
+                <a:solidFill>
+                  <a:srgbClr val="1D1C1D"/>
+                </a:solidFill>
+                <a:latin typeface="Slack-Lato"/>
+              </a:rPr>
+              <a:t>Minor influences</a:t>
+            </a:r>
+            <a:endParaRPr lang="en-US" b="1" i="0" dirty="0">
+              <a:solidFill>
+                <a:srgbClr val="1D1C1D"/>
+              </a:solidFill>
+              <a:effectLst/>
+              <a:latin typeface="Slack-Lato"/>
+            </a:endParaRPr>
+          </a:p>
+          <a:p>
+            <a:endParaRPr lang="en-US" b="0" i="0" dirty="0">
+              <a:solidFill>
+                <a:srgbClr val="1D1C1D"/>
+              </a:solidFill>
+              <a:effectLst/>
+              <a:latin typeface="Slack-Lato"/>
+            </a:endParaRPr>
+          </a:p>
+          <a:p>
+            <a:r>
+              <a:rPr lang="en-US" sz="1400" dirty="0">
+                <a:solidFill>
+                  <a:srgbClr val="1D1C1D"/>
+                </a:solidFill>
+                <a:latin typeface="Slack-Lato"/>
+              </a:rPr>
+              <a:t>4. </a:t>
+            </a:r>
+            <a:r>
+              <a:rPr lang="en-US" sz="1400" i="0" dirty="0">
+                <a:solidFill>
+                  <a:srgbClr val="1D1C1D"/>
+                </a:solidFill>
+                <a:effectLst/>
+                <a:latin typeface="Slack-Lato"/>
+              </a:rPr>
+              <a:t>Russia-Ukraine conflict </a:t>
+            </a:r>
+            <a:r>
+              <a:rPr lang="en-US" sz="1400" b="0" i="0" dirty="0">
+                <a:solidFill>
+                  <a:srgbClr val="1D1C1D"/>
+                </a:solidFill>
+                <a:effectLst/>
+                <a:latin typeface="Slack-Lato"/>
+              </a:rPr>
+              <a:t>(February 2022-present): On 24 February 2022, Russia invaded and occupied parts of Ukraine in a major escalation of the Russo-Ukrainian War, which had begun in 2014.</a:t>
+            </a:r>
+            <a:endParaRPr lang="en-US" sz="1400" dirty="0">
+              <a:solidFill>
+                <a:srgbClr val="1D1C1D"/>
+              </a:solidFill>
+              <a:latin typeface="Slack-Lato"/>
+            </a:endParaRPr>
+          </a:p>
+          <a:p>
+            <a:endParaRPr lang="en-US" dirty="0">
+              <a:solidFill>
+                <a:srgbClr val="1D1C1D"/>
+              </a:solidFill>
+              <a:latin typeface="Slack-Lato"/>
+            </a:endParaRPr>
+          </a:p>
+          <a:p>
+            <a:pPr algn="l"/>
+            <a:endParaRPr lang="en-US" dirty="0">
+              <a:solidFill>
+                <a:srgbClr val="1D1C1D"/>
+              </a:solidFill>
+              <a:latin typeface="Slack-Lato"/>
+            </a:endParaRPr>
+          </a:p>
+          <a:p>
+            <a:pPr algn="l"/>
+            <a:endParaRPr lang="en-US" dirty="0">
+              <a:solidFill>
+                <a:srgbClr val="1D1C1D"/>
+              </a:solidFill>
+              <a:latin typeface="Slack-Lato"/>
+            </a:endParaRPr>
+          </a:p>
+          <a:p>
+            <a:pPr algn="l"/>
+            <a:endParaRPr lang="en-US" b="0" i="0" dirty="0">
+              <a:solidFill>
+                <a:srgbClr val="1D1C1D"/>
+              </a:solidFill>
+              <a:effectLst/>
+              <a:latin typeface="Slack-Lato"/>
+            </a:endParaRPr>
+          </a:p>
+          <a:p>
+            <a:pPr algn="l"/>
+            <a:endParaRPr lang="en-US" b="0" i="0" dirty="0">
+              <a:solidFill>
+                <a:srgbClr val="1D1C1D"/>
+              </a:solidFill>
+              <a:effectLst/>
+              <a:latin typeface="Slack-Lato"/>
+            </a:endParaRPr>
+          </a:p>
+          <a:p>
+            <a:pPr algn="l"/>
+            <a:endParaRPr lang="en-US" b="0" i="0" dirty="0">
+              <a:solidFill>
+                <a:srgbClr val="1D1C1D"/>
+              </a:solidFill>
+              <a:effectLst/>
+              <a:latin typeface="Slack-Lato"/>
+            </a:endParaRPr>
+          </a:p>
+        </p:txBody>
+      </p:sp>
+    </p:spTree>
+    <p:extLst>
+      <p:ext uri="{BB962C8B-B14F-4D97-AF65-F5344CB8AC3E}">
+        <p14:creationId xmlns:p14="http://schemas.microsoft.com/office/powerpoint/2010/main" val="35226835"/>
+      </p:ext>
+    </p:extLst>
+  </p:cSld>
+  <p:clrMapOvr>
+    <a:masterClrMapping/>
+  </p:clrMapOvr>
+</p:sld>
+</file>
+
+<file path=ppt/slides/slide14.xml><?xml version="1.0" encoding="utf-8"?>
+<p:sld xmlns:a="http://schemas.openxmlformats.org/drawingml/2006/main" xmlns:r="http://schemas.openxmlformats.org/officeDocument/2006/relationships" xmlns:p="http://schemas.openxmlformats.org/presentationml/2006/main">
+  <p:cSld>
+    <p:spTree>
+      <p:nvGrpSpPr>
+        <p:cNvPr id="1" name=""/>
+        <p:cNvGrpSpPr/>
+        <p:nvPr/>
+      </p:nvGrpSpPr>
+      <p:grpSpPr>
+        <a:xfrm>
+          <a:off x="0" y="0"/>
+          <a:ext cx="0" cy="0"/>
+          <a:chOff x="0" y="0"/>
+          <a:chExt cx="0" cy="0"/>
+        </a:xfrm>
+      </p:grpSpPr>
+      <p:sp>
+        <p:nvSpPr>
           <p:cNvPr id="2" name="Title 1">
             <a:extLst>
               <a:ext uri="{FF2B5EF4-FFF2-40B4-BE49-F238E27FC236}">
@@ -7097,7 +12554,7 @@
                   </a:schemeClr>
                 </a:solidFill>
               </a:rPr>
-              <a:t>Water Freight Prices</a:t>
+              <a:t>Banana</a:t>
             </a:r>
             <a:br>
               <a:rPr lang="en-US" sz="2400" dirty="0">
@@ -7139,7 +12596,7 @@
                   </a:schemeClr>
                 </a:solidFill>
               </a:rPr>
-              <a:t>Toilet Paper Prices</a:t>
+              <a:t>Water Freight Prices</a:t>
             </a:r>
             <a:br>
               <a:rPr lang="en-US" sz="2400" dirty="0">
@@ -7151,6 +12608,38 @@
                 </a:solidFill>
               </a:rPr>
             </a:br>
+            <a:r>
+              <a:rPr lang="en-US" sz="2400" dirty="0">
+                <a:solidFill>
+                  <a:schemeClr val="accent2">
+                    <a:lumMod val="60000"/>
+                    <a:lumOff val="40000"/>
+                  </a:schemeClr>
+                </a:solidFill>
+              </a:rPr>
+              <a:t>Land Freight Prices</a:t>
+            </a:r>
+            <a:br>
+              <a:rPr lang="en-US" sz="2400" dirty="0">
+                <a:solidFill>
+                  <a:schemeClr val="accent2">
+                    <a:lumMod val="60000"/>
+                    <a:lumOff val="40000"/>
+                  </a:schemeClr>
+                </a:solidFill>
+              </a:rPr>
+            </a:br>
+            <a:r>
+              <a:rPr lang="en-US" sz="2400" dirty="0">
+                <a:solidFill>
+                  <a:schemeClr val="accent2">
+                    <a:lumMod val="60000"/>
+                    <a:lumOff val="40000"/>
+                  </a:schemeClr>
+                </a:solidFill>
+              </a:rPr>
+              <a:t>Gasoline Prices</a:t>
+            </a:r>
             <a:endParaRPr lang="en-US" dirty="0"/>
           </a:p>
         </p:txBody>
@@ -7170,7 +12659,7 @@
           <p:nvPr/>
         </p:nvPicPr>
         <p:blipFill>
-          <a:blip r:embed="rId2">
+          <a:blip r:embed="rId3">
             <a:extLst>
               <a:ext uri="{28A0092B-C50C-407E-A947-70E740481C1C}">
                 <a14:useLocalDpi xmlns:a14="http://schemas.microsoft.com/office/drawing/2010/main" val="0"/>
@@ -7203,7 +12692,7 @@
 </p:sld>
 </file>
 
-<file path=ppt/slides/slide13.xml><?xml version="1.0" encoding="utf-8"?>
+<file path=ppt/slides/slide15.xml><?xml version="1.0" encoding="utf-8"?>
 <p:sld xmlns:a="http://schemas.openxmlformats.org/drawingml/2006/main" xmlns:r="http://schemas.openxmlformats.org/officeDocument/2006/relationships" xmlns:p="http://schemas.openxmlformats.org/presentationml/2006/main">
   <p:cSld>
     <p:spTree>
@@ -7276,7 +12765,7 @@
           <p:nvPr/>
         </p:nvPicPr>
         <p:blipFill>
-          <a:blip r:embed="rId2">
+          <a:blip r:embed="rId3">
             <a:extLst>
               <a:ext uri="{28A0092B-C50C-407E-A947-70E740481C1C}">
                 <a14:useLocalDpi xmlns:a14="http://schemas.microsoft.com/office/drawing/2010/main" val="0"/>
@@ -7309,7 +12798,7 @@
 </p:sld>
 </file>
 
-<file path=ppt/slides/slide14.xml><?xml version="1.0" encoding="utf-8"?>
+<file path=ppt/slides/slide16.xml><?xml version="1.0" encoding="utf-8"?>
 <p:sld xmlns:a="http://schemas.openxmlformats.org/drawingml/2006/main" xmlns:r="http://schemas.openxmlformats.org/officeDocument/2006/relationships" xmlns:p="http://schemas.openxmlformats.org/presentationml/2006/main">
   <p:cSld>
     <p:spTree>
@@ -7328,6 +12817,355 @@
       </p:grpSpPr>
       <p:sp>
         <p:nvSpPr>
+          <p:cNvPr id="3" name="TextBox 2">
+            <a:extLst>
+              <a:ext uri="{FF2B5EF4-FFF2-40B4-BE49-F238E27FC236}">
+                <a16:creationId xmlns:a16="http://schemas.microsoft.com/office/drawing/2014/main" id="{6F5D962B-5DF6-2C2C-30EB-EADE3991DA0F}"/>
+              </a:ext>
+            </a:extLst>
+          </p:cNvPr>
+          <p:cNvSpPr txBox="1"/>
+          <p:nvPr/>
+        </p:nvSpPr>
+        <p:spPr>
+          <a:xfrm>
+            <a:off x="658761" y="193363"/>
+            <a:ext cx="8423787" cy="6771084"/>
+          </a:xfrm>
+          <a:prstGeom prst="rect">
+            <a:avLst/>
+          </a:prstGeom>
+          <a:noFill/>
+        </p:spPr>
+        <p:txBody>
+          <a:bodyPr wrap="square">
+            <a:spAutoFit/>
+          </a:bodyPr>
+          <a:lstStyle/>
+          <a:p>
+            <a:pPr algn="l"/>
+            <a:endParaRPr lang="en-US" b="0" i="0" dirty="0">
+              <a:solidFill>
+                <a:srgbClr val="1D1C1D"/>
+              </a:solidFill>
+              <a:effectLst/>
+              <a:latin typeface="Slack-Lato"/>
+            </a:endParaRPr>
+          </a:p>
+          <a:p>
+            <a:r>
+              <a:rPr lang="en-US" b="1" dirty="0">
+                <a:solidFill>
+                  <a:srgbClr val="1D1C1D"/>
+                </a:solidFill>
+                <a:latin typeface="Slack-Lato"/>
+              </a:rPr>
+              <a:t>Major influences</a:t>
+            </a:r>
+            <a:endParaRPr lang="en-US" b="1" i="0" dirty="0">
+              <a:solidFill>
+                <a:srgbClr val="1D1C1D"/>
+              </a:solidFill>
+              <a:effectLst/>
+              <a:latin typeface="Slack-Lato"/>
+            </a:endParaRPr>
+          </a:p>
+          <a:p>
+            <a:endParaRPr lang="en-US" b="0" i="0" dirty="0">
+              <a:solidFill>
+                <a:srgbClr val="1D1C1D"/>
+              </a:solidFill>
+              <a:effectLst/>
+              <a:latin typeface="Slack-Lato"/>
+            </a:endParaRPr>
+          </a:p>
+          <a:p>
+            <a:r>
+              <a:rPr lang="en-US" sz="1800" b="0" i="0" dirty="0">
+                <a:solidFill>
+                  <a:srgbClr val="1D1C1D"/>
+                </a:solidFill>
+                <a:effectLst/>
+                <a:latin typeface="Slack-Lato"/>
+              </a:rPr>
+              <a:t>1. </a:t>
+            </a:r>
+            <a:r>
+              <a:rPr lang="en-US" sz="1800" b="1" i="0" dirty="0">
+                <a:solidFill>
+                  <a:srgbClr val="1D1C1D"/>
+                </a:solidFill>
+                <a:effectLst/>
+                <a:latin typeface="Slack-Lato"/>
+              </a:rPr>
+              <a:t>Russia-Ukraine conflict</a:t>
+            </a:r>
+            <a:r>
+              <a:rPr lang="en-US" sz="1800" b="0" i="0" dirty="0">
+                <a:solidFill>
+                  <a:srgbClr val="1D1C1D"/>
+                </a:solidFill>
+                <a:effectLst/>
+                <a:latin typeface="Slack-Lato"/>
+              </a:rPr>
+              <a:t> (February 2022-present): On 24 February 2022, Russia invaded and occupied parts of Ukraine in a major escalation of the Russo-Ukrainian War, which had begun in 2014.</a:t>
+            </a:r>
+          </a:p>
+          <a:p>
+            <a:pPr marL="342900" indent="-342900">
+              <a:buAutoNum type="arabicPeriod"/>
+            </a:pPr>
+            <a:endParaRPr lang="en-US" sz="1800" dirty="0">
+              <a:solidFill>
+                <a:srgbClr val="1D1C1D"/>
+              </a:solidFill>
+              <a:latin typeface="Slack-Lato"/>
+            </a:endParaRPr>
+          </a:p>
+          <a:p>
+            <a:r>
+              <a:rPr lang="en-US" sz="1400" dirty="0">
+                <a:solidFill>
+                  <a:srgbClr val="1D1C1D"/>
+                </a:solidFill>
+                <a:latin typeface="Slack-Lato"/>
+              </a:rPr>
+              <a:t>2. </a:t>
+            </a:r>
+            <a:r>
+              <a:rPr lang="en-US" sz="1400" b="1" dirty="0">
+                <a:solidFill>
+                  <a:srgbClr val="1D1C1D"/>
+                </a:solidFill>
+                <a:latin typeface="Slack-Lato"/>
+              </a:rPr>
+              <a:t>Ever Given </a:t>
+            </a:r>
+            <a:r>
+              <a:rPr lang="en-US" sz="1400" dirty="0">
+                <a:solidFill>
+                  <a:srgbClr val="1D1C1D"/>
+                </a:solidFill>
+                <a:latin typeface="Slack-Lato"/>
+              </a:rPr>
+              <a:t>(March 2021): While traveling from </a:t>
+            </a:r>
+            <a:r>
+              <a:rPr lang="en-US" sz="1400" dirty="0" err="1">
+                <a:solidFill>
+                  <a:srgbClr val="1D1C1D"/>
+                </a:solidFill>
+                <a:latin typeface="Slack-Lato"/>
+              </a:rPr>
+              <a:t>Tanjung</a:t>
+            </a:r>
+            <a:r>
+              <a:rPr lang="en-US" sz="1400" dirty="0">
+                <a:solidFill>
+                  <a:srgbClr val="1D1C1D"/>
+                </a:solidFill>
+                <a:latin typeface="Slack-Lato"/>
+              </a:rPr>
+              <a:t> Pelepas in Malaysia[9] to Rotterdam in the Netherlands under Captain Krishnan </a:t>
+            </a:r>
+            <a:r>
+              <a:rPr lang="en-US" sz="1400" dirty="0" err="1">
+                <a:solidFill>
+                  <a:srgbClr val="1D1C1D"/>
+                </a:solidFill>
+                <a:latin typeface="Slack-Lato"/>
+              </a:rPr>
+              <a:t>Kanthavel</a:t>
+            </a:r>
+            <a:r>
+              <a:rPr lang="en-US" sz="1400" dirty="0">
+                <a:solidFill>
+                  <a:srgbClr val="1D1C1D"/>
+                </a:solidFill>
+                <a:latin typeface="Slack-Lato"/>
+              </a:rPr>
+              <a:t>, the ship ran aground in the Suez Canal, blocking the channel. The Suez canal handles approximately 12% of global trade.</a:t>
+            </a:r>
+          </a:p>
+          <a:p>
+            <a:endParaRPr lang="en-US" sz="1400" dirty="0">
+              <a:solidFill>
+                <a:srgbClr val="1D1C1D"/>
+              </a:solidFill>
+              <a:latin typeface="Slack-Lato"/>
+            </a:endParaRPr>
+          </a:p>
+          <a:p>
+            <a:r>
+              <a:rPr lang="en-US" sz="1400" b="0" i="0" dirty="0">
+                <a:solidFill>
+                  <a:srgbClr val="1D1C1D"/>
+                </a:solidFill>
+                <a:effectLst/>
+                <a:latin typeface="Slack-Lato"/>
+              </a:rPr>
+              <a:t>3. </a:t>
+            </a:r>
+            <a:r>
+              <a:rPr lang="en-US" sz="1400" b="1" i="0" dirty="0">
+                <a:solidFill>
+                  <a:srgbClr val="1D1C1D"/>
+                </a:solidFill>
+                <a:effectLst/>
+                <a:latin typeface="Slack-Lato"/>
+              </a:rPr>
+              <a:t>Oil Price Crash </a:t>
+            </a:r>
+            <a:r>
+              <a:rPr lang="en-US" sz="1400" b="0" i="0" dirty="0">
+                <a:solidFill>
+                  <a:srgbClr val="1D1C1D"/>
+                </a:solidFill>
+                <a:effectLst/>
+                <a:latin typeface="Slack-Lato"/>
+              </a:rPr>
+              <a:t>(2014-2016): In mid-2014, global oil prices began a steep decline. The price drop was attributed to a combination of factors, including a surge in global oil production, particularly from U.S. shale oil, slowing global economic growth, and a decision by OPEC (Organization of the Petroleum Exporting Countries) to maintain production levels rather than cut them. This led to an oversupply of oil in the market. As a result, oil prices fell from over $100 per barrel in mid-2014 to around $30 per barrel in early 2016.</a:t>
+            </a:r>
+          </a:p>
+          <a:p>
+            <a:endParaRPr lang="en-US" sz="1400" dirty="0">
+              <a:solidFill>
+                <a:srgbClr val="1D1C1D"/>
+              </a:solidFill>
+              <a:latin typeface="Slack-Lato"/>
+            </a:endParaRPr>
+          </a:p>
+          <a:p>
+            <a:r>
+              <a:rPr lang="en-US" sz="1400" b="0" i="0" dirty="0">
+                <a:solidFill>
+                  <a:srgbClr val="1D1C1D"/>
+                </a:solidFill>
+                <a:effectLst/>
+                <a:latin typeface="Slack-Lato"/>
+              </a:rPr>
+              <a:t>4. </a:t>
+            </a:r>
+            <a:r>
+              <a:rPr lang="en-US" sz="1400" b="1" i="0" dirty="0">
+                <a:solidFill>
+                  <a:srgbClr val="1D1C1D"/>
+                </a:solidFill>
+                <a:effectLst/>
+                <a:latin typeface="Slack-Lato"/>
+              </a:rPr>
+              <a:t>COVID-19 Pandemic</a:t>
+            </a:r>
+            <a:r>
+              <a:rPr lang="en-US" sz="1400" b="0" i="0" dirty="0">
+                <a:solidFill>
+                  <a:srgbClr val="1D1C1D"/>
+                </a:solidFill>
+                <a:effectLst/>
+                <a:latin typeface="Slack-Lato"/>
+              </a:rPr>
+              <a:t> (2019-present): The coronavirus disease pandemic caused by the novel coronavirus (SARS-CoV-2) has had a significant global impact, resulting in millions of infections and deaths, as well as widespread social and economic disruptions.</a:t>
+            </a:r>
+          </a:p>
+          <a:p>
+            <a:endParaRPr lang="en-US" b="0" i="0" dirty="0">
+              <a:solidFill>
+                <a:srgbClr val="1D1C1D"/>
+              </a:solidFill>
+              <a:effectLst/>
+              <a:latin typeface="Slack-Lato"/>
+            </a:endParaRPr>
+          </a:p>
+          <a:p>
+            <a:endParaRPr lang="en-US" dirty="0">
+              <a:solidFill>
+                <a:srgbClr val="1D1C1D"/>
+              </a:solidFill>
+              <a:latin typeface="Slack-Lato"/>
+            </a:endParaRPr>
+          </a:p>
+          <a:p>
+            <a:pPr algn="l"/>
+            <a:endParaRPr lang="en-US" dirty="0">
+              <a:solidFill>
+                <a:srgbClr val="1D1C1D"/>
+              </a:solidFill>
+              <a:latin typeface="Slack-Lato"/>
+            </a:endParaRPr>
+          </a:p>
+          <a:p>
+            <a:pPr algn="l"/>
+            <a:endParaRPr lang="en-US" dirty="0">
+              <a:solidFill>
+                <a:srgbClr val="1D1C1D"/>
+              </a:solidFill>
+              <a:latin typeface="Slack-Lato"/>
+            </a:endParaRPr>
+          </a:p>
+          <a:p>
+            <a:pPr algn="l"/>
+            <a:endParaRPr lang="en-US" b="0" i="0" dirty="0">
+              <a:solidFill>
+                <a:srgbClr val="1D1C1D"/>
+              </a:solidFill>
+              <a:effectLst/>
+              <a:latin typeface="Slack-Lato"/>
+            </a:endParaRPr>
+          </a:p>
+          <a:p>
+            <a:pPr algn="l"/>
+            <a:endParaRPr lang="en-US" b="0" i="0" dirty="0">
+              <a:solidFill>
+                <a:srgbClr val="1D1C1D"/>
+              </a:solidFill>
+              <a:effectLst/>
+              <a:latin typeface="Slack-Lato"/>
+            </a:endParaRPr>
+          </a:p>
+          <a:p>
+            <a:pPr algn="l"/>
+            <a:endParaRPr lang="en-US" b="0" i="0" dirty="0">
+              <a:solidFill>
+                <a:srgbClr val="1D1C1D"/>
+              </a:solidFill>
+              <a:effectLst/>
+              <a:latin typeface="Slack-Lato"/>
+            </a:endParaRPr>
+          </a:p>
+        </p:txBody>
+      </p:sp>
+    </p:spTree>
+    <p:extLst>
+      <p:ext uri="{BB962C8B-B14F-4D97-AF65-F5344CB8AC3E}">
+        <p14:creationId xmlns:p14="http://schemas.microsoft.com/office/powerpoint/2010/main" val="1367743305"/>
+      </p:ext>
+    </p:extLst>
+  </p:cSld>
+  <p:clrMapOvr>
+    <a:masterClrMapping/>
+  </p:clrMapOvr>
+</p:sld>
+</file>
+
+<file path=ppt/slides/slide17.xml><?xml version="1.0" encoding="utf-8"?>
+<p:sld xmlns:a="http://schemas.openxmlformats.org/drawingml/2006/main" xmlns:r="http://schemas.openxmlformats.org/officeDocument/2006/relationships" xmlns:p="http://schemas.openxmlformats.org/presentationml/2006/main">
+  <p:cSld>
+    <p:spTree>
+      <p:nvGrpSpPr>
+        <p:cNvPr id="1" name=""/>
+        <p:cNvGrpSpPr/>
+        <p:nvPr/>
+      </p:nvGrpSpPr>
+      <p:grpSpPr>
+        <a:xfrm>
+          <a:off x="0" y="0"/>
+          <a:ext cx="0" cy="0"/>
+          <a:chOff x="0" y="0"/>
+          <a:chExt cx="0" cy="0"/>
+        </a:xfrm>
+      </p:grpSpPr>
+      <p:sp>
+        <p:nvSpPr>
           <p:cNvPr id="2" name="Title 1">
             <a:extLst>
               <a:ext uri="{FF2B5EF4-FFF2-40B4-BE49-F238E27FC236}">
@@ -7363,7 +13201,7 @@
                   </a:schemeClr>
                 </a:solidFill>
               </a:rPr>
-              <a:t>Semiconductor Manufacturing Prices</a:t>
+              <a:t>Semiconductor Manufacturing Machinery Prices</a:t>
             </a:r>
             <a:br>
               <a:rPr lang="en-US" sz="2800" dirty="0">
@@ -7384,7 +13222,7 @@
                   </a:schemeClr>
                 </a:solidFill>
               </a:rPr>
-              <a:t>Gasoline Prices</a:t>
+              <a:t>Water Freight Prices</a:t>
             </a:r>
             <a:br>
               <a:rPr lang="en-US" sz="2800" dirty="0">
@@ -7426,7 +13264,7 @@
           <p:nvPr/>
         </p:nvPicPr>
         <p:blipFill>
-          <a:blip r:embed="rId2">
+          <a:blip r:embed="rId3">
             <a:extLst>
               <a:ext uri="{28A0092B-C50C-407E-A947-70E740481C1C}">
                 <a14:useLocalDpi xmlns:a14="http://schemas.microsoft.com/office/drawing/2010/main" val="0"/>
@@ -7459,7 +13297,7 @@
 </p:sld>
 </file>
 
-<file path=ppt/slides/slide15.xml><?xml version="1.0" encoding="utf-8"?>
+<file path=ppt/slides/slide18.xml><?xml version="1.0" encoding="utf-8"?>
 <p:sld xmlns:a="http://schemas.openxmlformats.org/drawingml/2006/main" xmlns:r="http://schemas.openxmlformats.org/officeDocument/2006/relationships" xmlns:p="http://schemas.openxmlformats.org/presentationml/2006/main">
   <p:cSld>
     <p:spTree>
@@ -7532,7 +13370,7 @@
           <p:nvPr/>
         </p:nvPicPr>
         <p:blipFill>
-          <a:blip r:embed="rId2">
+          <a:blip r:embed="rId3">
             <a:extLst>
               <a:ext uri="{28A0092B-C50C-407E-A947-70E740481C1C}">
                 <a14:useLocalDpi xmlns:a14="http://schemas.microsoft.com/office/drawing/2010/main" val="0"/>
@@ -7565,476 +13403,6 @@
 </p:sld>
 </file>
 
-<file path=ppt/slides/slide16.xml><?xml version="1.0" encoding="utf-8"?>
-<p:sld xmlns:a="http://schemas.openxmlformats.org/drawingml/2006/main" xmlns:r="http://schemas.openxmlformats.org/officeDocument/2006/relationships" xmlns:p="http://schemas.openxmlformats.org/presentationml/2006/main">
-  <p:cSld>
-    <p:spTree>
-      <p:nvGrpSpPr>
-        <p:cNvPr id="1" name=""/>
-        <p:cNvGrpSpPr/>
-        <p:nvPr/>
-      </p:nvGrpSpPr>
-      <p:grpSpPr>
-        <a:xfrm>
-          <a:off x="0" y="0"/>
-          <a:ext cx="0" cy="0"/>
-          <a:chOff x="0" y="0"/>
-          <a:chExt cx="0" cy="0"/>
-        </a:xfrm>
-      </p:grpSpPr>
-      <p:sp>
-        <p:nvSpPr>
-          <p:cNvPr id="2" name="Title 1">
-            <a:extLst>
-              <a:ext uri="{FF2B5EF4-FFF2-40B4-BE49-F238E27FC236}">
-                <a16:creationId xmlns:a16="http://schemas.microsoft.com/office/drawing/2014/main" id="{15E1121D-6638-09CE-6B9B-9500ABC1BFE7}"/>
-              </a:ext>
-            </a:extLst>
-          </p:cNvPr>
-          <p:cNvSpPr>
-            <a:spLocks noGrp="1"/>
-          </p:cNvSpPr>
-          <p:nvPr>
-            <p:ph type="title"/>
-          </p:nvPr>
-        </p:nvSpPr>
-        <p:spPr>
-          <a:xfrm>
-            <a:off x="864693" y="4965851"/>
-            <a:ext cx="8497254" cy="1474278"/>
-          </a:xfrm>
-        </p:spPr>
-        <p:txBody>
-          <a:bodyPr>
-            <a:noAutofit/>
-          </a:bodyPr>
-          <a:lstStyle/>
-          <a:p>
-            <a:r>
-              <a:rPr lang="en-US" sz="1800" dirty="0">
-                <a:solidFill>
-                  <a:schemeClr val="accent2">
-                    <a:lumMod val="60000"/>
-                    <a:lumOff val="40000"/>
-                  </a:schemeClr>
-                </a:solidFill>
-              </a:rPr>
-              <a:t>Banana Prices</a:t>
-            </a:r>
-            <a:br>
-              <a:rPr lang="en-US" sz="1800" dirty="0">
-                <a:solidFill>
-                  <a:schemeClr val="accent2">
-                    <a:lumMod val="60000"/>
-                    <a:lumOff val="40000"/>
-                  </a:schemeClr>
-                </a:solidFill>
-              </a:rPr>
-            </a:br>
-            <a:r>
-              <a:rPr lang="en-US" sz="1800" dirty="0">
-                <a:solidFill>
-                  <a:schemeClr val="accent2">
-                    <a:lumMod val="60000"/>
-                    <a:lumOff val="40000"/>
-                  </a:schemeClr>
-                </a:solidFill>
-              </a:rPr>
-              <a:t>Air Freight Prices</a:t>
-            </a:r>
-            <a:br>
-              <a:rPr lang="en-US" sz="1800" dirty="0">
-                <a:solidFill>
-                  <a:schemeClr val="accent2">
-                    <a:lumMod val="60000"/>
-                    <a:lumOff val="40000"/>
-                  </a:schemeClr>
-                </a:solidFill>
-              </a:rPr>
-            </a:br>
-            <a:r>
-              <a:rPr lang="en-US" sz="1800" dirty="0">
-                <a:solidFill>
-                  <a:schemeClr val="accent2">
-                    <a:lumMod val="60000"/>
-                    <a:lumOff val="40000"/>
-                  </a:schemeClr>
-                </a:solidFill>
-              </a:rPr>
-              <a:t>Water Freight Prices</a:t>
-            </a:r>
-            <a:br>
-              <a:rPr lang="en-US" sz="1800" dirty="0">
-                <a:solidFill>
-                  <a:schemeClr val="accent2">
-                    <a:lumMod val="60000"/>
-                    <a:lumOff val="40000"/>
-                  </a:schemeClr>
-                </a:solidFill>
-              </a:rPr>
-            </a:br>
-            <a:r>
-              <a:rPr lang="en-US" sz="1800" dirty="0">
-                <a:solidFill>
-                  <a:schemeClr val="accent2">
-                    <a:lumMod val="60000"/>
-                    <a:lumOff val="40000"/>
-                  </a:schemeClr>
-                </a:solidFill>
-              </a:rPr>
-              <a:t>Land Freight Prices</a:t>
-            </a:r>
-            <a:br>
-              <a:rPr lang="en-US" sz="1800" dirty="0">
-                <a:solidFill>
-                  <a:schemeClr val="accent2">
-                    <a:lumMod val="60000"/>
-                    <a:lumOff val="40000"/>
-                  </a:schemeClr>
-                </a:solidFill>
-              </a:rPr>
-            </a:br>
-            <a:r>
-              <a:rPr lang="en-US" sz="1800" dirty="0">
-                <a:solidFill>
-                  <a:schemeClr val="accent2">
-                    <a:lumMod val="60000"/>
-                    <a:lumOff val="40000"/>
-                  </a:schemeClr>
-                </a:solidFill>
-              </a:rPr>
-              <a:t>Gasoline Prices</a:t>
-            </a:r>
-            <a:br>
-              <a:rPr lang="en-US" sz="1800" dirty="0">
-                <a:solidFill>
-                  <a:schemeClr val="accent2">
-                    <a:lumMod val="60000"/>
-                    <a:lumOff val="40000"/>
-                  </a:schemeClr>
-                </a:solidFill>
-              </a:rPr>
-            </a:br>
-            <a:endParaRPr lang="en-US" sz="1800" dirty="0"/>
-          </a:p>
-        </p:txBody>
-      </p:sp>
-      <p:pic>
-        <p:nvPicPr>
-          <p:cNvPr id="6" name="Picture 5">
-            <a:extLst>
-              <a:ext uri="{FF2B5EF4-FFF2-40B4-BE49-F238E27FC236}">
-                <a16:creationId xmlns:a16="http://schemas.microsoft.com/office/drawing/2014/main" id="{3D0BAB89-B3FB-0EEE-2167-56D6BA776EAC}"/>
-              </a:ext>
-            </a:extLst>
-          </p:cNvPr>
-          <p:cNvPicPr>
-            <a:picLocks noChangeAspect="1"/>
-          </p:cNvPicPr>
-          <p:nvPr/>
-        </p:nvPicPr>
-        <p:blipFill>
-          <a:blip r:embed="rId2">
-            <a:extLst>
-              <a:ext uri="{28A0092B-C50C-407E-A947-70E740481C1C}">
-                <a14:useLocalDpi xmlns:a14="http://schemas.microsoft.com/office/drawing/2010/main" val="0"/>
-              </a:ext>
-            </a:extLst>
-          </a:blip>
-          <a:srcRect/>
-          <a:stretch/>
-        </p:blipFill>
-        <p:spPr>
-          <a:xfrm>
-            <a:off x="192737" y="-153383"/>
-            <a:ext cx="10523199" cy="5268614"/>
-          </a:xfrm>
-          <a:prstGeom prst="rect">
-            <a:avLst/>
-          </a:prstGeom>
-        </p:spPr>
-      </p:pic>
-    </p:spTree>
-    <p:extLst>
-      <p:ext uri="{BB962C8B-B14F-4D97-AF65-F5344CB8AC3E}">
-        <p14:creationId xmlns:p14="http://schemas.microsoft.com/office/powerpoint/2010/main" val="4117965409"/>
-      </p:ext>
-    </p:extLst>
-  </p:cSld>
-  <p:clrMapOvr>
-    <a:masterClrMapping/>
-  </p:clrMapOvr>
-</p:sld>
-</file>
-
-<file path=ppt/slides/slide17.xml><?xml version="1.0" encoding="utf-8"?>
-<p:sld xmlns:a="http://schemas.openxmlformats.org/drawingml/2006/main" xmlns:r="http://schemas.openxmlformats.org/officeDocument/2006/relationships" xmlns:p="http://schemas.openxmlformats.org/presentationml/2006/main">
-  <p:cSld>
-    <p:spTree>
-      <p:nvGrpSpPr>
-        <p:cNvPr id="1" name=""/>
-        <p:cNvGrpSpPr/>
-        <p:nvPr/>
-      </p:nvGrpSpPr>
-      <p:grpSpPr>
-        <a:xfrm>
-          <a:off x="0" y="0"/>
-          <a:ext cx="0" cy="0"/>
-          <a:chOff x="0" y="0"/>
-          <a:chExt cx="0" cy="0"/>
-        </a:xfrm>
-      </p:grpSpPr>
-      <p:sp>
-        <p:nvSpPr>
-          <p:cNvPr id="2" name="Title 1">
-            <a:extLst>
-              <a:ext uri="{FF2B5EF4-FFF2-40B4-BE49-F238E27FC236}">
-                <a16:creationId xmlns:a16="http://schemas.microsoft.com/office/drawing/2014/main" id="{9CE2DD15-77EC-FC7A-71B4-2AECDE9FB3FD}"/>
-              </a:ext>
-            </a:extLst>
-          </p:cNvPr>
-          <p:cNvSpPr>
-            <a:spLocks noGrp="1"/>
-          </p:cNvSpPr>
-          <p:nvPr>
-            <p:ph type="title"/>
-          </p:nvPr>
-        </p:nvSpPr>
-        <p:spPr>
-          <a:xfrm>
-            <a:off x="677334" y="5380962"/>
-            <a:ext cx="8596668" cy="1320800"/>
-          </a:xfrm>
-        </p:spPr>
-        <p:txBody>
-          <a:bodyPr/>
-          <a:lstStyle/>
-          <a:p>
-            <a:r>
-              <a:rPr lang="en-US" sz="3600" kern="1200" dirty="0">
-                <a:solidFill>
-                  <a:schemeClr val="accent1"/>
-                </a:solidFill>
-                <a:latin typeface="+mj-lt"/>
-                <a:ea typeface="+mj-ea"/>
-                <a:cs typeface="+mj-cs"/>
-              </a:rPr>
-              <a:t>3 Month Percent Change</a:t>
-            </a:r>
-            <a:endParaRPr lang="en-US" dirty="0"/>
-          </a:p>
-        </p:txBody>
-      </p:sp>
-      <p:pic>
-        <p:nvPicPr>
-          <p:cNvPr id="6" name="Picture 5">
-            <a:extLst>
-              <a:ext uri="{FF2B5EF4-FFF2-40B4-BE49-F238E27FC236}">
-                <a16:creationId xmlns:a16="http://schemas.microsoft.com/office/drawing/2014/main" id="{97531503-C43E-EE81-806C-BF0BF9D0F0EE}"/>
-              </a:ext>
-            </a:extLst>
-          </p:cNvPr>
-          <p:cNvPicPr>
-            <a:picLocks noChangeAspect="1"/>
-          </p:cNvPicPr>
-          <p:nvPr/>
-        </p:nvPicPr>
-        <p:blipFill>
-          <a:blip r:embed="rId2">
-            <a:extLst>
-              <a:ext uri="{28A0092B-C50C-407E-A947-70E740481C1C}">
-                <a14:useLocalDpi xmlns:a14="http://schemas.microsoft.com/office/drawing/2010/main" val="0"/>
-              </a:ext>
-            </a:extLst>
-          </a:blip>
-          <a:srcRect/>
-          <a:stretch/>
-        </p:blipFill>
-        <p:spPr>
-          <a:xfrm>
-            <a:off x="192737" y="-153383"/>
-            <a:ext cx="10523199" cy="5268614"/>
-          </a:xfrm>
-          <a:prstGeom prst="rect">
-            <a:avLst/>
-          </a:prstGeom>
-        </p:spPr>
-      </p:pic>
-    </p:spTree>
-    <p:extLst>
-      <p:ext uri="{BB962C8B-B14F-4D97-AF65-F5344CB8AC3E}">
-        <p14:creationId xmlns:p14="http://schemas.microsoft.com/office/powerpoint/2010/main" val="3630406658"/>
-      </p:ext>
-    </p:extLst>
-  </p:cSld>
-  <p:clrMapOvr>
-    <a:masterClrMapping/>
-  </p:clrMapOvr>
-</p:sld>
-</file>
-
-<file path=ppt/slides/slide18.xml><?xml version="1.0" encoding="utf-8"?>
-<p:sld xmlns:a="http://schemas.openxmlformats.org/drawingml/2006/main" xmlns:r="http://schemas.openxmlformats.org/officeDocument/2006/relationships" xmlns:p="http://schemas.openxmlformats.org/presentationml/2006/main">
-  <p:cSld>
-    <p:spTree>
-      <p:nvGrpSpPr>
-        <p:cNvPr id="1" name=""/>
-        <p:cNvGrpSpPr/>
-        <p:nvPr/>
-      </p:nvGrpSpPr>
-      <p:grpSpPr>
-        <a:xfrm>
-          <a:off x="0" y="0"/>
-          <a:ext cx="0" cy="0"/>
-          <a:chOff x="0" y="0"/>
-          <a:chExt cx="0" cy="0"/>
-        </a:xfrm>
-      </p:grpSpPr>
-      <p:sp>
-        <p:nvSpPr>
-          <p:cNvPr id="7" name="TextBox 6">
-            <a:extLst>
-              <a:ext uri="{FF2B5EF4-FFF2-40B4-BE49-F238E27FC236}">
-                <a16:creationId xmlns:a16="http://schemas.microsoft.com/office/drawing/2014/main" id="{11BE5035-3C06-5AB8-DE0D-B8B26E4A0516}"/>
-              </a:ext>
-            </a:extLst>
-          </p:cNvPr>
-          <p:cNvSpPr txBox="1"/>
-          <p:nvPr/>
-        </p:nvSpPr>
-        <p:spPr>
-          <a:xfrm>
-            <a:off x="550607" y="612844"/>
-            <a:ext cx="8512277" cy="5355312"/>
-          </a:xfrm>
-          <a:prstGeom prst="rect">
-            <a:avLst/>
-          </a:prstGeom>
-          <a:noFill/>
-        </p:spPr>
-        <p:txBody>
-          <a:bodyPr wrap="square">
-            <a:spAutoFit/>
-          </a:bodyPr>
-          <a:lstStyle/>
-          <a:p>
-            <a:pPr algn="l">
-              <a:buFont typeface="+mj-lt"/>
-              <a:buAutoNum type="arabicPeriod"/>
-            </a:pPr>
-            <a:r>
-              <a:rPr lang="en-US" b="0" i="0" dirty="0">
-                <a:solidFill>
-                  <a:srgbClr val="1D1C1D"/>
-                </a:solidFill>
-                <a:effectLst/>
-                <a:latin typeface="Slack-Lato"/>
-              </a:rPr>
-              <a:t>Syrian Civil War (2011-present): The conflict in Syria escalated in 2013 and has resulted in a devastating humanitarian crisis and regional instability.</a:t>
-            </a:r>
-          </a:p>
-          <a:p>
-            <a:pPr algn="l"/>
-            <a:endParaRPr lang="en-US" dirty="0">
-              <a:solidFill>
-                <a:srgbClr val="1D1C1D"/>
-              </a:solidFill>
-              <a:latin typeface="Slack-Lato"/>
-            </a:endParaRPr>
-          </a:p>
-          <a:p>
-            <a:pPr algn="l"/>
-            <a:r>
-              <a:rPr lang="en-US" b="0" i="0" dirty="0">
-                <a:solidFill>
-                  <a:srgbClr val="1D1C1D"/>
-                </a:solidFill>
-                <a:effectLst/>
-                <a:latin typeface="Slack-Lato"/>
-              </a:rPr>
-              <a:t>2.Ukraine Crisis (2013-2014): Protests erupted in Ukraine after the government rejected closer ties with the European Union, leading to political turmoil and the eventual annexation of Crimea by Russia.</a:t>
-            </a:r>
-          </a:p>
-          <a:p>
-            <a:pPr algn="l"/>
-            <a:endParaRPr lang="en-US" dirty="0">
-              <a:solidFill>
-                <a:srgbClr val="1D1C1D"/>
-              </a:solidFill>
-              <a:latin typeface="Slack-Lato"/>
-            </a:endParaRPr>
-          </a:p>
-          <a:p>
-            <a:pPr algn="l"/>
-            <a:r>
-              <a:rPr lang="en-US" b="0" i="0" dirty="0">
-                <a:solidFill>
-                  <a:srgbClr val="1D1C1D"/>
-                </a:solidFill>
-                <a:effectLst/>
-                <a:latin typeface="Slack-Lato"/>
-              </a:rPr>
-              <a:t>3.Ebola Outbreak (2014-2016): The Ebola virus outbreak in West Africa resulted in thousands of deaths and raised global concerns about public health preparedness.</a:t>
-            </a:r>
-          </a:p>
-          <a:p>
-            <a:pPr algn="l"/>
-            <a:endParaRPr lang="en-US" dirty="0">
-              <a:solidFill>
-                <a:srgbClr val="1D1C1D"/>
-              </a:solidFill>
-              <a:latin typeface="Slack-Lato"/>
-            </a:endParaRPr>
-          </a:p>
-          <a:p>
-            <a:pPr algn="l"/>
-            <a:r>
-              <a:rPr lang="en-US" dirty="0">
-                <a:solidFill>
-                  <a:srgbClr val="1D1C1D"/>
-                </a:solidFill>
-                <a:latin typeface="Slack-Lato"/>
-              </a:rPr>
-              <a:t>4.Bird Flu (2014-2015)(2022-2023)</a:t>
-            </a:r>
-          </a:p>
-          <a:p>
-            <a:pPr algn="l"/>
-            <a:endParaRPr lang="en-US" dirty="0">
-              <a:solidFill>
-                <a:srgbClr val="1D1C1D"/>
-              </a:solidFill>
-              <a:latin typeface="Slack-Lato"/>
-            </a:endParaRPr>
-          </a:p>
-          <a:p>
-            <a:pPr algn="l"/>
-            <a:r>
-              <a:rPr lang="en-US" b="0" i="0" dirty="0">
-                <a:solidFill>
-                  <a:srgbClr val="1D1C1D"/>
-                </a:solidFill>
-                <a:effectLst/>
-                <a:latin typeface="Slack-Lato"/>
-              </a:rPr>
-              <a:t>5.2014-2016 Oil Price Crash: In mid-2014, global oil prices began a steep decline. The price drop was attributed to a combination of factors, including a surge in global oil production, particularly from U.S. shale oil, slowing global economic growth, and a decision by OPEC (Organization of the Petroleum Exporting Countries) to maintain production levels rather than cut them. This led to an oversupply of oil in the market. As a result, oil prices fell from over $100 per barrel in mid-2014 to around $30 per barrel in early 2016.</a:t>
-            </a:r>
-          </a:p>
-        </p:txBody>
-      </p:sp>
-    </p:spTree>
-    <p:extLst>
-      <p:ext uri="{BB962C8B-B14F-4D97-AF65-F5344CB8AC3E}">
-        <p14:creationId xmlns:p14="http://schemas.microsoft.com/office/powerpoint/2010/main" val="3928039229"/>
-      </p:ext>
-    </p:extLst>
-  </p:cSld>
-  <p:clrMapOvr>
-    <a:masterClrMapping/>
-  </p:clrMapOvr>
-</p:sld>
-</file>
-
 <file path=ppt/slides/slide19.xml><?xml version="1.0" encoding="utf-8"?>
 <p:sld xmlns:a="http://schemas.openxmlformats.org/drawingml/2006/main" xmlns:r="http://schemas.openxmlformats.org/officeDocument/2006/relationships" xmlns:p="http://schemas.openxmlformats.org/presentationml/2006/main">
   <p:cSld>
@@ -8067,7 +13435,7 @@
         <p:spPr>
           <a:xfrm>
             <a:off x="658761" y="193363"/>
-            <a:ext cx="8423787" cy="6740307"/>
+            <a:ext cx="8423787" cy="8002191"/>
           </a:xfrm>
           <a:prstGeom prst="rect">
             <a:avLst/>
@@ -8081,16 +13449,338 @@
           <a:lstStyle/>
           <a:p>
             <a:pPr algn="l"/>
-            <a:r>
-              <a:rPr lang="en-US" b="0" i="0" dirty="0">
+            <a:endParaRPr lang="en-US" b="0" i="0" dirty="0">
+              <a:solidFill>
+                <a:srgbClr val="1D1C1D"/>
+              </a:solidFill>
+              <a:effectLst/>
+              <a:latin typeface="Slack-Lato"/>
+            </a:endParaRPr>
+          </a:p>
+          <a:p>
+            <a:r>
+              <a:rPr lang="en-US" b="1" dirty="0">
                 <a:solidFill>
                   <a:srgbClr val="1D1C1D"/>
                 </a:solidFill>
+                <a:latin typeface="Slack-Lato"/>
+              </a:rPr>
+              <a:t>Major influences</a:t>
+            </a:r>
+            <a:endParaRPr lang="en-US" b="1" i="0" dirty="0">
+              <a:solidFill>
+                <a:srgbClr val="1D1C1D"/>
+              </a:solidFill>
+              <a:effectLst/>
+              <a:latin typeface="Slack-Lato"/>
+            </a:endParaRPr>
+          </a:p>
+          <a:p>
+            <a:endParaRPr lang="en-US" b="0" i="0" dirty="0">
+              <a:solidFill>
+                <a:srgbClr val="1D1C1D"/>
+              </a:solidFill>
+              <a:effectLst/>
+              <a:latin typeface="Slack-Lato"/>
+            </a:endParaRPr>
+          </a:p>
+          <a:p>
+            <a:r>
+              <a:rPr lang="en-US" dirty="0">
+                <a:solidFill>
+                  <a:srgbClr val="1D1C1D"/>
+                </a:solidFill>
+                <a:latin typeface="Slack-Lato"/>
+              </a:rPr>
+              <a:t>1. </a:t>
+            </a:r>
+            <a:r>
+              <a:rPr lang="en-US" b="1" dirty="0">
+                <a:solidFill>
+                  <a:srgbClr val="1D1C1D"/>
+                </a:solidFill>
+                <a:latin typeface="Slack-Lato"/>
+              </a:rPr>
+              <a:t>Avian Flu </a:t>
+            </a:r>
+            <a:r>
+              <a:rPr lang="en-US" dirty="0">
+                <a:solidFill>
+                  <a:srgbClr val="1D1C1D"/>
+                </a:solidFill>
+                <a:latin typeface="Slack-Lato"/>
+              </a:rPr>
+              <a:t>(2014-2015)(2022-2023)</a:t>
+            </a:r>
+          </a:p>
+          <a:p>
+            <a:pPr marL="342900" indent="-342900">
+              <a:buAutoNum type="arabicPeriod"/>
+            </a:pPr>
+            <a:endParaRPr lang="en-US" dirty="0">
+              <a:solidFill>
+                <a:srgbClr val="1D1C1D"/>
+              </a:solidFill>
+              <a:latin typeface="Slack-Lato"/>
+            </a:endParaRPr>
+          </a:p>
+          <a:p>
+            <a:r>
+              <a:rPr lang="en-US" dirty="0">
+                <a:solidFill>
+                  <a:srgbClr val="1D1C1D"/>
+                </a:solidFill>
+                <a:latin typeface="Slack-Lato"/>
+              </a:rPr>
+              <a:t>2</a:t>
+            </a:r>
+            <a:r>
+              <a:rPr lang="en-US" sz="1800" dirty="0">
+                <a:solidFill>
+                  <a:srgbClr val="1D1C1D"/>
+                </a:solidFill>
+                <a:latin typeface="Slack-Lato"/>
+              </a:rPr>
+              <a:t>. </a:t>
+            </a:r>
+            <a:r>
+              <a:rPr lang="en-US" sz="1800" b="1" dirty="0">
+                <a:solidFill>
+                  <a:srgbClr val="1D1C1D"/>
+                </a:solidFill>
+                <a:latin typeface="Slack-Lato"/>
+              </a:rPr>
+              <a:t>Ever Given </a:t>
+            </a:r>
+            <a:r>
+              <a:rPr lang="en-US" sz="1800" dirty="0">
+                <a:solidFill>
+                  <a:srgbClr val="1D1C1D"/>
+                </a:solidFill>
+                <a:latin typeface="Slack-Lato"/>
+              </a:rPr>
+              <a:t>(March 2021): While traveling from </a:t>
+            </a:r>
+            <a:r>
+              <a:rPr lang="en-US" sz="1800" dirty="0" err="1">
+                <a:solidFill>
+                  <a:srgbClr val="1D1C1D"/>
+                </a:solidFill>
+                <a:latin typeface="Slack-Lato"/>
+              </a:rPr>
+              <a:t>Tanjung</a:t>
+            </a:r>
+            <a:r>
+              <a:rPr lang="en-US" sz="1800" dirty="0">
+                <a:solidFill>
+                  <a:srgbClr val="1D1C1D"/>
+                </a:solidFill>
+                <a:latin typeface="Slack-Lato"/>
+              </a:rPr>
+              <a:t> Pelepas in Malaysia[9] to Rotterdam in the Netherlands under Captain Krishnan </a:t>
+            </a:r>
+            <a:r>
+              <a:rPr lang="en-US" sz="1800" dirty="0" err="1">
+                <a:solidFill>
+                  <a:srgbClr val="1D1C1D"/>
+                </a:solidFill>
+                <a:latin typeface="Slack-Lato"/>
+              </a:rPr>
+              <a:t>Kanthavel</a:t>
+            </a:r>
+            <a:r>
+              <a:rPr lang="en-US" sz="1800" dirty="0">
+                <a:solidFill>
+                  <a:srgbClr val="1D1C1D"/>
+                </a:solidFill>
+                <a:latin typeface="Slack-Lato"/>
+              </a:rPr>
+              <a:t>, the ship ran aground in the Suez Canal, blocking the channel. The Suez canal handles approximately 12% of global trade.</a:t>
+            </a:r>
+          </a:p>
+          <a:p>
+            <a:endParaRPr lang="en-US" b="0" i="0" dirty="0">
+              <a:solidFill>
+                <a:srgbClr val="1D1C1D"/>
+              </a:solidFill>
+              <a:effectLst/>
+              <a:latin typeface="Slack-Lato"/>
+            </a:endParaRPr>
+          </a:p>
+          <a:p>
+            <a:r>
+              <a:rPr lang="en-US" dirty="0">
+                <a:solidFill>
+                  <a:srgbClr val="1D1C1D"/>
+                </a:solidFill>
+                <a:latin typeface="Slack-Lato"/>
+              </a:rPr>
+              <a:t>3</a:t>
+            </a:r>
+            <a:r>
+              <a:rPr lang="en-US" sz="1800" b="0" i="0" dirty="0">
+                <a:solidFill>
+                  <a:srgbClr val="1D1C1D"/>
+                </a:solidFill>
                 <a:effectLst/>
                 <a:latin typeface="Slack-Lato"/>
               </a:rPr>
-              <a:t>6.Paris Climate Agreement (2015): The international climate agreement was adopted by nearly 200 countries, aiming to combat climate change and limit global warming.</a:t>
-            </a:r>
+              <a:t>. </a:t>
+            </a:r>
+            <a:r>
+              <a:rPr lang="en-US" sz="1800" b="1" i="0" dirty="0">
+                <a:solidFill>
+                  <a:srgbClr val="1D1C1D"/>
+                </a:solidFill>
+                <a:effectLst/>
+                <a:latin typeface="Slack-Lato"/>
+              </a:rPr>
+              <a:t>COVID-19 Pandemic</a:t>
+            </a:r>
+            <a:r>
+              <a:rPr lang="en-US" sz="1800" b="0" i="0" dirty="0">
+                <a:solidFill>
+                  <a:srgbClr val="1D1C1D"/>
+                </a:solidFill>
+                <a:effectLst/>
+                <a:latin typeface="Slack-Lato"/>
+              </a:rPr>
+              <a:t> (2019-present): The coronavirus disease pandemic caused by the novel coronavirus (SARS-CoV-2) has had a significant global impact, resulting in millions of infections and deaths, as well as widespread social and economic disruptions.</a:t>
+            </a:r>
+          </a:p>
+          <a:p>
+            <a:endParaRPr lang="en-US" dirty="0">
+              <a:solidFill>
+                <a:srgbClr val="1D1C1D"/>
+              </a:solidFill>
+              <a:latin typeface="Slack-Lato"/>
+            </a:endParaRPr>
+          </a:p>
+          <a:p>
+            <a:endParaRPr lang="en-US" sz="1800" b="0" i="0" dirty="0">
+              <a:solidFill>
+                <a:srgbClr val="1D1C1D"/>
+              </a:solidFill>
+              <a:effectLst/>
+              <a:latin typeface="Slack-Lato"/>
+            </a:endParaRPr>
+          </a:p>
+          <a:p>
+            <a:endParaRPr lang="en-US" dirty="0">
+              <a:solidFill>
+                <a:srgbClr val="1D1C1D"/>
+              </a:solidFill>
+              <a:latin typeface="Slack-Lato"/>
+            </a:endParaRPr>
+          </a:p>
+          <a:p>
+            <a:r>
+              <a:rPr lang="en-US" sz="1800" b="0" i="0" dirty="0">
+                <a:solidFill>
+                  <a:srgbClr val="1D1C1D"/>
+                </a:solidFill>
+                <a:effectLst/>
+                <a:latin typeface="Slack-Lato"/>
+              </a:rPr>
+              <a:t>Other datasets are surprisingly consistent (such as </a:t>
+            </a:r>
+            <a:r>
+              <a:rPr lang="en-US" sz="1800" b="1" i="0" dirty="0">
+                <a:solidFill>
+                  <a:srgbClr val="1D1C1D"/>
+                </a:solidFill>
+                <a:effectLst/>
+                <a:latin typeface="Slack-Lato"/>
+              </a:rPr>
+              <a:t>shelter</a:t>
+            </a:r>
+            <a:r>
+              <a:rPr lang="en-US" sz="1800" b="0" i="0" dirty="0">
+                <a:solidFill>
+                  <a:srgbClr val="1D1C1D"/>
+                </a:solidFill>
+                <a:effectLst/>
+                <a:latin typeface="Slack-Lato"/>
+              </a:rPr>
+              <a:t>).</a:t>
+            </a:r>
+          </a:p>
+          <a:p>
+            <a:endParaRPr lang="en-US" dirty="0">
+              <a:solidFill>
+                <a:srgbClr val="1D1C1D"/>
+              </a:solidFill>
+              <a:latin typeface="Slack-Lato"/>
+            </a:endParaRPr>
+          </a:p>
+          <a:p>
+            <a:endParaRPr lang="en-US" sz="1800" b="0" i="0" dirty="0">
+              <a:solidFill>
+                <a:srgbClr val="1D1C1D"/>
+              </a:solidFill>
+              <a:effectLst/>
+              <a:latin typeface="Slack-Lato"/>
+            </a:endParaRPr>
+          </a:p>
+          <a:p>
+            <a:endParaRPr lang="en-US" sz="1800" b="0" i="0" dirty="0">
+              <a:solidFill>
+                <a:srgbClr val="1D1C1D"/>
+              </a:solidFill>
+              <a:effectLst/>
+              <a:latin typeface="Slack-Lato"/>
+            </a:endParaRPr>
+          </a:p>
+          <a:p>
+            <a:endParaRPr lang="en-US" sz="1400" dirty="0">
+              <a:solidFill>
+                <a:srgbClr val="1D1C1D"/>
+              </a:solidFill>
+              <a:latin typeface="Slack-Lato"/>
+            </a:endParaRPr>
+          </a:p>
+          <a:p>
+            <a:endParaRPr lang="en-US" sz="1400" dirty="0">
+              <a:solidFill>
+                <a:srgbClr val="1D1C1D"/>
+              </a:solidFill>
+              <a:latin typeface="Slack-Lato"/>
+            </a:endParaRPr>
+          </a:p>
+          <a:p>
+            <a:endParaRPr lang="en-US" b="0" i="0" dirty="0">
+              <a:solidFill>
+                <a:srgbClr val="1D1C1D"/>
+              </a:solidFill>
+              <a:effectLst/>
+              <a:latin typeface="Slack-Lato"/>
+            </a:endParaRPr>
+          </a:p>
+          <a:p>
+            <a:endParaRPr lang="en-US" dirty="0">
+              <a:solidFill>
+                <a:srgbClr val="1D1C1D"/>
+              </a:solidFill>
+              <a:latin typeface="Slack-Lato"/>
+            </a:endParaRPr>
+          </a:p>
+          <a:p>
+            <a:pPr algn="l"/>
+            <a:endParaRPr lang="en-US" dirty="0">
+              <a:solidFill>
+                <a:srgbClr val="1D1C1D"/>
+              </a:solidFill>
+              <a:latin typeface="Slack-Lato"/>
+            </a:endParaRPr>
+          </a:p>
+          <a:p>
+            <a:pPr algn="l"/>
+            <a:endParaRPr lang="en-US" dirty="0">
+              <a:solidFill>
+                <a:srgbClr val="1D1C1D"/>
+              </a:solidFill>
+              <a:latin typeface="Slack-Lato"/>
+            </a:endParaRPr>
           </a:p>
           <a:p>
             <a:pPr algn="l"/>
@@ -8104,25 +13794,13 @@
           </a:p>
           <a:p>
             <a:pPr algn="l"/>
-            <a:r>
-              <a:rPr lang="en-US" dirty="0">
-                <a:solidFill>
-                  <a:srgbClr val="1D1C1D"/>
-                </a:solidFill>
-                <a:latin typeface="Slack-Lato"/>
-              </a:rPr>
-              <a:t>7.</a:t>
-            </a:r>
-            <a:r>
-              <a:rPr lang="en-US" b="0" i="0" dirty="0">
-                <a:solidFill>
-                  <a:srgbClr val="1D1C1D"/>
-                </a:solidFill>
-                <a:effectLst/>
-                <a:latin typeface="Slack-Lato"/>
-              </a:rPr>
-              <a:t>Brexit Referendum (2016): The United Kingdom held a referendum on leaving the European Union, resulting in a majority vote in favor of Brexit.</a:t>
-            </a:r>
+            <a:endParaRPr lang="en-US" b="0" i="0" dirty="0">
+              <a:solidFill>
+                <a:srgbClr val="1D1C1D"/>
+              </a:solidFill>
+              <a:effectLst/>
+              <a:latin typeface="Slack-Lato"/>
+            </a:endParaRPr>
           </a:p>
           <a:p>
             <a:pPr algn="l"/>
@@ -8134,125 +13812,12 @@
               <a:latin typeface="Slack-Lato"/>
             </a:endParaRPr>
           </a:p>
-          <a:p>
-            <a:pPr algn="l"/>
-            <a:r>
-              <a:rPr lang="en-US" b="0" i="0" dirty="0">
-                <a:solidFill>
-                  <a:srgbClr val="1D1C1D"/>
-                </a:solidFill>
-                <a:effectLst/>
-                <a:latin typeface="Slack-Lato"/>
-              </a:rPr>
-              <a:t>8.U.S. Presidential Election (2016): Donald Trump, a Republican candidate, was elected as the 45th President of the United States, defeating Hillary Clinton.</a:t>
-            </a:r>
-          </a:p>
-          <a:p>
-            <a:pPr algn="l"/>
-            <a:endParaRPr lang="en-US" b="0" i="0" dirty="0">
-              <a:solidFill>
-                <a:srgbClr val="1D1C1D"/>
-              </a:solidFill>
-              <a:effectLst/>
-              <a:latin typeface="Slack-Lato"/>
-            </a:endParaRPr>
-          </a:p>
-          <a:p>
-            <a:pPr algn="l"/>
-            <a:r>
-              <a:rPr lang="en-US" b="0" i="0" dirty="0">
-                <a:solidFill>
-                  <a:srgbClr val="1D1C1D"/>
-                </a:solidFill>
-                <a:effectLst/>
-                <a:latin typeface="Slack-Lato"/>
-              </a:rPr>
-              <a:t>10.Rohingya Crisis (2017-present): The persecution of Rohingya Muslims in Myanmar led to a massive refugee crisis, with thousands fleeing to neighboring Bangladesh.</a:t>
-            </a:r>
-          </a:p>
-          <a:p>
-            <a:pPr algn="l"/>
-            <a:endParaRPr lang="en-US" b="0" i="0" dirty="0">
-              <a:solidFill>
-                <a:srgbClr val="1D1C1D"/>
-              </a:solidFill>
-              <a:effectLst/>
-              <a:latin typeface="Slack-Lato"/>
-            </a:endParaRPr>
-          </a:p>
-          <a:p>
-            <a:pPr algn="l"/>
-            <a:r>
-              <a:rPr lang="en-US" b="0" i="0" dirty="0">
-                <a:solidFill>
-                  <a:srgbClr val="1D1C1D"/>
-                </a:solidFill>
-                <a:effectLst/>
-                <a:latin typeface="Slack-Lato"/>
-              </a:rPr>
-              <a:t>11.North Korea Nuclear Crisis (2017-2018): North Korea conducted several missile tests and engaged in a war of words with the United States, raising concerns about nuclear weapons proliferation.</a:t>
-            </a:r>
-          </a:p>
-          <a:p>
-            <a:pPr algn="l"/>
-            <a:endParaRPr lang="en-US" b="0" i="0" dirty="0">
-              <a:solidFill>
-                <a:srgbClr val="1D1C1D"/>
-              </a:solidFill>
-              <a:effectLst/>
-              <a:latin typeface="Slack-Lato"/>
-            </a:endParaRPr>
-          </a:p>
-          <a:p>
-            <a:pPr algn="l"/>
-            <a:r>
-              <a:rPr lang="en-US" b="0" i="0" dirty="0">
-                <a:solidFill>
-                  <a:srgbClr val="1D1C1D"/>
-                </a:solidFill>
-                <a:effectLst/>
-                <a:latin typeface="Slack-Lato"/>
-              </a:rPr>
-              <a:t>12.COVID-19 Pandemic (2019-present): The coronavirus disease pandemic caused by the novel coronavirus (SARS-CoV-2) has had a significant global impact, resulting in millions of infections and deaths, as well as widespread social and economic disruptions.</a:t>
-            </a:r>
-          </a:p>
-          <a:p>
-            <a:pPr algn="l"/>
-            <a:endParaRPr lang="en-US" b="0" i="0" dirty="0">
-              <a:solidFill>
-                <a:srgbClr val="1D1C1D"/>
-              </a:solidFill>
-              <a:effectLst/>
-              <a:latin typeface="Slack-Lato"/>
-            </a:endParaRPr>
-          </a:p>
-          <a:p>
-            <a:r>
-              <a:rPr lang="en-US" dirty="0">
-                <a:solidFill>
-                  <a:srgbClr val="1D1C1D"/>
-                </a:solidFill>
-                <a:latin typeface="Slack-Lato"/>
-              </a:rPr>
-              <a:t>13.Black Lives Matter Protests (2020-present): Following the killing of George Floyd by a police officer in Minneapolis, protests against racial inequality and police brutality spread across the United States and around the world.</a:t>
-            </a:r>
-          </a:p>
-          <a:p>
-            <a:pPr algn="l"/>
-            <a:endParaRPr lang="en-US" b="0" i="0" dirty="0">
-              <a:solidFill>
-                <a:srgbClr val="1D1C1D"/>
-              </a:solidFill>
-              <a:effectLst/>
-              <a:latin typeface="Slack-Lato"/>
-            </a:endParaRPr>
-          </a:p>
         </p:txBody>
       </p:sp>
     </p:spTree>
     <p:extLst>
       <p:ext uri="{BB962C8B-B14F-4D97-AF65-F5344CB8AC3E}">
-        <p14:creationId xmlns:p14="http://schemas.microsoft.com/office/powerpoint/2010/main" val="2528522402"/>
+        <p14:creationId xmlns:p14="http://schemas.microsoft.com/office/powerpoint/2010/main" val="1767071921"/>
       </p:ext>
     </p:extLst>
   </p:cSld>
@@ -8999,13 +14564,13 @@
           <p:nvPr/>
         </p:nvPicPr>
         <p:blipFill rotWithShape="1">
-          <a:blip r:embed="rId2"/>
+          <a:blip r:embed="rId3"/>
           <a:srcRect l="9091" t="3934" b="23533"/>
           <a:stretch/>
         </p:blipFill>
         <p:spPr>
           <a:xfrm>
-            <a:off x="20" y="2"/>
+            <a:off x="21" y="2"/>
             <a:ext cx="12191979" cy="6857998"/>
           </a:xfrm>
           <a:prstGeom prst="rect">
@@ -9497,12 +15062,8 @@
               </a:lnSpc>
             </a:pPr>
             <a:r>
-              <a:rPr lang="en-US" sz="3800" dirty="0" err="1"/>
-              <a:t>Hypothsis</a:t>
-            </a:r>
-            <a:r>
               <a:rPr lang="en-US" sz="3800" dirty="0"/>
-              <a:t>: World Events adversely affected prices of products and goods.</a:t>
+              <a:t>Hypothesis: World Events have significant affects on prices of products and goods.</a:t>
             </a:r>
           </a:p>
         </p:txBody>
@@ -9821,6 +15382,1339 @@
 </p:sld>
 </file>
 
+<file path=ppt/slides/slide20.xml><?xml version="1.0" encoding="utf-8"?>
+<p:sld xmlns:a="http://schemas.openxmlformats.org/drawingml/2006/main" xmlns:r="http://schemas.openxmlformats.org/officeDocument/2006/relationships" xmlns:p="http://schemas.openxmlformats.org/presentationml/2006/main">
+  <p:cSld>
+    <p:spTree>
+      <p:nvGrpSpPr>
+        <p:cNvPr id="1" name=""/>
+        <p:cNvGrpSpPr/>
+        <p:nvPr/>
+      </p:nvGrpSpPr>
+      <p:grpSpPr>
+        <a:xfrm>
+          <a:off x="0" y="0"/>
+          <a:ext cx="0" cy="0"/>
+          <a:chOff x="0" y="0"/>
+          <a:chExt cx="0" cy="0"/>
+        </a:xfrm>
+      </p:grpSpPr>
+      <p:sp>
+        <p:nvSpPr>
+          <p:cNvPr id="2" name="Title 1">
+            <a:extLst>
+              <a:ext uri="{FF2B5EF4-FFF2-40B4-BE49-F238E27FC236}">
+                <a16:creationId xmlns:a16="http://schemas.microsoft.com/office/drawing/2014/main" id="{15E1121D-6638-09CE-6B9B-9500ABC1BFE7}"/>
+              </a:ext>
+            </a:extLst>
+          </p:cNvPr>
+          <p:cNvSpPr>
+            <a:spLocks noGrp="1"/>
+          </p:cNvSpPr>
+          <p:nvPr>
+            <p:ph type="title"/>
+          </p:nvPr>
+        </p:nvSpPr>
+        <p:spPr>
+          <a:xfrm>
+            <a:off x="864693" y="4965851"/>
+            <a:ext cx="8497254" cy="1474278"/>
+          </a:xfrm>
+        </p:spPr>
+        <p:txBody>
+          <a:bodyPr>
+            <a:noAutofit/>
+          </a:bodyPr>
+          <a:lstStyle/>
+          <a:p>
+            <a:r>
+              <a:rPr lang="en-US" sz="1800" dirty="0">
+                <a:solidFill>
+                  <a:schemeClr val="accent2">
+                    <a:lumMod val="60000"/>
+                    <a:lumOff val="40000"/>
+                  </a:schemeClr>
+                </a:solidFill>
+              </a:rPr>
+              <a:t>Egg Prices</a:t>
+            </a:r>
+            <a:br>
+              <a:rPr lang="en-US" sz="1800" dirty="0">
+                <a:solidFill>
+                  <a:schemeClr val="accent2">
+                    <a:lumMod val="60000"/>
+                    <a:lumOff val="40000"/>
+                  </a:schemeClr>
+                </a:solidFill>
+              </a:rPr>
+            </a:br>
+            <a:r>
+              <a:rPr lang="en-US" sz="1800" dirty="0">
+                <a:solidFill>
+                  <a:schemeClr val="accent2">
+                    <a:lumMod val="60000"/>
+                    <a:lumOff val="40000"/>
+                  </a:schemeClr>
+                </a:solidFill>
+              </a:rPr>
+              <a:t>Shelter (rent) Prices</a:t>
+            </a:r>
+            <a:br>
+              <a:rPr lang="en-US" sz="1800" dirty="0">
+                <a:solidFill>
+                  <a:schemeClr val="accent2">
+                    <a:lumMod val="60000"/>
+                    <a:lumOff val="40000"/>
+                  </a:schemeClr>
+                </a:solidFill>
+              </a:rPr>
+            </a:br>
+            <a:r>
+              <a:rPr lang="en-US" sz="1800" dirty="0">
+                <a:solidFill>
+                  <a:schemeClr val="accent2">
+                    <a:lumMod val="60000"/>
+                    <a:lumOff val="40000"/>
+                  </a:schemeClr>
+                </a:solidFill>
+              </a:rPr>
+              <a:t>Television Prices</a:t>
+            </a:r>
+            <a:endParaRPr lang="en-US" sz="1800" dirty="0"/>
+          </a:p>
+        </p:txBody>
+      </p:sp>
+      <p:pic>
+        <p:nvPicPr>
+          <p:cNvPr id="6" name="Picture 5">
+            <a:extLst>
+              <a:ext uri="{FF2B5EF4-FFF2-40B4-BE49-F238E27FC236}">
+                <a16:creationId xmlns:a16="http://schemas.microsoft.com/office/drawing/2014/main" id="{3D0BAB89-B3FB-0EEE-2167-56D6BA776EAC}"/>
+              </a:ext>
+            </a:extLst>
+          </p:cNvPr>
+          <p:cNvPicPr>
+            <a:picLocks noChangeAspect="1"/>
+          </p:cNvPicPr>
+          <p:nvPr/>
+        </p:nvPicPr>
+        <p:blipFill>
+          <a:blip r:embed="rId3">
+            <a:extLst>
+              <a:ext uri="{28A0092B-C50C-407E-A947-70E740481C1C}">
+                <a14:useLocalDpi xmlns:a14="http://schemas.microsoft.com/office/drawing/2010/main" val="0"/>
+              </a:ext>
+            </a:extLst>
+          </a:blip>
+          <a:srcRect/>
+          <a:stretch/>
+        </p:blipFill>
+        <p:spPr>
+          <a:xfrm>
+            <a:off x="192737" y="-153383"/>
+            <a:ext cx="10523199" cy="5268614"/>
+          </a:xfrm>
+          <a:prstGeom prst="rect">
+            <a:avLst/>
+          </a:prstGeom>
+        </p:spPr>
+      </p:pic>
+    </p:spTree>
+    <p:extLst>
+      <p:ext uri="{BB962C8B-B14F-4D97-AF65-F5344CB8AC3E}">
+        <p14:creationId xmlns:p14="http://schemas.microsoft.com/office/powerpoint/2010/main" val="4117965409"/>
+      </p:ext>
+    </p:extLst>
+  </p:cSld>
+  <p:clrMapOvr>
+    <a:masterClrMapping/>
+  </p:clrMapOvr>
+</p:sld>
+</file>
+
+<file path=ppt/slides/slide21.xml><?xml version="1.0" encoding="utf-8"?>
+<p:sld xmlns:a="http://schemas.openxmlformats.org/drawingml/2006/main" xmlns:r="http://schemas.openxmlformats.org/officeDocument/2006/relationships" xmlns:p="http://schemas.openxmlformats.org/presentationml/2006/main">
+  <p:cSld>
+    <p:spTree>
+      <p:nvGrpSpPr>
+        <p:cNvPr id="1" name=""/>
+        <p:cNvGrpSpPr/>
+        <p:nvPr/>
+      </p:nvGrpSpPr>
+      <p:grpSpPr>
+        <a:xfrm>
+          <a:off x="0" y="0"/>
+          <a:ext cx="0" cy="0"/>
+          <a:chOff x="0" y="0"/>
+          <a:chExt cx="0" cy="0"/>
+        </a:xfrm>
+      </p:grpSpPr>
+      <p:sp>
+        <p:nvSpPr>
+          <p:cNvPr id="2" name="Title 1">
+            <a:extLst>
+              <a:ext uri="{FF2B5EF4-FFF2-40B4-BE49-F238E27FC236}">
+                <a16:creationId xmlns:a16="http://schemas.microsoft.com/office/drawing/2014/main" id="{9CE2DD15-77EC-FC7A-71B4-2AECDE9FB3FD}"/>
+              </a:ext>
+            </a:extLst>
+          </p:cNvPr>
+          <p:cNvSpPr>
+            <a:spLocks noGrp="1"/>
+          </p:cNvSpPr>
+          <p:nvPr>
+            <p:ph type="title"/>
+          </p:nvPr>
+        </p:nvSpPr>
+        <p:spPr>
+          <a:xfrm>
+            <a:off x="677334" y="5380962"/>
+            <a:ext cx="8596668" cy="1320800"/>
+          </a:xfrm>
+        </p:spPr>
+        <p:txBody>
+          <a:bodyPr/>
+          <a:lstStyle/>
+          <a:p>
+            <a:r>
+              <a:rPr lang="en-US" sz="3600" kern="1200" dirty="0">
+                <a:solidFill>
+                  <a:schemeClr val="accent1"/>
+                </a:solidFill>
+                <a:latin typeface="+mj-lt"/>
+                <a:ea typeface="+mj-ea"/>
+                <a:cs typeface="+mj-cs"/>
+              </a:rPr>
+              <a:t>3 Month Percent Change</a:t>
+            </a:r>
+            <a:endParaRPr lang="en-US" dirty="0"/>
+          </a:p>
+        </p:txBody>
+      </p:sp>
+      <p:pic>
+        <p:nvPicPr>
+          <p:cNvPr id="6" name="Picture 5">
+            <a:extLst>
+              <a:ext uri="{FF2B5EF4-FFF2-40B4-BE49-F238E27FC236}">
+                <a16:creationId xmlns:a16="http://schemas.microsoft.com/office/drawing/2014/main" id="{97531503-C43E-EE81-806C-BF0BF9D0F0EE}"/>
+              </a:ext>
+            </a:extLst>
+          </p:cNvPr>
+          <p:cNvPicPr>
+            <a:picLocks noChangeAspect="1"/>
+          </p:cNvPicPr>
+          <p:nvPr/>
+        </p:nvPicPr>
+        <p:blipFill>
+          <a:blip r:embed="rId3">
+            <a:extLst>
+              <a:ext uri="{28A0092B-C50C-407E-A947-70E740481C1C}">
+                <a14:useLocalDpi xmlns:a14="http://schemas.microsoft.com/office/drawing/2010/main" val="0"/>
+              </a:ext>
+            </a:extLst>
+          </a:blip>
+          <a:srcRect/>
+          <a:stretch/>
+        </p:blipFill>
+        <p:spPr>
+          <a:xfrm>
+            <a:off x="192737" y="-153383"/>
+            <a:ext cx="10523199" cy="5268614"/>
+          </a:xfrm>
+          <a:prstGeom prst="rect">
+            <a:avLst/>
+          </a:prstGeom>
+        </p:spPr>
+      </p:pic>
+    </p:spTree>
+    <p:extLst>
+      <p:ext uri="{BB962C8B-B14F-4D97-AF65-F5344CB8AC3E}">
+        <p14:creationId xmlns:p14="http://schemas.microsoft.com/office/powerpoint/2010/main" val="3630406658"/>
+      </p:ext>
+    </p:extLst>
+  </p:cSld>
+  <p:clrMapOvr>
+    <a:masterClrMapping/>
+  </p:clrMapOvr>
+</p:sld>
+</file>
+
+<file path=ppt/slides/slide22.xml><?xml version="1.0" encoding="utf-8"?>
+<p:sld xmlns:a="http://schemas.openxmlformats.org/drawingml/2006/main" xmlns:r="http://schemas.openxmlformats.org/officeDocument/2006/relationships" xmlns:p="http://schemas.openxmlformats.org/presentationml/2006/main">
+  <p:cSld>
+    <p:spTree>
+      <p:nvGrpSpPr>
+        <p:cNvPr id="1" name=""/>
+        <p:cNvGrpSpPr/>
+        <p:nvPr/>
+      </p:nvGrpSpPr>
+      <p:grpSpPr>
+        <a:xfrm>
+          <a:off x="0" y="0"/>
+          <a:ext cx="0" cy="0"/>
+          <a:chOff x="0" y="0"/>
+          <a:chExt cx="0" cy="0"/>
+        </a:xfrm>
+      </p:grpSpPr>
+      <p:sp>
+        <p:nvSpPr>
+          <p:cNvPr id="2" name="Title 1">
+            <a:extLst>
+              <a:ext uri="{FF2B5EF4-FFF2-40B4-BE49-F238E27FC236}">
+                <a16:creationId xmlns:a16="http://schemas.microsoft.com/office/drawing/2014/main" id="{940003BC-D5F5-44F6-FCA2-BE948FA81A2E}"/>
+              </a:ext>
+            </a:extLst>
+          </p:cNvPr>
+          <p:cNvSpPr>
+            <a:spLocks noGrp="1"/>
+          </p:cNvSpPr>
+          <p:nvPr>
+            <p:ph type="title"/>
+          </p:nvPr>
+        </p:nvSpPr>
+        <p:spPr>
+          <a:xfrm>
+            <a:off x="677334" y="609600"/>
+            <a:ext cx="8596668" cy="442452"/>
+          </a:xfrm>
+        </p:spPr>
+        <p:txBody>
+          <a:bodyPr>
+            <a:normAutofit fontScale="90000"/>
+          </a:bodyPr>
+          <a:lstStyle/>
+          <a:p>
+            <a:r>
+              <a:rPr lang="en-US" dirty="0"/>
+              <a:t>Volatility Comparison</a:t>
+            </a:r>
+          </a:p>
+        </p:txBody>
+      </p:sp>
+      <p:pic>
+        <p:nvPicPr>
+          <p:cNvPr id="7" name="Content Placeholder 6" descr="A picture containing darkness, black, sky, night&#10;&#10;Description automatically generated">
+            <a:extLst>
+              <a:ext uri="{FF2B5EF4-FFF2-40B4-BE49-F238E27FC236}">
+                <a16:creationId xmlns:a16="http://schemas.microsoft.com/office/drawing/2014/main" id="{D3E8082F-1CD8-B7FE-4682-DD6B0FFD5453}"/>
+              </a:ext>
+            </a:extLst>
+          </p:cNvPr>
+          <p:cNvPicPr>
+            <a:picLocks noGrp="1" noChangeAspect="1"/>
+          </p:cNvPicPr>
+          <p:nvPr>
+            <p:ph idx="1"/>
+          </p:nvPr>
+        </p:nvPicPr>
+        <p:blipFill>
+          <a:blip r:embed="rId3">
+            <a:extLst>
+              <a:ext uri="{28A0092B-C50C-407E-A947-70E740481C1C}">
+                <a14:useLocalDpi xmlns:a14="http://schemas.microsoft.com/office/drawing/2010/main" val="0"/>
+              </a:ext>
+            </a:extLst>
+          </a:blip>
+          <a:stretch>
+            <a:fillRect/>
+          </a:stretch>
+        </p:blipFill>
+        <p:spPr>
+          <a:xfrm>
+            <a:off x="632408" y="1362751"/>
+            <a:ext cx="9017992" cy="5410795"/>
+          </a:xfrm>
+        </p:spPr>
+      </p:pic>
+    </p:spTree>
+    <p:extLst>
+      <p:ext uri="{BB962C8B-B14F-4D97-AF65-F5344CB8AC3E}">
+        <p14:creationId xmlns:p14="http://schemas.microsoft.com/office/powerpoint/2010/main" val="2651104295"/>
+      </p:ext>
+    </p:extLst>
+  </p:cSld>
+  <p:clrMapOvr>
+    <a:masterClrMapping/>
+  </p:clrMapOvr>
+</p:sld>
+</file>
+
+<file path=ppt/slides/slide23.xml><?xml version="1.0" encoding="utf-8"?>
+<p:sld xmlns:a="http://schemas.openxmlformats.org/drawingml/2006/main" xmlns:r="http://schemas.openxmlformats.org/officeDocument/2006/relationships" xmlns:p="http://schemas.openxmlformats.org/presentationml/2006/main">
+  <p:cSld>
+    <p:spTree>
+      <p:nvGrpSpPr>
+        <p:cNvPr id="1" name=""/>
+        <p:cNvGrpSpPr/>
+        <p:nvPr/>
+      </p:nvGrpSpPr>
+      <p:grpSpPr>
+        <a:xfrm>
+          <a:off x="0" y="0"/>
+          <a:ext cx="0" cy="0"/>
+          <a:chOff x="0" y="0"/>
+          <a:chExt cx="0" cy="0"/>
+        </a:xfrm>
+      </p:grpSpPr>
+      <p:sp>
+        <p:nvSpPr>
+          <p:cNvPr id="7" name="TextBox 6">
+            <a:extLst>
+              <a:ext uri="{FF2B5EF4-FFF2-40B4-BE49-F238E27FC236}">
+                <a16:creationId xmlns:a16="http://schemas.microsoft.com/office/drawing/2014/main" id="{11BE5035-3C06-5AB8-DE0D-B8B26E4A0516}"/>
+              </a:ext>
+            </a:extLst>
+          </p:cNvPr>
+          <p:cNvSpPr txBox="1"/>
+          <p:nvPr/>
+        </p:nvSpPr>
+        <p:spPr>
+          <a:xfrm>
+            <a:off x="735165" y="1220803"/>
+            <a:ext cx="8512277" cy="5047536"/>
+          </a:xfrm>
+          <a:prstGeom prst="rect">
+            <a:avLst/>
+          </a:prstGeom>
+          <a:noFill/>
+        </p:spPr>
+        <p:txBody>
+          <a:bodyPr wrap="square">
+            <a:spAutoFit/>
+          </a:bodyPr>
+          <a:lstStyle/>
+          <a:p>
+            <a:pPr marL="285750" indent="-285750" algn="l">
+              <a:buFont typeface="Arial" panose="020B0604020202020204" pitchFamily="34" charset="0"/>
+              <a:buChar char="•"/>
+            </a:pPr>
+            <a:r>
+              <a:rPr lang="en-US" sz="1400" b="0" i="0" dirty="0">
+                <a:solidFill>
+                  <a:srgbClr val="1D1C1D"/>
+                </a:solidFill>
+                <a:effectLst/>
+                <a:latin typeface="Slack-Lato"/>
+              </a:rPr>
+              <a:t>Syrian Civil War (2011-present): The conflict in Syria escalated in 2013 and has resulted in a devastating humanitarian crisis and regional instability.</a:t>
+            </a:r>
+          </a:p>
+          <a:p>
+            <a:pPr marL="285750" indent="-285750" algn="l">
+              <a:buFont typeface="Arial" panose="020B0604020202020204" pitchFamily="34" charset="0"/>
+              <a:buChar char="•"/>
+            </a:pPr>
+            <a:endParaRPr lang="en-US" sz="1400" dirty="0">
+              <a:solidFill>
+                <a:srgbClr val="1D1C1D"/>
+              </a:solidFill>
+              <a:latin typeface="Slack-Lato"/>
+            </a:endParaRPr>
+          </a:p>
+          <a:p>
+            <a:pPr marL="285750" indent="-285750" algn="l">
+              <a:buFont typeface="Arial" panose="020B0604020202020204" pitchFamily="34" charset="0"/>
+              <a:buChar char="•"/>
+            </a:pPr>
+            <a:r>
+              <a:rPr lang="en-US" sz="1400" b="0" i="0" dirty="0">
+                <a:solidFill>
+                  <a:srgbClr val="1D1C1D"/>
+                </a:solidFill>
+                <a:effectLst/>
+                <a:latin typeface="Slack-Lato"/>
+              </a:rPr>
+              <a:t>Ukraine Crisis (2013-2014): Protests erupted in Ukraine after the government rejected closer ties with the European Union, leading to political turmoil and the eventual annexation of Crimea by Russia.</a:t>
+            </a:r>
+          </a:p>
+          <a:p>
+            <a:pPr marL="285750" indent="-285750" algn="l">
+              <a:buFont typeface="Arial" panose="020B0604020202020204" pitchFamily="34" charset="0"/>
+              <a:buChar char="•"/>
+            </a:pPr>
+            <a:endParaRPr lang="en-US" sz="1400" dirty="0">
+              <a:solidFill>
+                <a:srgbClr val="1D1C1D"/>
+              </a:solidFill>
+              <a:latin typeface="Slack-Lato"/>
+            </a:endParaRPr>
+          </a:p>
+          <a:p>
+            <a:pPr marL="285750" indent="-285750" algn="l">
+              <a:buFont typeface="Arial" panose="020B0604020202020204" pitchFamily="34" charset="0"/>
+              <a:buChar char="•"/>
+            </a:pPr>
+            <a:r>
+              <a:rPr lang="en-US" sz="1400" b="0" i="0" dirty="0">
+                <a:solidFill>
+                  <a:srgbClr val="1D1C1D"/>
+                </a:solidFill>
+                <a:effectLst/>
+                <a:latin typeface="Slack-Lato"/>
+              </a:rPr>
+              <a:t>Ebola Outbreak (2014-2016): The Ebola virus outbreak in West Africa resulted in thousands of deaths and raised global concerns about public health preparedness.</a:t>
+            </a:r>
+          </a:p>
+          <a:p>
+            <a:pPr marL="285750" indent="-285750" algn="l">
+              <a:buFont typeface="Arial" panose="020B0604020202020204" pitchFamily="34" charset="0"/>
+              <a:buChar char="•"/>
+            </a:pPr>
+            <a:endParaRPr lang="en-US" sz="1400" dirty="0">
+              <a:solidFill>
+                <a:srgbClr val="1D1C1D"/>
+              </a:solidFill>
+              <a:latin typeface="Slack-Lato"/>
+            </a:endParaRPr>
+          </a:p>
+          <a:p>
+            <a:pPr marL="285750" indent="-285750" algn="l">
+              <a:buFont typeface="Arial" panose="020B0604020202020204" pitchFamily="34" charset="0"/>
+              <a:buChar char="•"/>
+            </a:pPr>
+            <a:r>
+              <a:rPr lang="en-US" sz="1400" dirty="0">
+                <a:solidFill>
+                  <a:srgbClr val="1D1C1D"/>
+                </a:solidFill>
+                <a:latin typeface="Slack-Lato"/>
+              </a:rPr>
+              <a:t>Bird Flu (2014-2015)(2022-2023):</a:t>
+            </a:r>
+          </a:p>
+          <a:p>
+            <a:pPr marL="285750" indent="-285750" algn="l">
+              <a:buFont typeface="Arial" panose="020B0604020202020204" pitchFamily="34" charset="0"/>
+              <a:buChar char="•"/>
+            </a:pPr>
+            <a:endParaRPr lang="en-US" sz="1400" dirty="0">
+              <a:solidFill>
+                <a:srgbClr val="1D1C1D"/>
+              </a:solidFill>
+              <a:latin typeface="Slack-Lato"/>
+            </a:endParaRPr>
+          </a:p>
+          <a:p>
+            <a:pPr marL="285750" indent="-285750" algn="l">
+              <a:buFont typeface="Arial" panose="020B0604020202020204" pitchFamily="34" charset="0"/>
+              <a:buChar char="•"/>
+            </a:pPr>
+            <a:r>
+              <a:rPr lang="en-US" sz="1400" b="0" i="0" dirty="0">
+                <a:solidFill>
+                  <a:srgbClr val="1D1C1D"/>
+                </a:solidFill>
+                <a:effectLst/>
+                <a:latin typeface="Slack-Lato"/>
+              </a:rPr>
+              <a:t>Oil Price Crash (2014-2016): In mid-2014, global oil prices began a steep decline. The price drop was attributed to a combination of factors, including a surge in global oil production, particularly from U.S. shale oil, slowing global economic growth, and a decision by OPEC (Organization of the Petroleum Exporting Countries) to maintain production levels rather than cut them. This led to an oversupply of oil in the market. As a result, oil prices fell from over $100 per barrel in mid-2014 to around $30 per barrel in early 2016.</a:t>
+            </a:r>
+          </a:p>
+          <a:p>
+            <a:pPr marL="285750" indent="-285750" algn="l">
+              <a:buFont typeface="Arial" panose="020B0604020202020204" pitchFamily="34" charset="0"/>
+              <a:buChar char="•"/>
+            </a:pPr>
+            <a:endParaRPr lang="en-US" sz="1400" dirty="0">
+              <a:solidFill>
+                <a:srgbClr val="1D1C1D"/>
+              </a:solidFill>
+              <a:latin typeface="Slack-Lato"/>
+            </a:endParaRPr>
+          </a:p>
+          <a:p>
+            <a:pPr marL="285750" indent="-285750" algn="l">
+              <a:buFont typeface="Arial" panose="020B0604020202020204" pitchFamily="34" charset="0"/>
+              <a:buChar char="•"/>
+            </a:pPr>
+            <a:r>
+              <a:rPr lang="en-US" sz="1400" b="0" i="0" dirty="0">
+                <a:solidFill>
+                  <a:srgbClr val="1D1C1D"/>
+                </a:solidFill>
+                <a:effectLst/>
+                <a:latin typeface="Slack-Lato"/>
+              </a:rPr>
+              <a:t>Russia-Ukraine conflict (February 2022-present): On 24 February 2022, Russia invaded and occupied parts of Ukraine in a major escalation of the Russo-Ukrainian War, which had begun in 2014.</a:t>
+            </a:r>
+          </a:p>
+          <a:p>
+            <a:pPr marL="285750" indent="-285750" algn="l">
+              <a:buFont typeface="Arial" panose="020B0604020202020204" pitchFamily="34" charset="0"/>
+              <a:buChar char="•"/>
+            </a:pPr>
+            <a:endParaRPr lang="en-US" sz="1400" dirty="0">
+              <a:solidFill>
+                <a:srgbClr val="1D1C1D"/>
+              </a:solidFill>
+              <a:latin typeface="Slack-Lato"/>
+            </a:endParaRPr>
+          </a:p>
+          <a:p>
+            <a:pPr marL="285750" indent="-285750" algn="l">
+              <a:buFont typeface="Arial" panose="020B0604020202020204" pitchFamily="34" charset="0"/>
+              <a:buChar char="•"/>
+            </a:pPr>
+            <a:r>
+              <a:rPr lang="en-US" sz="1400" dirty="0">
+                <a:solidFill>
+                  <a:srgbClr val="1D1C1D"/>
+                </a:solidFill>
+                <a:latin typeface="Slack-Lato"/>
+              </a:rPr>
+              <a:t>Ever Given (March 2021): While traveling from </a:t>
+            </a:r>
+            <a:r>
+              <a:rPr lang="en-US" sz="1400" dirty="0" err="1">
+                <a:solidFill>
+                  <a:srgbClr val="1D1C1D"/>
+                </a:solidFill>
+                <a:latin typeface="Slack-Lato"/>
+              </a:rPr>
+              <a:t>Tanjung</a:t>
+            </a:r>
+            <a:r>
+              <a:rPr lang="en-US" sz="1400" dirty="0">
+                <a:solidFill>
+                  <a:srgbClr val="1D1C1D"/>
+                </a:solidFill>
+                <a:latin typeface="Slack-Lato"/>
+              </a:rPr>
+              <a:t> Pelepas in Malaysia[9] to Rotterdam in the Netherlands under Captain Krishnan </a:t>
+            </a:r>
+            <a:r>
+              <a:rPr lang="en-US" sz="1400" dirty="0" err="1">
+                <a:solidFill>
+                  <a:srgbClr val="1D1C1D"/>
+                </a:solidFill>
+                <a:latin typeface="Slack-Lato"/>
+              </a:rPr>
+              <a:t>Kanthavel</a:t>
+            </a:r>
+            <a:r>
+              <a:rPr lang="en-US" sz="1400" dirty="0">
+                <a:solidFill>
+                  <a:srgbClr val="1D1C1D"/>
+                </a:solidFill>
+                <a:latin typeface="Slack-Lato"/>
+              </a:rPr>
+              <a:t>, the ship ran aground in the Suez Canal, blocking the channel. The Suez canal handles approximately 12% of global trade.</a:t>
+            </a:r>
+            <a:endParaRPr lang="en-US" sz="1400" b="0" i="0" dirty="0">
+              <a:solidFill>
+                <a:srgbClr val="1D1C1D"/>
+              </a:solidFill>
+              <a:effectLst/>
+              <a:latin typeface="Slack-Lato"/>
+            </a:endParaRPr>
+          </a:p>
+        </p:txBody>
+      </p:sp>
+      <p:sp>
+        <p:nvSpPr>
+          <p:cNvPr id="5" name="TextBox 4">
+            <a:extLst>
+              <a:ext uri="{FF2B5EF4-FFF2-40B4-BE49-F238E27FC236}">
+                <a16:creationId xmlns:a16="http://schemas.microsoft.com/office/drawing/2014/main" id="{CDB7BB44-FE42-9B37-B3E7-C59F12D0422E}"/>
+              </a:ext>
+            </a:extLst>
+          </p:cNvPr>
+          <p:cNvSpPr txBox="1"/>
+          <p:nvPr/>
+        </p:nvSpPr>
+        <p:spPr>
+          <a:xfrm>
+            <a:off x="5805182" y="6488668"/>
+            <a:ext cx="6386819" cy="369332"/>
+          </a:xfrm>
+          <a:prstGeom prst="rect">
+            <a:avLst/>
+          </a:prstGeom>
+          <a:noFill/>
+        </p:spPr>
+        <p:txBody>
+          <a:bodyPr wrap="square">
+            <a:spAutoFit/>
+          </a:bodyPr>
+          <a:lstStyle/>
+          <a:p>
+            <a:r>
+              <a:rPr lang="en-US" b="0" i="0" dirty="0">
+                <a:solidFill>
+                  <a:srgbClr val="1D1C1D"/>
+                </a:solidFill>
+                <a:effectLst/>
+                <a:latin typeface="Slack-Lato"/>
+              </a:rPr>
+              <a:t>*Results from history.com, theceomagazine.com, and Wikipedia</a:t>
+            </a:r>
+            <a:endParaRPr lang="en-US" dirty="0"/>
+          </a:p>
+        </p:txBody>
+      </p:sp>
+      <p:sp>
+        <p:nvSpPr>
+          <p:cNvPr id="6" name="Title 1">
+            <a:extLst>
+              <a:ext uri="{FF2B5EF4-FFF2-40B4-BE49-F238E27FC236}">
+                <a16:creationId xmlns:a16="http://schemas.microsoft.com/office/drawing/2014/main" id="{AD1C3E6F-8C73-7238-A87F-C4D8A822D73F}"/>
+              </a:ext>
+            </a:extLst>
+          </p:cNvPr>
+          <p:cNvSpPr txBox="1">
+            <a:spLocks/>
+          </p:cNvSpPr>
+          <p:nvPr/>
+        </p:nvSpPr>
+        <p:spPr>
+          <a:xfrm>
+            <a:off x="677334" y="609600"/>
+            <a:ext cx="8596668" cy="442452"/>
+          </a:xfrm>
+          <a:prstGeom prst="rect">
+            <a:avLst/>
+          </a:prstGeom>
+        </p:spPr>
+        <p:txBody>
+          <a:bodyPr>
+            <a:normAutofit fontScale="75000" lnSpcReduction="20000"/>
+          </a:bodyPr>
+          <a:lstStyle>
+            <a:lvl1pPr algn="l" defTabSz="457200" rtl="0" eaLnBrk="1" latinLnBrk="0" hangingPunct="1">
+              <a:spcBef>
+                <a:spcPct val="0"/>
+              </a:spcBef>
+              <a:buNone/>
+              <a:defRPr sz="3600" kern="1200">
+                <a:solidFill>
+                  <a:schemeClr val="accent1"/>
+                </a:solidFill>
+                <a:latin typeface="+mj-lt"/>
+                <a:ea typeface="+mj-ea"/>
+                <a:cs typeface="+mj-cs"/>
+              </a:defRPr>
+            </a:lvl1pPr>
+            <a:lvl2pPr eaLnBrk="1" hangingPunct="1">
+              <a:defRPr>
+                <a:solidFill>
+                  <a:schemeClr val="tx2"/>
+                </a:solidFill>
+              </a:defRPr>
+            </a:lvl2pPr>
+            <a:lvl3pPr eaLnBrk="1" hangingPunct="1">
+              <a:defRPr>
+                <a:solidFill>
+                  <a:schemeClr val="tx2"/>
+                </a:solidFill>
+              </a:defRPr>
+            </a:lvl3pPr>
+            <a:lvl4pPr eaLnBrk="1" hangingPunct="1">
+              <a:defRPr>
+                <a:solidFill>
+                  <a:schemeClr val="tx2"/>
+                </a:solidFill>
+              </a:defRPr>
+            </a:lvl4pPr>
+            <a:lvl5pPr eaLnBrk="1" hangingPunct="1">
+              <a:defRPr>
+                <a:solidFill>
+                  <a:schemeClr val="tx2"/>
+                </a:solidFill>
+              </a:defRPr>
+            </a:lvl5pPr>
+            <a:lvl6pPr eaLnBrk="1" hangingPunct="1">
+              <a:defRPr>
+                <a:solidFill>
+                  <a:schemeClr val="tx2"/>
+                </a:solidFill>
+              </a:defRPr>
+            </a:lvl6pPr>
+            <a:lvl7pPr eaLnBrk="1" hangingPunct="1">
+              <a:defRPr>
+                <a:solidFill>
+                  <a:schemeClr val="tx2"/>
+                </a:solidFill>
+              </a:defRPr>
+            </a:lvl7pPr>
+            <a:lvl8pPr eaLnBrk="1" hangingPunct="1">
+              <a:defRPr>
+                <a:solidFill>
+                  <a:schemeClr val="tx2"/>
+                </a:solidFill>
+              </a:defRPr>
+            </a:lvl8pPr>
+            <a:lvl9pPr eaLnBrk="1" hangingPunct="1">
+              <a:defRPr>
+                <a:solidFill>
+                  <a:schemeClr val="tx2"/>
+                </a:solidFill>
+              </a:defRPr>
+            </a:lvl9pPr>
+          </a:lstStyle>
+          <a:p>
+            <a:r>
+              <a:rPr lang="en-US" dirty="0"/>
+              <a:t>World Events we considered</a:t>
+            </a:r>
+          </a:p>
+        </p:txBody>
+      </p:sp>
+    </p:spTree>
+    <p:extLst>
+      <p:ext uri="{BB962C8B-B14F-4D97-AF65-F5344CB8AC3E}">
+        <p14:creationId xmlns:p14="http://schemas.microsoft.com/office/powerpoint/2010/main" val="3928039229"/>
+      </p:ext>
+    </p:extLst>
+  </p:cSld>
+  <p:clrMapOvr>
+    <a:masterClrMapping/>
+  </p:clrMapOvr>
+</p:sld>
+</file>
+
+<file path=ppt/slides/slide24.xml><?xml version="1.0" encoding="utf-8"?>
+<p:sld xmlns:a="http://schemas.openxmlformats.org/drawingml/2006/main" xmlns:r="http://schemas.openxmlformats.org/officeDocument/2006/relationships" xmlns:p="http://schemas.openxmlformats.org/presentationml/2006/main">
+  <p:cSld>
+    <p:spTree>
+      <p:nvGrpSpPr>
+        <p:cNvPr id="1" name=""/>
+        <p:cNvGrpSpPr/>
+        <p:nvPr/>
+      </p:nvGrpSpPr>
+      <p:grpSpPr>
+        <a:xfrm>
+          <a:off x="0" y="0"/>
+          <a:ext cx="0" cy="0"/>
+          <a:chOff x="0" y="0"/>
+          <a:chExt cx="0" cy="0"/>
+        </a:xfrm>
+      </p:grpSpPr>
+      <p:sp>
+        <p:nvSpPr>
+          <p:cNvPr id="3" name="TextBox 2">
+            <a:extLst>
+              <a:ext uri="{FF2B5EF4-FFF2-40B4-BE49-F238E27FC236}">
+                <a16:creationId xmlns:a16="http://schemas.microsoft.com/office/drawing/2014/main" id="{6F5D962B-5DF6-2C2C-30EB-EADE3991DA0F}"/>
+              </a:ext>
+            </a:extLst>
+          </p:cNvPr>
+          <p:cNvSpPr txBox="1"/>
+          <p:nvPr/>
+        </p:nvSpPr>
+        <p:spPr>
+          <a:xfrm>
+            <a:off x="767818" y="1191653"/>
+            <a:ext cx="8423787" cy="5047536"/>
+          </a:xfrm>
+          <a:prstGeom prst="rect">
+            <a:avLst/>
+          </a:prstGeom>
+          <a:noFill/>
+        </p:spPr>
+        <p:txBody>
+          <a:bodyPr wrap="square">
+            <a:spAutoFit/>
+          </a:bodyPr>
+          <a:lstStyle/>
+          <a:p>
+            <a:pPr marL="285750" indent="-285750" algn="l">
+              <a:buFont typeface="Arial" panose="020B0604020202020204" pitchFamily="34" charset="0"/>
+              <a:buChar char="•"/>
+            </a:pPr>
+            <a:r>
+              <a:rPr lang="en-US" sz="1400" b="0" i="0" dirty="0">
+                <a:solidFill>
+                  <a:srgbClr val="1D1C1D"/>
+                </a:solidFill>
+                <a:effectLst/>
+                <a:latin typeface="Slack-Lato"/>
+              </a:rPr>
+              <a:t>Paris Climate Agreement (2015): The international climate agreement was adopted by nearly 200 countries, aiming to combat climate change and limit global warming.</a:t>
+            </a:r>
+          </a:p>
+          <a:p>
+            <a:pPr marL="285750" indent="-285750" algn="l">
+              <a:buFont typeface="Arial" panose="020B0604020202020204" pitchFamily="34" charset="0"/>
+              <a:buChar char="•"/>
+            </a:pPr>
+            <a:endParaRPr lang="en-US" sz="1400" b="0" i="0" dirty="0">
+              <a:solidFill>
+                <a:srgbClr val="1D1C1D"/>
+              </a:solidFill>
+              <a:effectLst/>
+              <a:latin typeface="Slack-Lato"/>
+            </a:endParaRPr>
+          </a:p>
+          <a:p>
+            <a:pPr marL="285750" indent="-285750" algn="l">
+              <a:buFont typeface="Arial" panose="020B0604020202020204" pitchFamily="34" charset="0"/>
+              <a:buChar char="•"/>
+            </a:pPr>
+            <a:r>
+              <a:rPr lang="en-US" sz="1400" b="0" i="0" dirty="0">
+                <a:solidFill>
+                  <a:srgbClr val="1D1C1D"/>
+                </a:solidFill>
+                <a:effectLst/>
+                <a:latin typeface="Slack-Lato"/>
+              </a:rPr>
+              <a:t>Brexit Referendum (2016): The United Kingdom held a referendum on leaving the European Union, resulting in a majority vote in favor of Brexit.</a:t>
+            </a:r>
+          </a:p>
+          <a:p>
+            <a:pPr marL="285750" indent="-285750" algn="l">
+              <a:buFont typeface="Arial" panose="020B0604020202020204" pitchFamily="34" charset="0"/>
+              <a:buChar char="•"/>
+            </a:pPr>
+            <a:endParaRPr lang="en-US" sz="1400" b="0" i="0" dirty="0">
+              <a:solidFill>
+                <a:srgbClr val="1D1C1D"/>
+              </a:solidFill>
+              <a:effectLst/>
+              <a:latin typeface="Slack-Lato"/>
+            </a:endParaRPr>
+          </a:p>
+          <a:p>
+            <a:pPr marL="285750" indent="-285750" algn="l">
+              <a:buFont typeface="Arial" panose="020B0604020202020204" pitchFamily="34" charset="0"/>
+              <a:buChar char="•"/>
+            </a:pPr>
+            <a:r>
+              <a:rPr lang="en-US" sz="1400" b="0" i="0" dirty="0">
+                <a:solidFill>
+                  <a:srgbClr val="1D1C1D"/>
+                </a:solidFill>
+                <a:effectLst/>
+                <a:latin typeface="Slack-Lato"/>
+              </a:rPr>
+              <a:t>U.S. Presidential Election (2016): Donald Trump, a Republican candidate, was elected as the 45th President of the United States, defeating Hillary Clinton.</a:t>
+            </a:r>
+          </a:p>
+          <a:p>
+            <a:pPr marL="285750" indent="-285750" algn="l">
+              <a:buFont typeface="Arial" panose="020B0604020202020204" pitchFamily="34" charset="0"/>
+              <a:buChar char="•"/>
+            </a:pPr>
+            <a:endParaRPr lang="en-US" sz="1400" b="0" i="0" dirty="0">
+              <a:solidFill>
+                <a:srgbClr val="1D1C1D"/>
+              </a:solidFill>
+              <a:effectLst/>
+              <a:latin typeface="Slack-Lato"/>
+            </a:endParaRPr>
+          </a:p>
+          <a:p>
+            <a:pPr marL="285750" indent="-285750" algn="l">
+              <a:buFont typeface="Arial" panose="020B0604020202020204" pitchFamily="34" charset="0"/>
+              <a:buChar char="•"/>
+            </a:pPr>
+            <a:r>
+              <a:rPr lang="en-US" sz="1400" b="0" i="0" dirty="0">
+                <a:solidFill>
+                  <a:srgbClr val="1D1C1D"/>
+                </a:solidFill>
+                <a:effectLst/>
+                <a:latin typeface="Slack-Lato"/>
+              </a:rPr>
+              <a:t>Rohingya Crisis (2017-present): The persecution of Rohingya Muslims in Myanmar led to a massive refugee crisis, with thousands fleeing to neighboring Bangladesh.</a:t>
+            </a:r>
+          </a:p>
+          <a:p>
+            <a:pPr marL="285750" indent="-285750" algn="l">
+              <a:buFont typeface="Arial" panose="020B0604020202020204" pitchFamily="34" charset="0"/>
+              <a:buChar char="•"/>
+            </a:pPr>
+            <a:endParaRPr lang="en-US" sz="1400" b="0" i="0" dirty="0">
+              <a:solidFill>
+                <a:srgbClr val="1D1C1D"/>
+              </a:solidFill>
+              <a:effectLst/>
+              <a:latin typeface="Slack-Lato"/>
+            </a:endParaRPr>
+          </a:p>
+          <a:p>
+            <a:pPr marL="285750" indent="-285750" algn="l">
+              <a:buFont typeface="Arial" panose="020B0604020202020204" pitchFamily="34" charset="0"/>
+              <a:buChar char="•"/>
+            </a:pPr>
+            <a:r>
+              <a:rPr lang="en-US" sz="1400" b="0" i="0" dirty="0">
+                <a:solidFill>
+                  <a:srgbClr val="1D1C1D"/>
+                </a:solidFill>
+                <a:effectLst/>
+                <a:latin typeface="Slack-Lato"/>
+              </a:rPr>
+              <a:t>North Korea Nuclear Crisis (2017-2018): North Korea conducted several missile tests and engaged in a war of words with the United States, raising concerns about nuclear weapons proliferation.</a:t>
+            </a:r>
+          </a:p>
+          <a:p>
+            <a:pPr marL="285750" indent="-285750" algn="l">
+              <a:buFont typeface="Arial" panose="020B0604020202020204" pitchFamily="34" charset="0"/>
+              <a:buChar char="•"/>
+            </a:pPr>
+            <a:endParaRPr lang="en-US" sz="1400" b="0" i="0" dirty="0">
+              <a:solidFill>
+                <a:srgbClr val="1D1C1D"/>
+              </a:solidFill>
+              <a:effectLst/>
+              <a:latin typeface="Slack-Lato"/>
+            </a:endParaRPr>
+          </a:p>
+          <a:p>
+            <a:pPr marL="285750" indent="-285750" algn="l">
+              <a:buFont typeface="Arial" panose="020B0604020202020204" pitchFamily="34" charset="0"/>
+              <a:buChar char="•"/>
+            </a:pPr>
+            <a:r>
+              <a:rPr lang="en-US" sz="1400" b="0" i="0" dirty="0">
+                <a:solidFill>
+                  <a:srgbClr val="1D1C1D"/>
+                </a:solidFill>
+                <a:effectLst/>
+                <a:latin typeface="Slack-Lato"/>
+              </a:rPr>
+              <a:t>COVID-19 Pandemic (2019-present): The coronavirus disease pandemic caused by the novel coronavirus (SARS-CoV-2) has had a significant global impact, resulting in millions of infections and deaths, as well as widespread social and economic disruptions.</a:t>
+            </a:r>
+          </a:p>
+          <a:p>
+            <a:pPr marL="285750" indent="-285750" algn="l">
+              <a:buFont typeface="Arial" panose="020B0604020202020204" pitchFamily="34" charset="0"/>
+              <a:buChar char="•"/>
+            </a:pPr>
+            <a:endParaRPr lang="en-US" sz="1400" b="0" i="0" dirty="0">
+              <a:solidFill>
+                <a:srgbClr val="1D1C1D"/>
+              </a:solidFill>
+              <a:effectLst/>
+              <a:latin typeface="Slack-Lato"/>
+            </a:endParaRPr>
+          </a:p>
+          <a:p>
+            <a:pPr marL="285750" indent="-285750">
+              <a:buFont typeface="Arial" panose="020B0604020202020204" pitchFamily="34" charset="0"/>
+              <a:buChar char="•"/>
+            </a:pPr>
+            <a:r>
+              <a:rPr lang="en-US" sz="1400" dirty="0">
+                <a:solidFill>
+                  <a:srgbClr val="1D1C1D"/>
+                </a:solidFill>
+                <a:latin typeface="Slack-Lato"/>
+              </a:rPr>
+              <a:t>Black Lives Matter Protests (2020-present): Following the killing of George Floyd by a police officer in Minneapolis, protests against racial inequality and police brutality spread across the United States and around the world.</a:t>
+            </a:r>
+          </a:p>
+          <a:p>
+            <a:pPr marL="285750" indent="-285750" algn="l">
+              <a:buFont typeface="Arial" panose="020B0604020202020204" pitchFamily="34" charset="0"/>
+              <a:buChar char="•"/>
+            </a:pPr>
+            <a:endParaRPr lang="en-US" sz="1400" b="0" i="0" dirty="0">
+              <a:solidFill>
+                <a:srgbClr val="1D1C1D"/>
+              </a:solidFill>
+              <a:effectLst/>
+              <a:latin typeface="Slack-Lato"/>
+            </a:endParaRPr>
+          </a:p>
+        </p:txBody>
+      </p:sp>
+      <p:sp>
+        <p:nvSpPr>
+          <p:cNvPr id="4" name="TextBox 3">
+            <a:extLst>
+              <a:ext uri="{FF2B5EF4-FFF2-40B4-BE49-F238E27FC236}">
+                <a16:creationId xmlns:a16="http://schemas.microsoft.com/office/drawing/2014/main" id="{672108C3-D028-2659-A5A8-14536123F290}"/>
+              </a:ext>
+            </a:extLst>
+          </p:cNvPr>
+          <p:cNvSpPr txBox="1"/>
+          <p:nvPr/>
+        </p:nvSpPr>
+        <p:spPr>
+          <a:xfrm>
+            <a:off x="5805182" y="6488668"/>
+            <a:ext cx="6386819" cy="369332"/>
+          </a:xfrm>
+          <a:prstGeom prst="rect">
+            <a:avLst/>
+          </a:prstGeom>
+          <a:noFill/>
+        </p:spPr>
+        <p:txBody>
+          <a:bodyPr wrap="square">
+            <a:spAutoFit/>
+          </a:bodyPr>
+          <a:lstStyle/>
+          <a:p>
+            <a:r>
+              <a:rPr lang="en-US" b="0" i="0" dirty="0">
+                <a:solidFill>
+                  <a:srgbClr val="1D1C1D"/>
+                </a:solidFill>
+                <a:effectLst/>
+                <a:latin typeface="Slack-Lato"/>
+              </a:rPr>
+              <a:t>*Results from history.com, theceomagazine.com, and Wikipedia</a:t>
+            </a:r>
+            <a:endParaRPr lang="en-US" dirty="0"/>
+          </a:p>
+        </p:txBody>
+      </p:sp>
+      <p:sp>
+        <p:nvSpPr>
+          <p:cNvPr id="5" name="Title 1">
+            <a:extLst>
+              <a:ext uri="{FF2B5EF4-FFF2-40B4-BE49-F238E27FC236}">
+                <a16:creationId xmlns:a16="http://schemas.microsoft.com/office/drawing/2014/main" id="{7C68C850-49EE-0A32-FF36-8AE8F0C7B62D}"/>
+              </a:ext>
+            </a:extLst>
+          </p:cNvPr>
+          <p:cNvSpPr txBox="1">
+            <a:spLocks/>
+          </p:cNvSpPr>
+          <p:nvPr/>
+        </p:nvSpPr>
+        <p:spPr>
+          <a:xfrm>
+            <a:off x="677334" y="609600"/>
+            <a:ext cx="8596668" cy="442452"/>
+          </a:xfrm>
+          <a:prstGeom prst="rect">
+            <a:avLst/>
+          </a:prstGeom>
+        </p:spPr>
+        <p:txBody>
+          <a:bodyPr>
+            <a:normAutofit fontScale="75000" lnSpcReduction="20000"/>
+          </a:bodyPr>
+          <a:lstStyle>
+            <a:lvl1pPr algn="l" defTabSz="457200" rtl="0" eaLnBrk="1" latinLnBrk="0" hangingPunct="1">
+              <a:spcBef>
+                <a:spcPct val="0"/>
+              </a:spcBef>
+              <a:buNone/>
+              <a:defRPr sz="3600" kern="1200">
+                <a:solidFill>
+                  <a:schemeClr val="accent1"/>
+                </a:solidFill>
+                <a:latin typeface="+mj-lt"/>
+                <a:ea typeface="+mj-ea"/>
+                <a:cs typeface="+mj-cs"/>
+              </a:defRPr>
+            </a:lvl1pPr>
+            <a:lvl2pPr eaLnBrk="1" hangingPunct="1">
+              <a:defRPr>
+                <a:solidFill>
+                  <a:schemeClr val="tx2"/>
+                </a:solidFill>
+              </a:defRPr>
+            </a:lvl2pPr>
+            <a:lvl3pPr eaLnBrk="1" hangingPunct="1">
+              <a:defRPr>
+                <a:solidFill>
+                  <a:schemeClr val="tx2"/>
+                </a:solidFill>
+              </a:defRPr>
+            </a:lvl3pPr>
+            <a:lvl4pPr eaLnBrk="1" hangingPunct="1">
+              <a:defRPr>
+                <a:solidFill>
+                  <a:schemeClr val="tx2"/>
+                </a:solidFill>
+              </a:defRPr>
+            </a:lvl4pPr>
+            <a:lvl5pPr eaLnBrk="1" hangingPunct="1">
+              <a:defRPr>
+                <a:solidFill>
+                  <a:schemeClr val="tx2"/>
+                </a:solidFill>
+              </a:defRPr>
+            </a:lvl5pPr>
+            <a:lvl6pPr eaLnBrk="1" hangingPunct="1">
+              <a:defRPr>
+                <a:solidFill>
+                  <a:schemeClr val="tx2"/>
+                </a:solidFill>
+              </a:defRPr>
+            </a:lvl6pPr>
+            <a:lvl7pPr eaLnBrk="1" hangingPunct="1">
+              <a:defRPr>
+                <a:solidFill>
+                  <a:schemeClr val="tx2"/>
+                </a:solidFill>
+              </a:defRPr>
+            </a:lvl7pPr>
+            <a:lvl8pPr eaLnBrk="1" hangingPunct="1">
+              <a:defRPr>
+                <a:solidFill>
+                  <a:schemeClr val="tx2"/>
+                </a:solidFill>
+              </a:defRPr>
+            </a:lvl8pPr>
+            <a:lvl9pPr eaLnBrk="1" hangingPunct="1">
+              <a:defRPr>
+                <a:solidFill>
+                  <a:schemeClr val="tx2"/>
+                </a:solidFill>
+              </a:defRPr>
+            </a:lvl9pPr>
+          </a:lstStyle>
+          <a:p>
+            <a:r>
+              <a:rPr lang="en-US" dirty="0"/>
+              <a:t>World Events we considered</a:t>
+            </a:r>
+          </a:p>
+        </p:txBody>
+      </p:sp>
+    </p:spTree>
+    <p:extLst>
+      <p:ext uri="{BB962C8B-B14F-4D97-AF65-F5344CB8AC3E}">
+        <p14:creationId xmlns:p14="http://schemas.microsoft.com/office/powerpoint/2010/main" val="2528522402"/>
+      </p:ext>
+    </p:extLst>
+  </p:cSld>
+  <p:clrMapOvr>
+    <a:masterClrMapping/>
+  </p:clrMapOvr>
+</p:sld>
+</file>
+
+<file path=ppt/slides/slide25.xml><?xml version="1.0" encoding="utf-8"?>
+<p:sld xmlns:a="http://schemas.openxmlformats.org/drawingml/2006/main" xmlns:r="http://schemas.openxmlformats.org/officeDocument/2006/relationships" xmlns:p="http://schemas.openxmlformats.org/presentationml/2006/main">
+  <p:cSld>
+    <p:spTree>
+      <p:nvGrpSpPr>
+        <p:cNvPr id="1" name=""/>
+        <p:cNvGrpSpPr/>
+        <p:nvPr/>
+      </p:nvGrpSpPr>
+      <p:grpSpPr>
+        <a:xfrm>
+          <a:off x="0" y="0"/>
+          <a:ext cx="0" cy="0"/>
+          <a:chOff x="0" y="0"/>
+          <a:chExt cx="0" cy="0"/>
+        </a:xfrm>
+      </p:grpSpPr>
+      <p:sp>
+        <p:nvSpPr>
+          <p:cNvPr id="2" name="Title 1">
+            <a:extLst>
+              <a:ext uri="{FF2B5EF4-FFF2-40B4-BE49-F238E27FC236}">
+                <a16:creationId xmlns:a16="http://schemas.microsoft.com/office/drawing/2014/main" id="{FB4307AD-30F7-9085-9251-CECED410ACF4}"/>
+              </a:ext>
+            </a:extLst>
+          </p:cNvPr>
+          <p:cNvSpPr>
+            <a:spLocks noGrp="1"/>
+          </p:cNvSpPr>
+          <p:nvPr>
+            <p:ph type="title"/>
+          </p:nvPr>
+        </p:nvSpPr>
+        <p:spPr>
+          <a:xfrm>
+            <a:off x="677334" y="609599"/>
+            <a:ext cx="8596668" cy="5584724"/>
+          </a:xfrm>
+        </p:spPr>
+        <p:txBody>
+          <a:bodyPr>
+            <a:normAutofit fontScale="90000"/>
+          </a:bodyPr>
+          <a:lstStyle/>
+          <a:p>
+            <a:r>
+              <a:rPr lang="en-US" dirty="0"/>
+              <a:t>Conclusions:</a:t>
+            </a:r>
+            <a:br>
+              <a:rPr lang="en-US" dirty="0"/>
+            </a:br>
+            <a:br>
+              <a:rPr lang="en-US" dirty="0"/>
+            </a:br>
+            <a:r>
+              <a:rPr lang="en-US" sz="2200" dirty="0"/>
+              <a:t>Which world events are heavily visible in a variety of commodity prices?</a:t>
+            </a:r>
+            <a:br>
+              <a:rPr lang="en-US" sz="2200" dirty="0"/>
+            </a:br>
+            <a:r>
+              <a:rPr lang="en-US" sz="2200" dirty="0"/>
+              <a:t>	Oil Crash in trade, Covid 19, Ever Given, Ukraine/Russian War, Avian 	Flu</a:t>
+            </a:r>
+            <a:br>
+              <a:rPr lang="en-US" sz="2200" dirty="0"/>
+            </a:br>
+            <a:br>
+              <a:rPr lang="en-US" sz="2200" dirty="0"/>
+            </a:br>
+            <a:r>
+              <a:rPr lang="en-US" sz="2200" dirty="0"/>
+              <a:t>Do prices decrease to normal after world events?</a:t>
+            </a:r>
+            <a:br>
+              <a:rPr lang="en-US" sz="2200" dirty="0"/>
+            </a:br>
+            <a:r>
+              <a:rPr lang="en-US" sz="2200" dirty="0"/>
+              <a:t>	Gasoline, toilet paper, water freight, eggs have all in the 	past 	increased and returned to a normal price</a:t>
+            </a:r>
+            <a:br>
+              <a:rPr lang="en-US" sz="2200" dirty="0"/>
+            </a:br>
+            <a:br>
+              <a:rPr lang="en-US" sz="2200" dirty="0"/>
+            </a:br>
+            <a:r>
+              <a:rPr lang="en-US" sz="2200" dirty="0"/>
+              <a:t>Are there any items that appear to have been affected uniquely by one major event?</a:t>
+            </a:r>
+            <a:br>
+              <a:rPr lang="en-US" sz="2200" dirty="0"/>
+            </a:br>
+            <a:r>
+              <a:rPr lang="en-US" sz="2200" dirty="0"/>
+              <a:t>	Many items are affected by many world events, but 	shelter 	pricing was unique in being affected by legislation 	during covid.  </a:t>
+            </a:r>
+            <a:br>
+              <a:rPr lang="en-US" sz="2200" dirty="0"/>
+            </a:br>
+            <a:r>
+              <a:rPr lang="en-US" sz="2700" dirty="0"/>
+              <a:t>	</a:t>
+            </a:r>
+            <a:br>
+              <a:rPr lang="en-US" sz="2700" dirty="0"/>
+            </a:br>
+            <a:r>
+              <a:rPr lang="en-US" sz="2700" dirty="0"/>
+              <a:t>	</a:t>
+            </a:r>
+            <a:br>
+              <a:rPr lang="en-US" sz="2700" dirty="0"/>
+            </a:br>
+            <a:endParaRPr lang="en-US" dirty="0"/>
+          </a:p>
+        </p:txBody>
+      </p:sp>
+    </p:spTree>
+    <p:extLst>
+      <p:ext uri="{BB962C8B-B14F-4D97-AF65-F5344CB8AC3E}">
+        <p14:creationId xmlns:p14="http://schemas.microsoft.com/office/powerpoint/2010/main" val="73677323"/>
+      </p:ext>
+    </p:extLst>
+  </p:cSld>
+  <p:clrMapOvr>
+    <a:masterClrMapping/>
+  </p:clrMapOvr>
+</p:sld>
+</file>
+
 <file path=ppt/slides/slide3.xml><?xml version="1.0" encoding="utf-8"?>
 <p:sld xmlns:a="http://schemas.openxmlformats.org/drawingml/2006/main" xmlns:r="http://schemas.openxmlformats.org/officeDocument/2006/relationships" xmlns:p="http://schemas.openxmlformats.org/presentationml/2006/main">
   <p:cSld>
@@ -9867,6 +16761,40 @@
           <a:lstStyle/>
           <a:p>
             <a:r>
+              <a:rPr lang="en-US" sz="4000" b="1" dirty="0">
+                <a:solidFill>
+                  <a:schemeClr val="accent2">
+                    <a:lumMod val="60000"/>
+                    <a:lumOff val="40000"/>
+                  </a:schemeClr>
+                </a:solidFill>
+                <a:latin typeface="Slack-Lato"/>
+              </a:rPr>
+              <a:t>Primary Questions:</a:t>
+            </a:r>
+            <a:br>
+              <a:rPr lang="en-US" dirty="0">
+                <a:solidFill>
+                  <a:schemeClr val="accent2">
+                    <a:lumMod val="60000"/>
+                    <a:lumOff val="40000"/>
+                  </a:schemeClr>
+                </a:solidFill>
+                <a:latin typeface="Slack-Lato"/>
+              </a:rPr>
+            </a:br>
+            <a:br>
+              <a:rPr lang="en-US" dirty="0">
+                <a:solidFill>
+                  <a:schemeClr val="accent2">
+                    <a:lumMod val="60000"/>
+                    <a:lumOff val="40000"/>
+                  </a:schemeClr>
+                </a:solidFill>
+                <a:latin typeface="Slack-Lato"/>
+              </a:rPr>
+            </a:br>
+            <a:r>
               <a:rPr lang="en-US" dirty="0">
                 <a:solidFill>
                   <a:schemeClr val="accent2">
@@ -9926,7 +16854,7 @@
                 <a:effectLst/>
                 <a:latin typeface="Slack-Lato"/>
               </a:rPr>
-              <a:t>* Do prices decrease to normal after world events? If so, how long does it take?</a:t>
+              <a:t>* Do prices decrease to normal after world events?</a:t>
             </a:r>
             <a:br>
               <a:rPr lang="en-US" b="0" i="0" dirty="0">
@@ -9972,40 +16900,6 @@
                     <a:lumMod val="60000"/>
                     <a:lumOff val="40000"/>
                   </a:schemeClr>
-                </a:solidFill>
-                <a:effectLst/>
-                <a:latin typeface="Slack-Lato"/>
-              </a:rPr>
-            </a:br>
-            <a:br>
-              <a:rPr lang="en-US" b="0" i="0" dirty="0">
-                <a:solidFill>
-                  <a:schemeClr val="accent2">
-                    <a:lumMod val="60000"/>
-                    <a:lumOff val="40000"/>
-                  </a:schemeClr>
-                </a:solidFill>
-                <a:effectLst/>
-                <a:latin typeface="Slack-Lato"/>
-              </a:rPr>
-            </a:br>
-            <a:r>
-              <a:rPr lang="en-US" b="0" i="0" dirty="0">
-                <a:solidFill>
-                  <a:schemeClr val="accent2">
-                    <a:lumMod val="60000"/>
-                    <a:lumOff val="40000"/>
-                  </a:schemeClr>
-                </a:solidFill>
-                <a:effectLst/>
-                <a:latin typeface="Slack-Lato"/>
-              </a:rPr>
-              <a:t>* How does each items price increase compare to yearly inflation?</a:t>
-            </a:r>
-            <a:br>
-              <a:rPr lang="en-US" b="0" i="0" dirty="0">
-                <a:solidFill>
-                  <a:srgbClr val="1D1C1D"/>
                 </a:solidFill>
                 <a:effectLst/>
                 <a:latin typeface="Slack-Lato"/>
@@ -10075,7 +16969,7 @@
           <a:p>
             <a:r>
               <a:rPr lang="en-US" dirty="0"/>
-              <a:t>World Events in question:</a:t>
+              <a:t>Major World Events in question:</a:t>
             </a:r>
             <a:br>
               <a:rPr lang="en-US" dirty="0"/>
@@ -10222,7 +17116,7 @@
           <p:nvPr/>
         </p:nvPicPr>
         <p:blipFill>
-          <a:blip r:embed="rId2"/>
+          <a:blip r:embed="rId3"/>
           <a:stretch>
             <a:fillRect/>
           </a:stretch>
@@ -10282,15 +17176,15 @@
           <p:nvPr/>
         </p:nvPicPr>
         <p:blipFill>
-          <a:blip r:embed="rId2"/>
+          <a:blip r:embed="rId3"/>
           <a:stretch>
             <a:fillRect/>
           </a:stretch>
         </p:blipFill>
         <p:spPr>
           <a:xfrm>
-            <a:off x="1236785" y="1387988"/>
-            <a:ext cx="7152098" cy="4783013"/>
+            <a:off x="1226275" y="725838"/>
+            <a:ext cx="6856181" cy="4585117"/>
           </a:xfrm>
           <a:prstGeom prst="rect">
             <a:avLst/>
@@ -10313,7 +17207,7 @@
         </p:nvSpPr>
         <p:spPr>
           <a:xfrm>
-            <a:off x="683233" y="409022"/>
+            <a:off x="683233" y="-21901"/>
             <a:ext cx="8596668" cy="1320800"/>
           </a:xfrm>
           <a:prstGeom prst="rect">
@@ -10402,6 +17296,36 @@
           </a:p>
         </p:txBody>
       </p:sp>
+      <p:pic>
+        <p:nvPicPr>
+          <p:cNvPr id="4" name="Picture 3">
+            <a:extLst>
+              <a:ext uri="{FF2B5EF4-FFF2-40B4-BE49-F238E27FC236}">
+                <a16:creationId xmlns:a16="http://schemas.microsoft.com/office/drawing/2014/main" id="{ABF67918-032E-C232-8C1B-099A4E185F55}"/>
+              </a:ext>
+            </a:extLst>
+          </p:cNvPr>
+          <p:cNvPicPr>
+            <a:picLocks noChangeAspect="1"/>
+          </p:cNvPicPr>
+          <p:nvPr/>
+        </p:nvPicPr>
+        <p:blipFill>
+          <a:blip r:embed="rId4"/>
+          <a:stretch>
+            <a:fillRect/>
+          </a:stretch>
+        </p:blipFill>
+        <p:spPr>
+          <a:xfrm>
+            <a:off x="1226275" y="5315690"/>
+            <a:ext cx="6856181" cy="1507434"/>
+          </a:xfrm>
+          <a:prstGeom prst="rect">
+            <a:avLst/>
+          </a:prstGeom>
+        </p:spPr>
+      </p:pic>
     </p:spTree>
     <p:extLst>
       <p:ext uri="{BB962C8B-B14F-4D97-AF65-F5344CB8AC3E}">
@@ -10450,18 +17374,18 @@
         </p:nvSpPr>
         <p:spPr>
           <a:xfrm>
-            <a:off x="0" y="609600"/>
-            <a:ext cx="10913806" cy="5053781"/>
+            <a:off x="707918" y="609600"/>
+            <a:ext cx="11285466" cy="5496232"/>
           </a:xfrm>
         </p:spPr>
         <p:txBody>
           <a:bodyPr>
-            <a:normAutofit/>
+            <a:noAutofit/>
           </a:bodyPr>
           <a:lstStyle/>
           <a:p>
             <a:r>
-              <a:rPr lang="en-US" b="0" i="0" dirty="0">
+              <a:rPr lang="en-US" sz="3200" b="1" i="0" dirty="0">
                 <a:solidFill>
                   <a:schemeClr val="accent2">
                     <a:lumMod val="60000"/>
@@ -10471,10 +17395,10 @@
                 <a:effectLst/>
                 <a:latin typeface="Slack-Lato"/>
               </a:rPr>
-              <a:t>	Air freight prices</a:t>
+              <a:t>Collected Datasets</a:t>
             </a:r>
             <a:br>
-              <a:rPr lang="en-US" b="0" i="0" dirty="0">
+              <a:rPr lang="en-US" sz="2400" b="0" i="0" dirty="0">
                 <a:solidFill>
                   <a:schemeClr val="accent2">
                     <a:lumMod val="60000"/>
@@ -10486,7 +17410,7 @@
               </a:rPr>
             </a:br>
             <a:r>
-              <a:rPr lang="en-US" b="0" i="0" dirty="0">
+              <a:rPr lang="en-US" sz="2400" b="0" i="0" dirty="0">
                 <a:solidFill>
                   <a:schemeClr val="accent2">
                     <a:lumMod val="60000"/>
@@ -10496,10 +17420,10 @@
                 <a:effectLst/>
                 <a:latin typeface="Slack-Lato"/>
               </a:rPr>
-              <a:t>	Water freight prices</a:t>
+              <a:t>Air freight prices</a:t>
             </a:r>
             <a:br>
-              <a:rPr lang="en-US" b="0" i="0" dirty="0">
+              <a:rPr lang="en-US" sz="2400" b="0" i="0" dirty="0">
                 <a:solidFill>
                   <a:schemeClr val="accent2">
                     <a:lumMod val="60000"/>
@@ -10511,7 +17435,7 @@
               </a:rPr>
             </a:br>
             <a:r>
-              <a:rPr lang="en-US" b="0" i="0" dirty="0">
+              <a:rPr lang="en-US" sz="2400" b="0" i="0" dirty="0">
                 <a:solidFill>
                   <a:schemeClr val="accent2">
                     <a:lumMod val="60000"/>
@@ -10521,10 +17445,10 @@
                 <a:effectLst/>
                 <a:latin typeface="Slack-Lato"/>
               </a:rPr>
-              <a:t>	Land freight prices</a:t>
+              <a:t>Water freight prices</a:t>
             </a:r>
             <a:br>
-              <a:rPr lang="en-US" b="0" i="0" dirty="0">
+              <a:rPr lang="en-US" sz="2400" b="0" i="0" dirty="0">
                 <a:solidFill>
                   <a:schemeClr val="accent2">
                     <a:lumMod val="60000"/>
@@ -10536,7 +17460,7 @@
               </a:rPr>
             </a:br>
             <a:r>
-              <a:rPr lang="en-US" b="0" i="0" dirty="0">
+              <a:rPr lang="en-US" sz="2400" b="0" i="0" dirty="0">
                 <a:solidFill>
                   <a:schemeClr val="accent2">
                     <a:lumMod val="60000"/>
@@ -10546,10 +17470,10 @@
                 <a:effectLst/>
                 <a:latin typeface="Slack-Lato"/>
               </a:rPr>
-              <a:t>	Electricity prices</a:t>
+              <a:t>Land freight prices</a:t>
             </a:r>
             <a:br>
-              <a:rPr lang="en-US" b="0" i="0" dirty="0">
+              <a:rPr lang="en-US" sz="2400" b="0" i="0" dirty="0">
                 <a:solidFill>
                   <a:schemeClr val="accent2">
                     <a:lumMod val="60000"/>
@@ -10561,7 +17485,7 @@
               </a:rPr>
             </a:br>
             <a:r>
-              <a:rPr lang="en-US" b="0" i="0" dirty="0">
+              <a:rPr lang="en-US" sz="2400" b="0" i="0" dirty="0">
                 <a:solidFill>
                   <a:schemeClr val="accent2">
                     <a:lumMod val="60000"/>
@@ -10571,10 +17495,10 @@
                 <a:effectLst/>
                 <a:latin typeface="Slack-Lato"/>
               </a:rPr>
-              <a:t>	Gasoline prices</a:t>
+              <a:t>Electricity prices</a:t>
             </a:r>
             <a:br>
-              <a:rPr lang="en-US" b="0" i="0" dirty="0">
+              <a:rPr lang="en-US" sz="2400" b="0" i="0" dirty="0">
                 <a:solidFill>
                   <a:schemeClr val="accent2">
                     <a:lumMod val="60000"/>
@@ -10586,7 +17510,7 @@
               </a:rPr>
             </a:br>
             <a:r>
-              <a:rPr lang="en-US" b="0" i="0" dirty="0">
+              <a:rPr lang="en-US" sz="2400" b="0" i="0" dirty="0">
                 <a:solidFill>
                   <a:schemeClr val="accent2">
                     <a:lumMod val="60000"/>
@@ -10596,10 +17520,10 @@
                 <a:effectLst/>
                 <a:latin typeface="Slack-Lato"/>
               </a:rPr>
-              <a:t>	Shelter prices</a:t>
+              <a:t>Gasoline prices</a:t>
             </a:r>
             <a:br>
-              <a:rPr lang="en-US" b="0" i="0" dirty="0">
+              <a:rPr lang="en-US" sz="2400" b="0" i="0" dirty="0">
                 <a:solidFill>
                   <a:schemeClr val="accent2">
                     <a:lumMod val="60000"/>
@@ -10611,7 +17535,7 @@
               </a:rPr>
             </a:br>
             <a:r>
-              <a:rPr lang="en-US" b="0" i="0" dirty="0">
+              <a:rPr lang="en-US" sz="2400" b="0" i="0" dirty="0">
                 <a:solidFill>
                   <a:schemeClr val="accent2">
                     <a:lumMod val="60000"/>
@@ -10621,9 +17545,184 @@
                 <a:effectLst/>
                 <a:latin typeface="Slack-Lato"/>
               </a:rPr>
-              <a:t>	Semiconductor manufacturing machinery prices</a:t>
-            </a:r>
-            <a:endParaRPr lang="en-US" dirty="0">
+              <a:t>New and used automobile prices</a:t>
+            </a:r>
+            <a:br>
+              <a:rPr lang="en-US" sz="2400" b="0" i="0" dirty="0">
+                <a:solidFill>
+                  <a:schemeClr val="accent2">
+                    <a:lumMod val="60000"/>
+                    <a:lumOff val="40000"/>
+                  </a:schemeClr>
+                </a:solidFill>
+                <a:effectLst/>
+                <a:latin typeface="Slack-Lato"/>
+              </a:rPr>
+            </a:br>
+            <a:r>
+              <a:rPr lang="en-US" sz="2400" b="0" i="0" dirty="0">
+                <a:solidFill>
+                  <a:schemeClr val="accent2">
+                    <a:lumMod val="60000"/>
+                    <a:lumOff val="40000"/>
+                  </a:schemeClr>
+                </a:solidFill>
+                <a:effectLst/>
+                <a:latin typeface="Slack-Lato"/>
+              </a:rPr>
+              <a:t>General food prices</a:t>
+            </a:r>
+            <a:br>
+              <a:rPr lang="en-US" sz="2400" b="0" i="0" dirty="0">
+                <a:solidFill>
+                  <a:schemeClr val="accent2">
+                    <a:lumMod val="60000"/>
+                    <a:lumOff val="40000"/>
+                  </a:schemeClr>
+                </a:solidFill>
+                <a:effectLst/>
+                <a:latin typeface="Slack-Lato"/>
+              </a:rPr>
+            </a:br>
+            <a:r>
+              <a:rPr lang="en-US" sz="2400" b="0" i="0" dirty="0">
+                <a:solidFill>
+                  <a:schemeClr val="accent2">
+                    <a:lumMod val="60000"/>
+                    <a:lumOff val="40000"/>
+                  </a:schemeClr>
+                </a:solidFill>
+                <a:effectLst/>
+                <a:latin typeface="Slack-Lato"/>
+              </a:rPr>
+              <a:t>Banana prices</a:t>
+            </a:r>
+            <a:br>
+              <a:rPr lang="en-US" sz="2400" b="0" i="0" dirty="0">
+                <a:solidFill>
+                  <a:schemeClr val="accent2">
+                    <a:lumMod val="60000"/>
+                    <a:lumOff val="40000"/>
+                  </a:schemeClr>
+                </a:solidFill>
+                <a:effectLst/>
+                <a:latin typeface="Slack-Lato"/>
+              </a:rPr>
+            </a:br>
+            <a:r>
+              <a:rPr lang="en-US" sz="2400" b="0" i="0" dirty="0">
+                <a:solidFill>
+                  <a:schemeClr val="accent2">
+                    <a:lumMod val="60000"/>
+                    <a:lumOff val="40000"/>
+                  </a:schemeClr>
+                </a:solidFill>
+                <a:effectLst/>
+                <a:latin typeface="Slack-Lato"/>
+              </a:rPr>
+              <a:t>Egg prices</a:t>
+            </a:r>
+            <a:br>
+              <a:rPr lang="en-US" sz="2400" b="0" i="0" dirty="0">
+                <a:solidFill>
+                  <a:schemeClr val="accent2">
+                    <a:lumMod val="60000"/>
+                    <a:lumOff val="40000"/>
+                  </a:schemeClr>
+                </a:solidFill>
+                <a:effectLst/>
+                <a:latin typeface="Slack-Lato"/>
+              </a:rPr>
+            </a:br>
+            <a:r>
+              <a:rPr lang="en-US" sz="2400" b="0" i="0" dirty="0">
+                <a:solidFill>
+                  <a:schemeClr val="accent2">
+                    <a:lumMod val="60000"/>
+                    <a:lumOff val="40000"/>
+                  </a:schemeClr>
+                </a:solidFill>
+                <a:effectLst/>
+                <a:latin typeface="Slack-Lato"/>
+              </a:rPr>
+              <a:t>Shelter (rent) prices</a:t>
+            </a:r>
+            <a:br>
+              <a:rPr lang="en-US" sz="2400" b="0" i="0" dirty="0">
+                <a:solidFill>
+                  <a:schemeClr val="accent2">
+                    <a:lumMod val="60000"/>
+                    <a:lumOff val="40000"/>
+                  </a:schemeClr>
+                </a:solidFill>
+                <a:effectLst/>
+                <a:latin typeface="Slack-Lato"/>
+              </a:rPr>
+            </a:br>
+            <a:r>
+              <a:rPr lang="en-US" sz="2400" b="0" i="0" dirty="0">
+                <a:solidFill>
+                  <a:schemeClr val="accent2">
+                    <a:lumMod val="60000"/>
+                    <a:lumOff val="40000"/>
+                  </a:schemeClr>
+                </a:solidFill>
+                <a:effectLst/>
+                <a:latin typeface="Slack-Lato"/>
+              </a:rPr>
+              <a:t>Toilet paper prices</a:t>
+            </a:r>
+            <a:br>
+              <a:rPr lang="en-US" sz="2400" b="0" i="0" dirty="0">
+                <a:solidFill>
+                  <a:schemeClr val="accent2">
+                    <a:lumMod val="60000"/>
+                    <a:lumOff val="40000"/>
+                  </a:schemeClr>
+                </a:solidFill>
+                <a:effectLst/>
+                <a:latin typeface="Slack-Lato"/>
+              </a:rPr>
+            </a:br>
+            <a:r>
+              <a:rPr lang="en-US" sz="2400" b="0" i="0" dirty="0">
+                <a:solidFill>
+                  <a:schemeClr val="accent2">
+                    <a:lumMod val="60000"/>
+                    <a:lumOff val="40000"/>
+                  </a:schemeClr>
+                </a:solidFill>
+                <a:effectLst/>
+                <a:latin typeface="Slack-Lato"/>
+              </a:rPr>
+              <a:t>Television prices</a:t>
+            </a:r>
+            <a:br>
+              <a:rPr lang="en-US" sz="2400" b="0" i="0" dirty="0">
+                <a:solidFill>
+                  <a:schemeClr val="accent2">
+                    <a:lumMod val="60000"/>
+                    <a:lumOff val="40000"/>
+                  </a:schemeClr>
+                </a:solidFill>
+                <a:effectLst/>
+                <a:latin typeface="Slack-Lato"/>
+              </a:rPr>
+            </a:br>
+            <a:r>
+              <a:rPr lang="en-US" sz="2400" b="0" i="0" dirty="0">
+                <a:solidFill>
+                  <a:schemeClr val="accent2">
+                    <a:lumMod val="60000"/>
+                    <a:lumOff val="40000"/>
+                  </a:schemeClr>
+                </a:solidFill>
+                <a:effectLst/>
+                <a:latin typeface="Slack-Lato"/>
+              </a:rPr>
+              <a:t>Semiconductor manufacturing machinery prices</a:t>
+            </a:r>
+            <a:endParaRPr lang="en-US" sz="2400" dirty="0">
               <a:solidFill>
                 <a:schemeClr val="accent2">
                   <a:lumMod val="60000"/>
@@ -10631,39 +17730,6 @@
                 </a:schemeClr>
               </a:solidFill>
             </a:endParaRPr>
-          </a:p>
-        </p:txBody>
-      </p:sp>
-      <p:sp>
-        <p:nvSpPr>
-          <p:cNvPr id="3" name="Content Placeholder 2">
-            <a:extLst>
-              <a:ext uri="{FF2B5EF4-FFF2-40B4-BE49-F238E27FC236}">
-                <a16:creationId xmlns:a16="http://schemas.microsoft.com/office/drawing/2014/main" id="{286F4061-3A09-C5AB-9F51-13A600D1ADF1}"/>
-              </a:ext>
-            </a:extLst>
-          </p:cNvPr>
-          <p:cNvSpPr>
-            <a:spLocks noGrp="1"/>
-          </p:cNvSpPr>
-          <p:nvPr>
-            <p:ph idx="4294967295"/>
-          </p:nvPr>
-        </p:nvSpPr>
-        <p:spPr>
-          <a:xfrm>
-            <a:off x="0" y="2160588"/>
-            <a:ext cx="8596313" cy="3881437"/>
-          </a:xfrm>
-        </p:spPr>
-        <p:txBody>
-          <a:bodyPr/>
-          <a:lstStyle/>
-          <a:p>
-            <a:endParaRPr lang="en-US" dirty="0"/>
-          </a:p>
-          <a:p>
-            <a:endParaRPr lang="en-US" dirty="0"/>
           </a:p>
         </p:txBody>
       </p:sp>
@@ -10702,7 +17768,7 @@
           <p:cNvPr id="2" name="Title 1">
             <a:extLst>
               <a:ext uri="{FF2B5EF4-FFF2-40B4-BE49-F238E27FC236}">
-                <a16:creationId xmlns:a16="http://schemas.microsoft.com/office/drawing/2014/main" id="{940003BC-D5F5-44F6-FCA2-BE948FA81A2E}"/>
+                <a16:creationId xmlns:a16="http://schemas.microsoft.com/office/drawing/2014/main" id="{41FF05E5-3BA1-A3F9-025A-03BD3FECD095}"/>
               </a:ext>
             </a:extLst>
           </p:cNvPr>
@@ -10715,42 +17781,37 @@
         </p:nvSpPr>
         <p:spPr>
           <a:xfrm>
-            <a:off x="677334" y="609600"/>
-            <a:ext cx="8596668" cy="442452"/>
+            <a:off x="683234" y="0"/>
+            <a:ext cx="8596668" cy="658761"/>
           </a:xfrm>
         </p:spPr>
         <p:txBody>
-          <a:bodyPr>
-            <a:normAutofit fontScale="90000"/>
-          </a:bodyPr>
+          <a:bodyPr/>
           <a:lstStyle/>
           <a:p>
             <a:r>
-              <a:rPr lang="en-US"/>
-              <a:t>Volatility Comparison</a:t>
-            </a:r>
-            <a:endParaRPr lang="en-US" dirty="0"/>
+              <a:rPr lang="en-US" dirty="0"/>
+              <a:t>All correlation Matrix</a:t>
+            </a:r>
           </a:p>
         </p:txBody>
       </p:sp>
       <p:pic>
         <p:nvPicPr>
-          <p:cNvPr id="7" name="Content Placeholder 6" descr="A picture containing darkness, black, sky, night&#10;&#10;Description automatically generated">
+          <p:cNvPr id="10" name="Picture 9" descr="A screenshot of a computer screen&#10;&#10;Description automatically generated with low confidence">
             <a:extLst>
               <a:ext uri="{FF2B5EF4-FFF2-40B4-BE49-F238E27FC236}">
-                <a16:creationId xmlns:a16="http://schemas.microsoft.com/office/drawing/2014/main" id="{D3E8082F-1CD8-B7FE-4682-DD6B0FFD5453}"/>
+                <a16:creationId xmlns:a16="http://schemas.microsoft.com/office/drawing/2014/main" id="{8F2E93C8-D632-F6DF-8541-3C31798A929A}"/>
               </a:ext>
             </a:extLst>
           </p:cNvPr>
           <p:cNvPicPr>
-            <a:picLocks noGrp="1" noChangeAspect="1"/>
+            <a:picLocks noChangeAspect="1"/>
           </p:cNvPicPr>
-          <p:nvPr>
-            <p:ph idx="1"/>
-          </p:nvPr>
+          <p:nvPr/>
         </p:nvPicPr>
         <p:blipFill>
-          <a:blip r:embed="rId2">
+          <a:blip r:embed="rId3">
             <a:extLst>
               <a:ext uri="{28A0092B-C50C-407E-A947-70E740481C1C}">
                 <a14:useLocalDpi xmlns:a14="http://schemas.microsoft.com/office/drawing/2010/main" val="0"/>
@@ -10763,15 +17824,18 @@
         </p:blipFill>
         <p:spPr>
           <a:xfrm>
-            <a:off x="632408" y="1362751"/>
-            <a:ext cx="9017992" cy="5410795"/>
+            <a:off x="1551526" y="482187"/>
+            <a:ext cx="7880146" cy="7071934"/>
           </a:xfrm>
+          <a:prstGeom prst="rect">
+            <a:avLst/>
+          </a:prstGeom>
         </p:spPr>
       </p:pic>
     </p:spTree>
     <p:extLst>
       <p:ext uri="{BB962C8B-B14F-4D97-AF65-F5344CB8AC3E}">
-        <p14:creationId xmlns:p14="http://schemas.microsoft.com/office/powerpoint/2010/main" val="2651104295"/>
+        <p14:creationId xmlns:p14="http://schemas.microsoft.com/office/powerpoint/2010/main" val="680258934"/>
       </p:ext>
     </p:extLst>
   </p:cSld>
@@ -10803,7 +17867,7 @@
           <p:cNvPr id="2" name="Title 1">
             <a:extLst>
               <a:ext uri="{FF2B5EF4-FFF2-40B4-BE49-F238E27FC236}">
-                <a16:creationId xmlns:a16="http://schemas.microsoft.com/office/drawing/2014/main" id="{41FF05E5-3BA1-A3F9-025A-03BD3FECD095}"/>
+                <a16:creationId xmlns:a16="http://schemas.microsoft.com/office/drawing/2014/main" id="{0E54F51A-4FC2-D180-081F-76377517814D}"/>
               </a:ext>
             </a:extLst>
           </p:cNvPr>
@@ -10814,63 +17878,71 @@
             <p:ph type="title"/>
           </p:nvPr>
         </p:nvSpPr>
-        <p:spPr>
-          <a:xfrm>
-            <a:off x="683234" y="0"/>
-            <a:ext cx="8596668" cy="658761"/>
-          </a:xfrm>
-        </p:spPr>
+        <p:spPr/>
         <p:txBody>
           <a:bodyPr/>
           <a:lstStyle/>
           <a:p>
             <a:r>
               <a:rPr lang="en-US" dirty="0"/>
-              <a:t>All correlation Matrix</a:t>
+              <a:t>Datasets</a:t>
             </a:r>
           </a:p>
         </p:txBody>
       </p:sp>
-      <p:pic>
-        <p:nvPicPr>
-          <p:cNvPr id="10" name="Picture 9" descr="A screenshot of a computer screen&#10;&#10;Description automatically generated with low confidence">
+      <p:sp>
+        <p:nvSpPr>
+          <p:cNvPr id="3" name="Content Placeholder 2">
             <a:extLst>
               <a:ext uri="{FF2B5EF4-FFF2-40B4-BE49-F238E27FC236}">
-                <a16:creationId xmlns:a16="http://schemas.microsoft.com/office/drawing/2014/main" id="{8F2E93C8-D632-F6DF-8541-3C31798A929A}"/>
+                <a16:creationId xmlns:a16="http://schemas.microsoft.com/office/drawing/2014/main" id="{440007C3-FC6B-0552-35C3-2A5C70588C80}"/>
               </a:ext>
             </a:extLst>
           </p:cNvPr>
-          <p:cNvPicPr>
-            <a:picLocks noChangeAspect="1"/>
-          </p:cNvPicPr>
-          <p:nvPr/>
-        </p:nvPicPr>
-        <p:blipFill>
-          <a:blip r:embed="rId2">
-            <a:extLst>
-              <a:ext uri="{28A0092B-C50C-407E-A947-70E740481C1C}">
-                <a14:useLocalDpi xmlns:a14="http://schemas.microsoft.com/office/drawing/2010/main" val="0"/>
-              </a:ext>
-            </a:extLst>
-          </a:blip>
-          <a:stretch>
-            <a:fillRect/>
-          </a:stretch>
-        </p:blipFill>
-        <p:spPr>
-          <a:xfrm>
-            <a:off x="1551526" y="482187"/>
-            <a:ext cx="7880146" cy="7071934"/>
-          </a:xfrm>
-          <a:prstGeom prst="rect">
-            <a:avLst/>
-          </a:prstGeom>
-        </p:spPr>
-      </p:pic>
+          <p:cNvSpPr>
+            <a:spLocks noGrp="1"/>
+          </p:cNvSpPr>
+          <p:nvPr>
+            <p:ph idx="1"/>
+          </p:nvPr>
+        </p:nvSpPr>
+        <p:spPr/>
+        <p:txBody>
+          <a:bodyPr/>
+          <a:lstStyle/>
+          <a:p>
+            <a:r>
+              <a:rPr lang="en-US" dirty="0"/>
+              <a:t>Discuss major events for the dataset</a:t>
+            </a:r>
+          </a:p>
+          <a:p>
+            <a:r>
+              <a:rPr lang="en-US" dirty="0"/>
+              <a:t>Unique trends</a:t>
+            </a:r>
+          </a:p>
+          <a:p>
+            <a:r>
+              <a:rPr lang="en-US" dirty="0"/>
+              <a:t>Did prices return to normal for past events?</a:t>
+            </a:r>
+          </a:p>
+          <a:p>
+            <a:endParaRPr lang="en-US" dirty="0"/>
+          </a:p>
+          <a:p>
+            <a:endParaRPr lang="en-US" dirty="0"/>
+          </a:p>
+          <a:p>
+            <a:endParaRPr lang="en-US" dirty="0"/>
+          </a:p>
+        </p:txBody>
+      </p:sp>
     </p:spTree>
     <p:extLst>
       <p:ext uri="{BB962C8B-B14F-4D97-AF65-F5344CB8AC3E}">
-        <p14:creationId xmlns:p14="http://schemas.microsoft.com/office/powerpoint/2010/main" val="680258934"/>
+        <p14:creationId xmlns:p14="http://schemas.microsoft.com/office/powerpoint/2010/main" val="4053091787"/>
       </p:ext>
     </p:extLst>
   </p:cSld>
@@ -11135,4 +18207,299 @@
     </a:ext>
   </a:extLst>
 </a:theme>
+</file>
+
+<file path=ppt/theme/theme2.xml><?xml version="1.0" encoding="utf-8"?>
+<a:theme xmlns:a="http://schemas.openxmlformats.org/drawingml/2006/main" name="Office Theme">
+  <a:themeElements>
+    <a:clrScheme name="Office">
+      <a:dk1>
+        <a:sysClr val="windowText" lastClr="000000"/>
+      </a:dk1>
+      <a:lt1>
+        <a:sysClr val="window" lastClr="FFFFFF"/>
+      </a:lt1>
+      <a:dk2>
+        <a:srgbClr val="44546A"/>
+      </a:dk2>
+      <a:lt2>
+        <a:srgbClr val="E7E6E6"/>
+      </a:lt2>
+      <a:accent1>
+        <a:srgbClr val="4472C4"/>
+      </a:accent1>
+      <a:accent2>
+        <a:srgbClr val="ED7D31"/>
+      </a:accent2>
+      <a:accent3>
+        <a:srgbClr val="A5A5A5"/>
+      </a:accent3>
+      <a:accent4>
+        <a:srgbClr val="FFC000"/>
+      </a:accent4>
+      <a:accent5>
+        <a:srgbClr val="5B9BD5"/>
+      </a:accent5>
+      <a:accent6>
+        <a:srgbClr val="70AD47"/>
+      </a:accent6>
+      <a:hlink>
+        <a:srgbClr val="0563C1"/>
+      </a:hlink>
+      <a:folHlink>
+        <a:srgbClr val="954F72"/>
+      </a:folHlink>
+    </a:clrScheme>
+    <a:fontScheme name="Office">
+      <a:majorFont>
+        <a:latin typeface="Calibri Light" panose="020F0302020204030204"/>
+        <a:ea typeface=""/>
+        <a:cs typeface=""/>
+        <a:font script="Jpan" typeface="游ゴシック Light"/>
+        <a:font script="Hang" typeface="맑은 고딕"/>
+        <a:font script="Hans" typeface="等线 Light"/>
+        <a:font script="Hant" typeface="新細明體"/>
+        <a:font script="Arab" typeface="Times New Roman"/>
+        <a:font script="Hebr" typeface="Times New Roman"/>
+        <a:font script="Thai" typeface="Angsana New"/>
+        <a:font script="Ethi" typeface="Nyala"/>
+        <a:font script="Beng" typeface="Vrinda"/>
+        <a:font script="Gujr" typeface="Shruti"/>
+        <a:font script="Khmr" typeface="MoolBoran"/>
+        <a:font script="Knda" typeface="Tunga"/>
+        <a:font script="Guru" typeface="Raavi"/>
+        <a:font script="Cans" typeface="Euphemia"/>
+        <a:font script="Cher" typeface="Plantagenet Cherokee"/>
+        <a:font script="Yiii" typeface="Microsoft Yi Baiti"/>
+        <a:font script="Tibt" typeface="Microsoft Himalaya"/>
+        <a:font script="Thaa" typeface="MV Boli"/>
+        <a:font script="Deva" typeface="Mangal"/>
+        <a:font script="Telu" typeface="Gautami"/>
+        <a:font script="Taml" typeface="Latha"/>
+        <a:font script="Syrc" typeface="Estrangelo Edessa"/>
+        <a:font script="Orya" typeface="Kalinga"/>
+        <a:font script="Mlym" typeface="Kartika"/>
+        <a:font script="Laoo" typeface="DokChampa"/>
+        <a:font script="Sinh" typeface="Iskoola Pota"/>
+        <a:font script="Mong" typeface="Mongolian Baiti"/>
+        <a:font script="Viet" typeface="Times New Roman"/>
+        <a:font script="Uigh" typeface="Microsoft Uighur"/>
+        <a:font script="Geor" typeface="Sylfaen"/>
+        <a:font script="Armn" typeface="Arial"/>
+        <a:font script="Bugi" typeface="Leelawadee UI"/>
+        <a:font script="Bopo" typeface="Microsoft JhengHei"/>
+        <a:font script="Java" typeface="Javanese Text"/>
+        <a:font script="Lisu" typeface="Segoe UI"/>
+        <a:font script="Mymr" typeface="Myanmar Text"/>
+        <a:font script="Nkoo" typeface="Ebrima"/>
+        <a:font script="Olck" typeface="Nirmala UI"/>
+        <a:font script="Osma" typeface="Ebrima"/>
+        <a:font script="Phag" typeface="Phagspa"/>
+        <a:font script="Syrn" typeface="Estrangelo Edessa"/>
+        <a:font script="Syrj" typeface="Estrangelo Edessa"/>
+        <a:font script="Syre" typeface="Estrangelo Edessa"/>
+        <a:font script="Sora" typeface="Nirmala UI"/>
+        <a:font script="Tale" typeface="Microsoft Tai Le"/>
+        <a:font script="Talu" typeface="Microsoft New Tai Lue"/>
+        <a:font script="Tfng" typeface="Ebrima"/>
+      </a:majorFont>
+      <a:minorFont>
+        <a:latin typeface="Calibri" panose="020F0502020204030204"/>
+        <a:ea typeface=""/>
+        <a:cs typeface=""/>
+        <a:font script="Jpan" typeface="游ゴシック"/>
+        <a:font script="Hang" typeface="맑은 고딕"/>
+        <a:font script="Hans" typeface="等线"/>
+        <a:font script="Hant" typeface="新細明體"/>
+        <a:font script="Arab" typeface="Arial"/>
+        <a:font script="Hebr" typeface="Arial"/>
+        <a:font script="Thai" typeface="Cordia New"/>
+        <a:font script="Ethi" typeface="Nyala"/>
+        <a:font script="Beng" typeface="Vrinda"/>
+        <a:font script="Gujr" typeface="Shruti"/>
+        <a:font script="Khmr" typeface="DaunPenh"/>
+        <a:font script="Knda" typeface="Tunga"/>
+        <a:font script="Guru" typeface="Raavi"/>
+        <a:font script="Cans" typeface="Euphemia"/>
+        <a:font script="Cher" typeface="Plantagenet Cherokee"/>
+        <a:font script="Yiii" typeface="Microsoft Yi Baiti"/>
+        <a:font script="Tibt" typeface="Microsoft Himalaya"/>
+        <a:font script="Thaa" typeface="MV Boli"/>
+        <a:font script="Deva" typeface="Mangal"/>
+        <a:font script="Telu" typeface="Gautami"/>
+        <a:font script="Taml" typeface="Latha"/>
+        <a:font script="Syrc" typeface="Estrangelo Edessa"/>
+        <a:font script="Orya" typeface="Kalinga"/>
+        <a:font script="Mlym" typeface="Kartika"/>
+        <a:font script="Laoo" typeface="DokChampa"/>
+        <a:font script="Sinh" typeface="Iskoola Pota"/>
+        <a:font script="Mong" typeface="Mongolian Baiti"/>
+        <a:font script="Viet" typeface="Arial"/>
+        <a:font script="Uigh" typeface="Microsoft Uighur"/>
+        <a:font script="Geor" typeface="Sylfaen"/>
+        <a:font script="Armn" typeface="Arial"/>
+        <a:font script="Bugi" typeface="Leelawadee UI"/>
+        <a:font script="Bopo" typeface="Microsoft JhengHei"/>
+        <a:font script="Java" typeface="Javanese Text"/>
+        <a:font script="Lisu" typeface="Segoe UI"/>
+        <a:font script="Mymr" typeface="Myanmar Text"/>
+        <a:font script="Nkoo" typeface="Ebrima"/>
+        <a:font script="Olck" typeface="Nirmala UI"/>
+        <a:font script="Osma" typeface="Ebrima"/>
+        <a:font script="Phag" typeface="Phagspa"/>
+        <a:font script="Syrn" typeface="Estrangelo Edessa"/>
+        <a:font script="Syrj" typeface="Estrangelo Edessa"/>
+        <a:font script="Syre" typeface="Estrangelo Edessa"/>
+        <a:font script="Sora" typeface="Nirmala UI"/>
+        <a:font script="Tale" typeface="Microsoft Tai Le"/>
+        <a:font script="Talu" typeface="Microsoft New Tai Lue"/>
+        <a:font script="Tfng" typeface="Ebrima"/>
+      </a:minorFont>
+    </a:fontScheme>
+    <a:fmtScheme name="Office">
+      <a:fillStyleLst>
+        <a:solidFill>
+          <a:schemeClr val="phClr"/>
+        </a:solidFill>
+        <a:gradFill rotWithShape="1">
+          <a:gsLst>
+            <a:gs pos="0">
+              <a:schemeClr val="phClr">
+                <a:lumMod val="110000"/>
+                <a:satMod val="105000"/>
+                <a:tint val="67000"/>
+              </a:schemeClr>
+            </a:gs>
+            <a:gs pos="50000">
+              <a:schemeClr val="phClr">
+                <a:lumMod val="105000"/>
+                <a:satMod val="103000"/>
+                <a:tint val="73000"/>
+              </a:schemeClr>
+            </a:gs>
+            <a:gs pos="100000">
+              <a:schemeClr val="phClr">
+                <a:lumMod val="105000"/>
+                <a:satMod val="109000"/>
+                <a:tint val="81000"/>
+              </a:schemeClr>
+            </a:gs>
+          </a:gsLst>
+          <a:lin ang="5400000" scaled="0"/>
+        </a:gradFill>
+        <a:gradFill rotWithShape="1">
+          <a:gsLst>
+            <a:gs pos="0">
+              <a:schemeClr val="phClr">
+                <a:satMod val="103000"/>
+                <a:lumMod val="102000"/>
+                <a:tint val="94000"/>
+              </a:schemeClr>
+            </a:gs>
+            <a:gs pos="50000">
+              <a:schemeClr val="phClr">
+                <a:satMod val="110000"/>
+                <a:lumMod val="100000"/>
+                <a:shade val="100000"/>
+              </a:schemeClr>
+            </a:gs>
+            <a:gs pos="100000">
+              <a:schemeClr val="phClr">
+                <a:lumMod val="99000"/>
+                <a:satMod val="120000"/>
+                <a:shade val="78000"/>
+              </a:schemeClr>
+            </a:gs>
+          </a:gsLst>
+          <a:lin ang="5400000" scaled="0"/>
+        </a:gradFill>
+      </a:fillStyleLst>
+      <a:lnStyleLst>
+        <a:ln w="6350" cap="flat" cmpd="sng" algn="ctr">
+          <a:solidFill>
+            <a:schemeClr val="phClr"/>
+          </a:solidFill>
+          <a:prstDash val="solid"/>
+          <a:miter lim="800000"/>
+        </a:ln>
+        <a:ln w="12700" cap="flat" cmpd="sng" algn="ctr">
+          <a:solidFill>
+            <a:schemeClr val="phClr"/>
+          </a:solidFill>
+          <a:prstDash val="solid"/>
+          <a:miter lim="800000"/>
+        </a:ln>
+        <a:ln w="19050" cap="flat" cmpd="sng" algn="ctr">
+          <a:solidFill>
+            <a:schemeClr val="phClr"/>
+          </a:solidFill>
+          <a:prstDash val="solid"/>
+          <a:miter lim="800000"/>
+        </a:ln>
+      </a:lnStyleLst>
+      <a:effectStyleLst>
+        <a:effectStyle>
+          <a:effectLst/>
+        </a:effectStyle>
+        <a:effectStyle>
+          <a:effectLst/>
+        </a:effectStyle>
+        <a:effectStyle>
+          <a:effectLst>
+            <a:outerShdw blurRad="57150" dist="19050" dir="5400000" algn="ctr" rotWithShape="0">
+              <a:srgbClr val="000000">
+                <a:alpha val="63000"/>
+              </a:srgbClr>
+            </a:outerShdw>
+          </a:effectLst>
+        </a:effectStyle>
+      </a:effectStyleLst>
+      <a:bgFillStyleLst>
+        <a:solidFill>
+          <a:schemeClr val="phClr"/>
+        </a:solidFill>
+        <a:solidFill>
+          <a:schemeClr val="phClr">
+            <a:tint val="95000"/>
+            <a:satMod val="170000"/>
+          </a:schemeClr>
+        </a:solidFill>
+        <a:gradFill rotWithShape="1">
+          <a:gsLst>
+            <a:gs pos="0">
+              <a:schemeClr val="phClr">
+                <a:tint val="93000"/>
+                <a:satMod val="150000"/>
+                <a:shade val="98000"/>
+                <a:lumMod val="102000"/>
+              </a:schemeClr>
+            </a:gs>
+            <a:gs pos="50000">
+              <a:schemeClr val="phClr">
+                <a:tint val="98000"/>
+                <a:satMod val="130000"/>
+                <a:shade val="90000"/>
+                <a:lumMod val="103000"/>
+              </a:schemeClr>
+            </a:gs>
+            <a:gs pos="100000">
+              <a:schemeClr val="phClr">
+                <a:shade val="63000"/>
+                <a:satMod val="120000"/>
+              </a:schemeClr>
+            </a:gs>
+          </a:gsLst>
+          <a:lin ang="5400000" scaled="0"/>
+        </a:gradFill>
+      </a:bgFillStyleLst>
+    </a:fmtScheme>
+  </a:themeElements>
+  <a:objectDefaults/>
+  <a:extraClrSchemeLst/>
+  <a:extLst>
+    <a:ext uri="{05A4C25C-085E-4340-85A3-A5531E510DB2}">
+      <thm15:themeFamily xmlns:thm15="http://schemas.microsoft.com/office/thememl/2012/main" name="Office Theme" id="{62F939B6-93AF-4DB8-9C6B-D6C7DFDC589F}" vid="{4A3C46E8-61CC-4603-A589-7422A47A8E4A}"/>
+    </a:ext>
+  </a:extLst>
+</a:theme>
 </file>